--- a/slides/Person ReID.pptx
+++ b/slides/Person ReID.pptx
@@ -9,22 +9,22 @@
   </p:notesMasterIdLst>
   <p:sldIdLst>
     <p:sldId id="272" r:id="rId2"/>
-    <p:sldId id="273" r:id="rId3"/>
-    <p:sldId id="311" r:id="rId4"/>
-    <p:sldId id="275" r:id="rId5"/>
-    <p:sldId id="310" r:id="rId6"/>
-    <p:sldId id="312" r:id="rId7"/>
-    <p:sldId id="314" r:id="rId8"/>
-    <p:sldId id="315" r:id="rId9"/>
-    <p:sldId id="316" r:id="rId10"/>
-    <p:sldId id="317" r:id="rId11"/>
-    <p:sldId id="318" r:id="rId12"/>
-    <p:sldId id="301" r:id="rId13"/>
-    <p:sldId id="300" r:id="rId14"/>
-    <p:sldId id="305" r:id="rId15"/>
-    <p:sldId id="306" r:id="rId16"/>
-    <p:sldId id="304" r:id="rId17"/>
-    <p:sldId id="313" r:id="rId18"/>
+    <p:sldId id="319" r:id="rId3"/>
+    <p:sldId id="273" r:id="rId4"/>
+    <p:sldId id="311" r:id="rId5"/>
+    <p:sldId id="275" r:id="rId6"/>
+    <p:sldId id="320" r:id="rId7"/>
+    <p:sldId id="310" r:id="rId8"/>
+    <p:sldId id="321" r:id="rId9"/>
+    <p:sldId id="323" r:id="rId10"/>
+    <p:sldId id="312" r:id="rId11"/>
+    <p:sldId id="329" r:id="rId12"/>
+    <p:sldId id="324" r:id="rId13"/>
+    <p:sldId id="315" r:id="rId14"/>
+    <p:sldId id="325" r:id="rId15"/>
+    <p:sldId id="326" r:id="rId16"/>
+    <p:sldId id="327" r:id="rId17"/>
+    <p:sldId id="328" r:id="rId18"/>
   </p:sldIdLst>
   <p:sldSz cx="12192000" cy="6858000"/>
   <p:notesSz cx="6858000" cy="9144000"/>
@@ -213,7 +213,7 @@
           <a:p>
             <a:fld id="{90C6AC86-5FB1-4D14-A57E-E3B6D7162CF8}" type="datetimeFigureOut">
               <a:rPr lang="ko-KR" altLang="en-US" smtClean="0"/>
-              <a:t>2021-06-29</a:t>
+              <a:t>2021-08-26</a:t>
             </a:fld>
             <a:endParaRPr lang="ko-KR" altLang="en-US"/>
           </a:p>
@@ -552,7 +552,7 @@
           <a:p>
             <a:fld id="{9395C27F-C9AB-47F5-894B-4B68EA5D40D5}" type="slidenum">
               <a:rPr lang="ko-KR" altLang="en-US" smtClean="0"/>
-              <a:t>2</a:t>
+              <a:t>3</a:t>
             </a:fld>
             <a:endParaRPr lang="ko-KR" altLang="en-US"/>
           </a:p>
@@ -562,307 +562,6 @@
     <p:extLst>
       <p:ext uri="{BB962C8B-B14F-4D97-AF65-F5344CB8AC3E}">
         <p14:creationId xmlns:p14="http://schemas.microsoft.com/office/powerpoint/2010/main" val="405576256"/>
-      </p:ext>
-    </p:extLst>
-  </p:cSld>
-  <p:clrMapOvr>
-    <a:masterClrMapping/>
-  </p:clrMapOvr>
-</p:notes>
-</file>
-
-<file path=ppt/notesSlides/notesSlide10.xml><?xml version="1.0" encoding="utf-8"?>
-<p:notes xmlns:a="http://schemas.openxmlformats.org/drawingml/2006/main" xmlns:r="http://schemas.openxmlformats.org/officeDocument/2006/relationships" xmlns:p="http://schemas.openxmlformats.org/presentationml/2006/main">
-  <p:cSld>
-    <p:spTree>
-      <p:nvGrpSpPr>
-        <p:cNvPr id="1" name=""/>
-        <p:cNvGrpSpPr/>
-        <p:nvPr/>
-      </p:nvGrpSpPr>
-      <p:grpSpPr>
-        <a:xfrm>
-          <a:off x="0" y="0"/>
-          <a:ext cx="0" cy="0"/>
-          <a:chOff x="0" y="0"/>
-          <a:chExt cx="0" cy="0"/>
-        </a:xfrm>
-      </p:grpSpPr>
-      <p:sp>
-        <p:nvSpPr>
-          <p:cNvPr id="2" name="슬라이드 이미지 개체 틀 1"/>
-          <p:cNvSpPr>
-            <a:spLocks noGrp="1" noRot="1" noChangeAspect="1"/>
-          </p:cNvSpPr>
-          <p:nvPr>
-            <p:ph type="sldImg"/>
-          </p:nvPr>
-        </p:nvSpPr>
-        <p:spPr/>
-      </p:sp>
-      <p:sp>
-        <p:nvSpPr>
-          <p:cNvPr id="3" name="슬라이드 노트 개체 틀 2"/>
-          <p:cNvSpPr>
-            <a:spLocks noGrp="1"/>
-          </p:cNvSpPr>
-          <p:nvPr>
-            <p:ph type="body" idx="1"/>
-          </p:nvPr>
-        </p:nvSpPr>
-        <p:spPr/>
-        <p:txBody>
-          <a:bodyPr/>
-          <a:lstStyle/>
-          <a:p>
-            <a:r>
-              <a:rPr lang="ko-KR" altLang="en-US" dirty="0"/>
-              <a:t>첫번째</a:t>
-            </a:r>
-            <a:r>
-              <a:rPr lang="en-US" altLang="ko-KR" dirty="0"/>
-              <a:t>:</a:t>
-            </a:r>
-          </a:p>
-          <a:p>
-            <a:r>
-              <a:rPr lang="en-US" altLang="ko-KR" dirty="0"/>
-              <a:t>Unrelated</a:t>
-            </a:r>
-            <a:r>
-              <a:rPr lang="ko-KR" altLang="en-US" dirty="0"/>
-              <a:t>특성</a:t>
-            </a:r>
-            <a:r>
-              <a:rPr lang="en-US" altLang="ko-KR" dirty="0"/>
-              <a:t>(</a:t>
-            </a:r>
-            <a:r>
-              <a:rPr lang="ko-KR" altLang="en-US" dirty="0"/>
-              <a:t>포즈</a:t>
-            </a:r>
-            <a:r>
-              <a:rPr lang="en-US" altLang="ko-KR" dirty="0"/>
-              <a:t>, </a:t>
-            </a:r>
-            <a:r>
-              <a:rPr lang="ko-KR" altLang="en-US" dirty="0"/>
-              <a:t>백그라운드</a:t>
-            </a:r>
-            <a:r>
-              <a:rPr lang="en-US" altLang="ko-KR" dirty="0"/>
-              <a:t>, scale, …)</a:t>
-            </a:r>
-            <a:r>
-              <a:rPr lang="ko-KR" altLang="en-US" dirty="0"/>
-              <a:t>을 고정하고 </a:t>
-            </a:r>
-            <a:r>
-              <a:rPr lang="en-US" altLang="ko-KR" dirty="0"/>
-              <a:t>related </a:t>
-            </a:r>
-            <a:r>
-              <a:rPr lang="ko-KR" altLang="en-US" dirty="0"/>
-              <a:t>특성을 </a:t>
-            </a:r>
-            <a:r>
-              <a:rPr lang="ko-KR" altLang="en-US" dirty="0" err="1"/>
-              <a:t>보간해</a:t>
-            </a:r>
-            <a:r>
-              <a:rPr lang="ko-KR" altLang="en-US" dirty="0"/>
-              <a:t> 생성한 이미지</a:t>
-            </a:r>
-            <a:r>
-              <a:rPr lang="en-US" altLang="ko-KR" dirty="0"/>
-              <a:t>.</a:t>
-            </a:r>
-          </a:p>
-          <a:p>
-            <a:r>
-              <a:rPr lang="ko-KR" altLang="en-US" dirty="0"/>
-              <a:t>두번째</a:t>
-            </a:r>
-            <a:r>
-              <a:rPr lang="en-US" altLang="ko-KR" dirty="0"/>
-              <a:t>:</a:t>
-            </a:r>
-          </a:p>
-          <a:p>
-            <a:r>
-              <a:rPr lang="en-US" altLang="ko-KR" dirty="0"/>
-              <a:t>Related</a:t>
-            </a:r>
-            <a:r>
-              <a:rPr lang="ko-KR" altLang="en-US" dirty="0"/>
-              <a:t>특성</a:t>
-            </a:r>
-            <a:r>
-              <a:rPr lang="en-US" altLang="ko-KR" dirty="0"/>
-              <a:t>(</a:t>
-            </a:r>
-            <a:r>
-              <a:rPr lang="ko-KR" altLang="en-US" dirty="0"/>
-              <a:t>헤어스타일</a:t>
-            </a:r>
-            <a:r>
-              <a:rPr lang="en-US" altLang="ko-KR" dirty="0"/>
-              <a:t>, </a:t>
-            </a:r>
-            <a:r>
-              <a:rPr lang="ko-KR" altLang="en-US" dirty="0"/>
-              <a:t>옷</a:t>
-            </a:r>
-            <a:r>
-              <a:rPr lang="en-US" altLang="ko-KR" dirty="0"/>
-              <a:t>, …)</a:t>
-            </a:r>
-            <a:r>
-              <a:rPr lang="ko-KR" altLang="en-US" dirty="0"/>
-              <a:t>을 고정하고</a:t>
-            </a:r>
-            <a:r>
-              <a:rPr lang="en-US" altLang="ko-KR" dirty="0"/>
-              <a:t>, unrelated</a:t>
-            </a:r>
-            <a:r>
-              <a:rPr lang="ko-KR" altLang="en-US" dirty="0"/>
-              <a:t> 특성만 </a:t>
-            </a:r>
-            <a:r>
-              <a:rPr lang="ko-KR" altLang="en-US" dirty="0" err="1"/>
-              <a:t>보간해</a:t>
-            </a:r>
-            <a:r>
-              <a:rPr lang="ko-KR" altLang="en-US" dirty="0"/>
-              <a:t> 생성한 이미지</a:t>
-            </a:r>
-            <a:r>
-              <a:rPr lang="en-US" altLang="ko-KR" dirty="0"/>
-              <a:t>.</a:t>
-            </a:r>
-          </a:p>
-        </p:txBody>
-      </p:sp>
-      <p:sp>
-        <p:nvSpPr>
-          <p:cNvPr id="4" name="슬라이드 번호 개체 틀 3"/>
-          <p:cNvSpPr>
-            <a:spLocks noGrp="1"/>
-          </p:cNvSpPr>
-          <p:nvPr>
-            <p:ph type="sldNum" sz="quarter" idx="5"/>
-          </p:nvPr>
-        </p:nvSpPr>
-        <p:spPr/>
-        <p:txBody>
-          <a:bodyPr/>
-          <a:lstStyle/>
-          <a:p>
-            <a:fld id="{9395C27F-C9AB-47F5-894B-4B68EA5D40D5}" type="slidenum">
-              <a:rPr lang="ko-KR" altLang="en-US" smtClean="0"/>
-              <a:t>15</a:t>
-            </a:fld>
-            <a:endParaRPr lang="ko-KR" altLang="en-US"/>
-          </a:p>
-        </p:txBody>
-      </p:sp>
-    </p:spTree>
-    <p:extLst>
-      <p:ext uri="{BB962C8B-B14F-4D97-AF65-F5344CB8AC3E}">
-        <p14:creationId xmlns:p14="http://schemas.microsoft.com/office/powerpoint/2010/main" val="3678470505"/>
-      </p:ext>
-    </p:extLst>
-  </p:cSld>
-  <p:clrMapOvr>
-    <a:masterClrMapping/>
-  </p:clrMapOvr>
-</p:notes>
-</file>
-
-<file path=ppt/notesSlides/notesSlide11.xml><?xml version="1.0" encoding="utf-8"?>
-<p:notes xmlns:a="http://schemas.openxmlformats.org/drawingml/2006/main" xmlns:r="http://schemas.openxmlformats.org/officeDocument/2006/relationships" xmlns:p="http://schemas.openxmlformats.org/presentationml/2006/main">
-  <p:cSld>
-    <p:spTree>
-      <p:nvGrpSpPr>
-        <p:cNvPr id="1" name=""/>
-        <p:cNvGrpSpPr/>
-        <p:nvPr/>
-      </p:nvGrpSpPr>
-      <p:grpSpPr>
-        <a:xfrm>
-          <a:off x="0" y="0"/>
-          <a:ext cx="0" cy="0"/>
-          <a:chOff x="0" y="0"/>
-          <a:chExt cx="0" cy="0"/>
-        </a:xfrm>
-      </p:grpSpPr>
-      <p:sp>
-        <p:nvSpPr>
-          <p:cNvPr id="2" name="슬라이드 이미지 개체 틀 1"/>
-          <p:cNvSpPr>
-            <a:spLocks noGrp="1" noRot="1" noChangeAspect="1"/>
-          </p:cNvSpPr>
-          <p:nvPr>
-            <p:ph type="sldImg"/>
-          </p:nvPr>
-        </p:nvSpPr>
-        <p:spPr/>
-      </p:sp>
-      <p:sp>
-        <p:nvSpPr>
-          <p:cNvPr id="3" name="슬라이드 노트 개체 틀 2"/>
-          <p:cNvSpPr>
-            <a:spLocks noGrp="1"/>
-          </p:cNvSpPr>
-          <p:nvPr>
-            <p:ph type="body" idx="1"/>
-          </p:nvPr>
-        </p:nvSpPr>
-        <p:spPr/>
-        <p:txBody>
-          <a:bodyPr/>
-          <a:lstStyle/>
-          <a:p>
-            <a:r>
-              <a:rPr lang="en-US" altLang="ko-KR" dirty="0"/>
-              <a:t>IDE</a:t>
-            </a:r>
-            <a:r>
-              <a:rPr lang="ko-KR" altLang="en-US" dirty="0"/>
-              <a:t>가 </a:t>
-            </a:r>
-            <a:endParaRPr lang="en-US" altLang="ko-KR" dirty="0"/>
-          </a:p>
-        </p:txBody>
-      </p:sp>
-      <p:sp>
-        <p:nvSpPr>
-          <p:cNvPr id="4" name="슬라이드 번호 개체 틀 3"/>
-          <p:cNvSpPr>
-            <a:spLocks noGrp="1"/>
-          </p:cNvSpPr>
-          <p:nvPr>
-            <p:ph type="sldNum" sz="quarter" idx="5"/>
-          </p:nvPr>
-        </p:nvSpPr>
-        <p:spPr/>
-        <p:txBody>
-          <a:bodyPr/>
-          <a:lstStyle/>
-          <a:p>
-            <a:fld id="{9395C27F-C9AB-47F5-894B-4B68EA5D40D5}" type="slidenum">
-              <a:rPr lang="ko-KR" altLang="en-US" smtClean="0"/>
-              <a:t>16</a:t>
-            </a:fld>
-            <a:endParaRPr lang="ko-KR" altLang="en-US"/>
-          </a:p>
-        </p:txBody>
-      </p:sp>
-    </p:spTree>
-    <p:extLst>
-      <p:ext uri="{BB962C8B-B14F-4D97-AF65-F5344CB8AC3E}">
-        <p14:creationId xmlns:p14="http://schemas.microsoft.com/office/powerpoint/2010/main" val="2269353689"/>
       </p:ext>
     </p:extLst>
   </p:cSld>
@@ -944,7 +643,7 @@
           <a:p>
             <a:fld id="{9395C27F-C9AB-47F5-894B-4B68EA5D40D5}" type="slidenum">
               <a:rPr lang="ko-KR" altLang="en-US" smtClean="0"/>
-              <a:t>3</a:t>
+              <a:t>4</a:t>
             </a:fld>
             <a:endParaRPr lang="ko-KR" altLang="en-US"/>
           </a:p>
@@ -1053,7 +752,7 @@
           <a:p>
             <a:fld id="{9395C27F-C9AB-47F5-894B-4B68EA5D40D5}" type="slidenum">
               <a:rPr lang="ko-KR" altLang="en-US" smtClean="0"/>
-              <a:t>4</a:t>
+              <a:t>5</a:t>
             </a:fld>
             <a:endParaRPr lang="ko-KR" altLang="en-US"/>
           </a:p>
@@ -1198,7 +897,7 @@
           <a:p>
             <a:fld id="{9395C27F-C9AB-47F5-894B-4B68EA5D40D5}" type="slidenum">
               <a:rPr lang="ko-KR" altLang="en-US" smtClean="0"/>
-              <a:t>5</a:t>
+              <a:t>7</a:t>
             </a:fld>
             <a:endParaRPr lang="ko-KR" altLang="en-US"/>
           </a:p>
@@ -1263,19 +962,43 @@
           <a:p>
             <a:r>
               <a:rPr lang="en-US" altLang="ko-KR" dirty="0"/>
-              <a:t>Disentangling factors of variation in deep representations using adversarial training</a:t>
+              <a:t>AE</a:t>
             </a:r>
             <a:r>
               <a:rPr lang="ko-KR" altLang="en-US" dirty="0"/>
-              <a:t>논문이랑 </a:t>
-            </a:r>
-            <a:r>
-              <a:rPr lang="en-US" altLang="ko-KR" dirty="0"/>
-              <a:t>DG-NET</a:t>
+              <a:t>의 목적은 새로운 데이터의 생성이 아닌</a:t>
+            </a:r>
+            <a:r>
+              <a:rPr lang="en-US" altLang="ko-KR" dirty="0"/>
+              <a:t>, </a:t>
             </a:r>
             <a:r>
               <a:rPr lang="ko-KR" altLang="en-US" dirty="0"/>
-              <a:t>논문 참고해서 만듦</a:t>
+              <a:t>복원이기 때문에</a:t>
+            </a:r>
+            <a:r>
+              <a:rPr lang="en-US" altLang="ko-KR" dirty="0"/>
+              <a:t>, latent </a:t>
+            </a:r>
+            <a:r>
+              <a:rPr lang="ko-KR" altLang="en-US" dirty="0"/>
+              <a:t>값에 수정을 하게 될 경우 그에 상응하는 결과를 만들 수 있다는 가정이 없음</a:t>
+            </a:r>
+            <a:r>
+              <a:rPr lang="en-US" altLang="ko-KR" dirty="0"/>
+              <a:t>. </a:t>
+            </a:r>
+            <a:r>
+              <a:rPr lang="ko-KR" altLang="en-US" dirty="0"/>
+              <a:t>따라서 </a:t>
+            </a:r>
+            <a:r>
+              <a:rPr lang="en-US" altLang="ko-KR" dirty="0"/>
+              <a:t>GAN</a:t>
+            </a:r>
+            <a:r>
+              <a:rPr lang="ko-KR" altLang="en-US" dirty="0"/>
+              <a:t>이 필요함</a:t>
             </a:r>
             <a:r>
               <a:rPr lang="en-US" altLang="ko-KR" dirty="0"/>
@@ -1283,82 +1006,80 @@
             </a:r>
           </a:p>
           <a:p>
-            <a:endParaRPr lang="en-US" altLang="ko-KR" dirty="0"/>
-          </a:p>
-          <a:p>
-            <a:r>
-              <a:rPr lang="en-US" altLang="ko-KR" dirty="0"/>
-              <a:t>DG-NET</a:t>
+            <a:r>
+              <a:rPr lang="en-US" altLang="ko-KR" dirty="0"/>
+              <a:t>GAN</a:t>
             </a:r>
             <a:r>
               <a:rPr lang="ko-KR" altLang="en-US" dirty="0"/>
-              <a:t>논문 </a:t>
-            </a:r>
-            <a:r>
-              <a:rPr lang="en-US" altLang="ko-KR" dirty="0"/>
-              <a:t>3</a:t>
+              <a:t>은 </a:t>
+            </a:r>
+            <a:r>
+              <a:rPr lang="en-US" altLang="ko-KR" dirty="0"/>
+              <a:t>Mode </a:t>
+            </a:r>
+            <a:r>
+              <a:rPr lang="en-US" altLang="ko-KR" dirty="0" err="1"/>
+              <a:t>collaps</a:t>
             </a:r>
             <a:r>
               <a:rPr lang="ko-KR" altLang="en-US" dirty="0"/>
-              <a:t>페이지</a:t>
-            </a:r>
-            <a:r>
-              <a:rPr lang="en-US" altLang="ko-KR" dirty="0"/>
-              <a:t>: Meanwhile, some recent studies also exploit synthetic data for style transfer of pedestrian images to compensate for the disparity between the source and target domains. </a:t>
+              <a:t>가 일어나는데</a:t>
+            </a:r>
+            <a:r>
+              <a:rPr lang="en-US" altLang="ko-KR" dirty="0"/>
+              <a:t>, </a:t>
             </a:r>
             <a:r>
               <a:rPr lang="en-US" altLang="ko-KR" dirty="0" err="1"/>
-              <a:t>CycleGAN</a:t>
-            </a:r>
-            <a:r>
-              <a:rPr lang="en-US" altLang="ko-KR" dirty="0"/>
-              <a:t> is applied in to transfer pedestrian image style from one dataset to another. =&gt; </a:t>
+              <a:t>gan</a:t>
             </a:r>
             <a:r>
               <a:rPr lang="ko-KR" altLang="en-US" dirty="0"/>
-              <a:t>스타일 변환을 통해 도메인 </a:t>
-            </a:r>
-            <a:r>
-              <a:rPr lang="en-US" altLang="ko-KR" dirty="0"/>
-              <a:t>Adaptation </a:t>
+              <a:t>의 목적은 오직 현실적인 결과를 내놓는 </a:t>
+            </a:r>
+            <a:r>
+              <a:rPr lang="ko-KR" altLang="en-US" dirty="0" err="1"/>
+              <a:t>것일뿐</a:t>
             </a:r>
             <a:r>
               <a:rPr lang="ko-KR" altLang="en-US" dirty="0"/>
-              <a:t>시도가 있었음</a:t>
-            </a:r>
-            <a:r>
-              <a:rPr lang="en-US" altLang="ko-KR" dirty="0"/>
-              <a:t>(</a:t>
-            </a:r>
-            <a:r>
-              <a:rPr lang="en-US" altLang="ko-KR" dirty="0" err="1"/>
-              <a:t>CycleGAN</a:t>
+              <a:t> 다양한 샘플을 </a:t>
+            </a:r>
+            <a:r>
+              <a:rPr lang="ko-KR" altLang="en-US" dirty="0" err="1"/>
+              <a:t>만드는것은</a:t>
             </a:r>
             <a:r>
               <a:rPr lang="ko-KR" altLang="en-US" dirty="0"/>
-              <a:t>으로 소스 </a:t>
-            </a:r>
-            <a:r>
-              <a:rPr lang="en-US" altLang="ko-KR" dirty="0"/>
-              <a:t>dataset</a:t>
+              <a:t> 아니기 때문에</a:t>
+            </a:r>
+            <a:r>
+              <a:rPr lang="en-US" altLang="ko-KR" dirty="0"/>
+              <a:t>, AE</a:t>
             </a:r>
             <a:r>
               <a:rPr lang="ko-KR" altLang="en-US" dirty="0"/>
-              <a:t>의 보행자 이미지의 스타일을 </a:t>
-            </a:r>
-            <a:r>
-              <a:rPr lang="en-US" altLang="ko-KR" dirty="0"/>
-              <a:t>target </a:t>
+              <a:t>가 필요함</a:t>
+            </a:r>
+            <a:r>
+              <a:rPr lang="en-US" altLang="ko-KR" dirty="0"/>
+              <a:t>.</a:t>
+            </a:r>
+          </a:p>
+          <a:p>
+            <a:r>
+              <a:rPr lang="ko-KR" altLang="en-US" dirty="0" err="1"/>
+              <a:t>디코더를</a:t>
             </a:r>
             <a:r>
               <a:rPr lang="ko-KR" altLang="en-US" dirty="0"/>
-              <a:t>데이터셋의 스타일로 변경</a:t>
-            </a:r>
-            <a:r>
-              <a:rPr lang="en-US" altLang="ko-KR" dirty="0"/>
-              <a:t>)</a:t>
-            </a:r>
-            <a:endParaRPr lang="ko-KR" altLang="en-US" dirty="0"/>
+              <a:t> 생성모델로 사용할 수 없는 이유</a:t>
+            </a:r>
+            <a:r>
+              <a:rPr lang="en-US" altLang="ko-KR" dirty="0"/>
+              <a:t>: `This is because the encodings E(X) are not constrained to a smooth, well-behaved distribution`</a:t>
+            </a:r>
           </a:p>
         </p:txBody>
       </p:sp>
@@ -1379,7 +1100,7 @@
           <a:p>
             <a:fld id="{9395C27F-C9AB-47F5-894B-4B68EA5D40D5}" type="slidenum">
               <a:rPr lang="ko-KR" altLang="en-US" smtClean="0"/>
-              <a:t>6</a:t>
+              <a:t>8</a:t>
             </a:fld>
             <a:endParaRPr lang="ko-KR" altLang="en-US"/>
           </a:p>
@@ -1388,7 +1109,7 @@
     </p:spTree>
     <p:extLst>
       <p:ext uri="{BB962C8B-B14F-4D97-AF65-F5344CB8AC3E}">
-        <p14:creationId xmlns:p14="http://schemas.microsoft.com/office/powerpoint/2010/main" val="1395600587"/>
+        <p14:creationId xmlns:p14="http://schemas.microsoft.com/office/powerpoint/2010/main" val="4248347016"/>
       </p:ext>
     </p:extLst>
   </p:cSld>
@@ -1444,20 +1165,101 @@
           <a:p>
             <a:r>
               <a:rPr lang="en-US" altLang="ko-KR" dirty="0"/>
-              <a:t>to force the… =&gt; cycle </a:t>
-            </a:r>
-            <a:r>
-              <a:rPr lang="en-US" altLang="ko-KR" dirty="0" err="1"/>
-              <a:t>gan</a:t>
-            </a:r>
-            <a:r>
-              <a:rPr lang="en-US" altLang="ko-KR" dirty="0"/>
-              <a:t> </a:t>
+              <a:t>1. GAN </a:t>
             </a:r>
             <a:r>
               <a:rPr lang="ko-KR" altLang="en-US" dirty="0"/>
-              <a:t>내용임</a:t>
-            </a:r>
+              <a:t>안정화</a:t>
+            </a:r>
+            <a:r>
+              <a:rPr lang="en-US" altLang="ko-KR" dirty="0"/>
+              <a:t>: Random z</a:t>
+            </a:r>
+            <a:r>
+              <a:rPr lang="ko-KR" altLang="en-US" dirty="0"/>
+              <a:t>에서 생성 </a:t>
+            </a:r>
+            <a:r>
+              <a:rPr lang="ko-KR" altLang="en-US" dirty="0" err="1"/>
+              <a:t>하는것</a:t>
+            </a:r>
+            <a:r>
+              <a:rPr lang="ko-KR" altLang="en-US" dirty="0"/>
+              <a:t> 보단</a:t>
+            </a:r>
+            <a:r>
+              <a:rPr lang="en-US" altLang="ko-KR" dirty="0"/>
+              <a:t>, low-dim </a:t>
+            </a:r>
+            <a:r>
+              <a:rPr lang="ko-KR" altLang="en-US" dirty="0"/>
+              <a:t>다양체에서 </a:t>
+            </a:r>
+            <a:r>
+              <a:rPr lang="ko-KR" altLang="en-US" dirty="0" err="1"/>
+              <a:t>생성하는게</a:t>
+            </a:r>
+            <a:r>
+              <a:rPr lang="ko-KR" altLang="en-US" dirty="0"/>
+              <a:t> 더 쉬움</a:t>
+            </a:r>
+            <a:r>
+              <a:rPr lang="en-US" altLang="ko-KR" dirty="0"/>
+              <a:t>.</a:t>
+            </a:r>
+          </a:p>
+          <a:p>
+            <a:r>
+              <a:rPr lang="en-US" altLang="ko-KR" dirty="0"/>
+              <a:t>2. Recon loss</a:t>
+            </a:r>
+            <a:r>
+              <a:rPr lang="ko-KR" altLang="en-US" dirty="0"/>
+              <a:t> 때문에 사실적이기만 한 결과가 아니라</a:t>
+            </a:r>
+            <a:r>
+              <a:rPr lang="en-US" altLang="ko-KR" dirty="0"/>
+              <a:t>, </a:t>
+            </a:r>
+            <a:r>
+              <a:rPr lang="ko-KR" altLang="en-US" dirty="0"/>
+              <a:t>입력과 동일한 출력이 목적으로 추가돼서 </a:t>
+            </a:r>
+            <a:r>
+              <a:rPr lang="en-US" altLang="ko-KR" dirty="0"/>
+              <a:t>mode collapse </a:t>
+            </a:r>
+            <a:r>
+              <a:rPr lang="ko-KR" altLang="en-US" dirty="0"/>
+              <a:t>없음</a:t>
+            </a:r>
+            <a:r>
+              <a:rPr lang="en-US" altLang="ko-KR" dirty="0"/>
+              <a:t>.</a:t>
+            </a:r>
+          </a:p>
+          <a:p>
+            <a:r>
+              <a:rPr lang="en-US" altLang="ko-KR" dirty="0"/>
+              <a:t>3. </a:t>
+            </a:r>
+            <a:r>
+              <a:rPr lang="ko-KR" altLang="en-US" dirty="0"/>
+              <a:t>첫째와 두번째로 인해 명확하게 </a:t>
+            </a:r>
+            <a:r>
+              <a:rPr lang="en-US" altLang="ko-KR" dirty="0"/>
+              <a:t>latent variable</a:t>
+            </a:r>
+            <a:r>
+              <a:rPr lang="ko-KR" altLang="en-US" dirty="0"/>
+              <a:t>을 사칙연산 하여도 작동함</a:t>
+            </a:r>
+            <a:r>
+              <a:rPr lang="en-US" altLang="ko-KR" dirty="0"/>
+              <a:t>.</a:t>
+            </a:r>
+            <a:endParaRPr lang="ko-KR" altLang="en-US" dirty="0"/>
           </a:p>
         </p:txBody>
       </p:sp>
@@ -1478,7 +1280,7 @@
           <a:p>
             <a:fld id="{9395C27F-C9AB-47F5-894B-4B68EA5D40D5}" type="slidenum">
               <a:rPr lang="ko-KR" altLang="en-US" smtClean="0"/>
-              <a:t>7</a:t>
+              <a:t>9</a:t>
             </a:fld>
             <a:endParaRPr lang="ko-KR" altLang="en-US"/>
           </a:p>
@@ -1487,7 +1289,7 @@
     </p:spTree>
     <p:extLst>
       <p:ext uri="{BB962C8B-B14F-4D97-AF65-F5344CB8AC3E}">
-        <p14:creationId xmlns:p14="http://schemas.microsoft.com/office/powerpoint/2010/main" val="750039308"/>
+        <p14:creationId xmlns:p14="http://schemas.microsoft.com/office/powerpoint/2010/main" val="1513114537"/>
       </p:ext>
     </p:extLst>
   </p:cSld>
@@ -1542,41 +1344,103 @@
           <a:lstStyle/>
           <a:p>
             <a:r>
+              <a:rPr lang="en-US" altLang="ko-KR" dirty="0"/>
+              <a:t>Disentangling factors of variation in deep representations using adversarial training</a:t>
+            </a:r>
+            <a:r>
+              <a:rPr lang="ko-KR" altLang="en-US" dirty="0"/>
+              <a:t>논문이랑 </a:t>
+            </a:r>
+            <a:r>
+              <a:rPr lang="en-US" altLang="ko-KR" dirty="0"/>
+              <a:t>DG-NET</a:t>
+            </a:r>
+            <a:r>
+              <a:rPr lang="ko-KR" altLang="en-US" dirty="0"/>
+              <a:t>논문 참고해서 만듦</a:t>
+            </a:r>
+            <a:r>
+              <a:rPr lang="en-US" altLang="ko-KR" dirty="0"/>
+              <a:t>.</a:t>
+            </a:r>
+          </a:p>
+          <a:p>
+            <a:endParaRPr lang="en-US" altLang="ko-KR" dirty="0"/>
+          </a:p>
+          <a:p>
+            <a:r>
+              <a:rPr lang="en-US" altLang="ko-KR" dirty="0"/>
+              <a:t>DG-NET</a:t>
+            </a:r>
+            <a:r>
+              <a:rPr lang="ko-KR" altLang="en-US" dirty="0"/>
+              <a:t>논문 </a:t>
+            </a:r>
+            <a:r>
+              <a:rPr lang="en-US" altLang="ko-KR" dirty="0"/>
+              <a:t>3</a:t>
+            </a:r>
+            <a:r>
+              <a:rPr lang="ko-KR" altLang="en-US" dirty="0"/>
+              <a:t>페이지</a:t>
+            </a:r>
+            <a:r>
+              <a:rPr lang="en-US" altLang="ko-KR" dirty="0"/>
+              <a:t>: Meanwhile, some recent studies also exploit synthetic data for style transfer of pedestrian images to compensate for the disparity between the source and target domains. </a:t>
+            </a:r>
+            <a:r>
               <a:rPr lang="en-US" altLang="ko-KR" dirty="0" err="1"/>
               <a:t>CycleGAN</a:t>
             </a:r>
             <a:r>
               <a:rPr lang="en-US" altLang="ko-KR" dirty="0"/>
-              <a:t> style</a:t>
+              <a:t> is applied in to transfer pedestrian image style from one dataset to another. =&gt; </a:t>
             </a:r>
             <a:r>
               <a:rPr lang="ko-KR" altLang="en-US" dirty="0"/>
-              <a:t>을 변경하는 </a:t>
+              <a:t>스타일 변환을 통해 도메인 </a:t>
+            </a:r>
+            <a:r>
+              <a:rPr lang="en-US" altLang="ko-KR" dirty="0"/>
+              <a:t>Adaptation </a:t>
+            </a:r>
+            <a:r>
+              <a:rPr lang="ko-KR" altLang="en-US" dirty="0"/>
+              <a:t>시도가 있었음</a:t>
+            </a:r>
+            <a:r>
+              <a:rPr lang="en-US" altLang="ko-KR" dirty="0"/>
+              <a:t>(</a:t>
             </a:r>
             <a:r>
               <a:rPr lang="en-US" altLang="ko-KR" dirty="0" err="1"/>
-              <a:t>gan</a:t>
+              <a:t>CycleGAN</a:t>
             </a:r>
             <a:r>
               <a:rPr lang="ko-KR" altLang="en-US" dirty="0"/>
-              <a:t>을 통해 </a:t>
-            </a:r>
-            <a:r>
-              <a:rPr lang="en-US" altLang="ko-KR" dirty="0" err="1"/>
-              <a:t>appearanc</a:t>
+              <a:t>으로 소스 </a:t>
+            </a:r>
+            <a:r>
+              <a:rPr lang="en-US" altLang="ko-KR" dirty="0"/>
+              <a:t>dataset</a:t>
             </a:r>
             <a:r>
               <a:rPr lang="ko-KR" altLang="en-US" dirty="0"/>
-              <a:t>와 </a:t>
-            </a:r>
-            <a:r>
-              <a:rPr lang="en-US" altLang="ko-KR" dirty="0"/>
-              <a:t>structure feature </a:t>
+              <a:t>의 보행자 이미지의 스타일을 </a:t>
+            </a:r>
+            <a:r>
+              <a:rPr lang="en-US" altLang="ko-KR" dirty="0"/>
+              <a:t>target </a:t>
             </a:r>
             <a:r>
               <a:rPr lang="ko-KR" altLang="en-US" dirty="0"/>
-              <a:t>추출</a:t>
-            </a:r>
+              <a:t>데이터셋의 스타일로 변경</a:t>
+            </a:r>
+            <a:r>
+              <a:rPr lang="en-US" altLang="ko-KR" dirty="0"/>
+              <a:t>)</a:t>
+            </a:r>
+            <a:endParaRPr lang="ko-KR" altLang="en-US" dirty="0"/>
           </a:p>
         </p:txBody>
       </p:sp>
@@ -1597,7 +1461,7 @@
           <a:p>
             <a:fld id="{9395C27F-C9AB-47F5-894B-4B68EA5D40D5}" type="slidenum">
               <a:rPr lang="ko-KR" altLang="en-US" smtClean="0"/>
-              <a:t>12</a:t>
+              <a:t>10</a:t>
             </a:fld>
             <a:endParaRPr lang="ko-KR" altLang="en-US"/>
           </a:p>
@@ -1606,441 +1470,7 @@
     </p:spTree>
     <p:extLst>
       <p:ext uri="{BB962C8B-B14F-4D97-AF65-F5344CB8AC3E}">
-        <p14:creationId xmlns:p14="http://schemas.microsoft.com/office/powerpoint/2010/main" val="2429596230"/>
-      </p:ext>
-    </p:extLst>
-  </p:cSld>
-  <p:clrMapOvr>
-    <a:masterClrMapping/>
-  </p:clrMapOvr>
-</p:notes>
-</file>
-
-<file path=ppt/notesSlides/notesSlide8.xml><?xml version="1.0" encoding="utf-8"?>
-<p:notes xmlns:a="http://schemas.openxmlformats.org/drawingml/2006/main" xmlns:r="http://schemas.openxmlformats.org/officeDocument/2006/relationships" xmlns:p="http://schemas.openxmlformats.org/presentationml/2006/main">
-  <p:cSld>
-    <p:spTree>
-      <p:nvGrpSpPr>
-        <p:cNvPr id="1" name=""/>
-        <p:cNvGrpSpPr/>
-        <p:nvPr/>
-      </p:nvGrpSpPr>
-      <p:grpSpPr>
-        <a:xfrm>
-          <a:off x="0" y="0"/>
-          <a:ext cx="0" cy="0"/>
-          <a:chOff x="0" y="0"/>
-          <a:chExt cx="0" cy="0"/>
-        </a:xfrm>
-      </p:grpSpPr>
-      <p:sp>
-        <p:nvSpPr>
-          <p:cNvPr id="2" name="슬라이드 이미지 개체 틀 1"/>
-          <p:cNvSpPr>
-            <a:spLocks noGrp="1" noRot="1" noChangeAspect="1"/>
-          </p:cNvSpPr>
-          <p:nvPr>
-            <p:ph type="sldImg"/>
-          </p:nvPr>
-        </p:nvSpPr>
-        <p:spPr/>
-      </p:sp>
-      <p:sp>
-        <p:nvSpPr>
-          <p:cNvPr id="3" name="슬라이드 노트 개체 틀 2"/>
-          <p:cNvSpPr>
-            <a:spLocks noGrp="1"/>
-          </p:cNvSpPr>
-          <p:nvPr>
-            <p:ph type="body" idx="1"/>
-          </p:nvPr>
-        </p:nvSpPr>
-        <p:spPr/>
-        <p:txBody>
-          <a:bodyPr/>
-          <a:lstStyle/>
-          <a:p>
-            <a:r>
-              <a:rPr lang="ko-KR" altLang="en-US" dirty="0"/>
-              <a:t>기존 </a:t>
-            </a:r>
-            <a:r>
-              <a:rPr lang="en-US" altLang="ko-KR" dirty="0"/>
-              <a:t>work</a:t>
-            </a:r>
-            <a:r>
-              <a:rPr lang="ko-KR" altLang="en-US" dirty="0"/>
-              <a:t>들은 추가 포즈 정보 등을 제공함으로써 </a:t>
-            </a:r>
-            <a:r>
-              <a:rPr lang="en-US" altLang="ko-KR" dirty="0"/>
-              <a:t>pose</a:t>
-            </a:r>
-            <a:r>
-              <a:rPr lang="ko-KR" altLang="en-US" dirty="0"/>
-              <a:t>에 </a:t>
-            </a:r>
-            <a:r>
-              <a:rPr lang="en-US" altLang="ko-KR" dirty="0"/>
-              <a:t>robust</a:t>
-            </a:r>
-            <a:r>
-              <a:rPr lang="ko-KR" altLang="en-US" dirty="0"/>
-              <a:t>한 결과를 얻어냄</a:t>
-            </a:r>
-            <a:r>
-              <a:rPr lang="en-US" altLang="ko-KR" dirty="0"/>
-              <a:t>.</a:t>
-            </a:r>
-          </a:p>
-          <a:p>
-            <a:r>
-              <a:rPr lang="ko-KR" altLang="en-US" dirty="0"/>
-              <a:t>추가 정보를 사용하면 계산 비용과 일반화 노이즈가 추가됨</a:t>
-            </a:r>
-            <a:r>
-              <a:rPr lang="en-US" altLang="ko-KR" dirty="0"/>
-              <a:t>.</a:t>
-            </a:r>
-            <a:r>
-              <a:rPr lang="ko-KR" altLang="en-US" dirty="0"/>
-              <a:t> </a:t>
-            </a:r>
-            <a:endParaRPr lang="en-US" altLang="ko-KR" dirty="0"/>
-          </a:p>
-          <a:p>
-            <a:r>
-              <a:rPr lang="ko-KR" altLang="en-US" dirty="0"/>
-              <a:t>이러한 문제를 </a:t>
-            </a:r>
-            <a:r>
-              <a:rPr lang="en-US" altLang="ko-KR" dirty="0"/>
-              <a:t>GAN</a:t>
-            </a:r>
-            <a:r>
-              <a:rPr lang="ko-KR" altLang="en-US" dirty="0"/>
-              <a:t>을 통해 특성을 증류하는 방법으로 해결함</a:t>
-            </a:r>
-            <a:r>
-              <a:rPr lang="en-US" altLang="ko-KR" dirty="0"/>
-              <a:t>.(</a:t>
-            </a:r>
-            <a:r>
-              <a:rPr lang="ko-KR" altLang="en-US" dirty="0"/>
-              <a:t>포즈 정보 사용 안함</a:t>
-            </a:r>
-            <a:r>
-              <a:rPr lang="en-US" altLang="ko-KR" dirty="0"/>
-              <a:t>)</a:t>
-            </a:r>
-          </a:p>
-          <a:p>
-            <a:endParaRPr lang="en-US" altLang="ko-KR" dirty="0"/>
-          </a:p>
-          <a:p>
-            <a:r>
-              <a:rPr lang="ko-KR" altLang="en-US" dirty="0"/>
-              <a:t>입력 이미지에서 뽑아낸 특성과 포즈 타겟에서 뽑아낸 특성을 가지고 새로운 이미지를 만듦</a:t>
-            </a:r>
-            <a:r>
-              <a:rPr lang="en-US" altLang="ko-KR" dirty="0"/>
-              <a:t>.</a:t>
-            </a:r>
-          </a:p>
-          <a:p>
-            <a:r>
-              <a:rPr lang="ko-KR" altLang="en-US" dirty="0"/>
-              <a:t>이때</a:t>
-            </a:r>
-            <a:r>
-              <a:rPr lang="en-US" altLang="ko-KR" dirty="0"/>
-              <a:t>, </a:t>
-            </a:r>
-            <a:r>
-              <a:rPr lang="ko-KR" altLang="en-US" dirty="0"/>
-              <a:t>입력 이미지에서 뽑힌 특성에 포즈 관련 정보가 없어야 정상적으로 생성 될 것</a:t>
-            </a:r>
-            <a:r>
-              <a:rPr lang="en-US" altLang="ko-KR" dirty="0"/>
-              <a:t>.</a:t>
-            </a:r>
-          </a:p>
-          <a:p>
-            <a:r>
-              <a:rPr lang="ko-KR" altLang="en-US" dirty="0"/>
-              <a:t>이렇게 뽑아낸 입력 이미지 인코더를 사용해</a:t>
-            </a:r>
-            <a:r>
-              <a:rPr lang="en-US" altLang="ko-KR" dirty="0"/>
-              <a:t>, </a:t>
-            </a:r>
-            <a:r>
-              <a:rPr lang="ko-KR" altLang="en-US" dirty="0"/>
-              <a:t>포즈와 상관없는 두 이미지의 특성을 비교함</a:t>
-            </a:r>
-            <a:r>
-              <a:rPr lang="en-US" altLang="ko-KR" dirty="0"/>
-              <a:t>.</a:t>
-            </a:r>
-          </a:p>
-        </p:txBody>
-      </p:sp>
-      <p:sp>
-        <p:nvSpPr>
-          <p:cNvPr id="4" name="슬라이드 번호 개체 틀 3"/>
-          <p:cNvSpPr>
-            <a:spLocks noGrp="1"/>
-          </p:cNvSpPr>
-          <p:nvPr>
-            <p:ph type="sldNum" sz="quarter" idx="5"/>
-          </p:nvPr>
-        </p:nvSpPr>
-        <p:spPr/>
-        <p:txBody>
-          <a:bodyPr/>
-          <a:lstStyle/>
-          <a:p>
-            <a:fld id="{9395C27F-C9AB-47F5-894B-4B68EA5D40D5}" type="slidenum">
-              <a:rPr lang="ko-KR" altLang="en-US" smtClean="0"/>
-              <a:t>13</a:t>
-            </a:fld>
-            <a:endParaRPr lang="ko-KR" altLang="en-US"/>
-          </a:p>
-        </p:txBody>
-      </p:sp>
-    </p:spTree>
-    <p:extLst>
-      <p:ext uri="{BB962C8B-B14F-4D97-AF65-F5344CB8AC3E}">
-        <p14:creationId xmlns:p14="http://schemas.microsoft.com/office/powerpoint/2010/main" val="2140135579"/>
-      </p:ext>
-    </p:extLst>
-  </p:cSld>
-  <p:clrMapOvr>
-    <a:masterClrMapping/>
-  </p:clrMapOvr>
-</p:notes>
-</file>
-
-<file path=ppt/notesSlides/notesSlide9.xml><?xml version="1.0" encoding="utf-8"?>
-<p:notes xmlns:a="http://schemas.openxmlformats.org/drawingml/2006/main" xmlns:r="http://schemas.openxmlformats.org/officeDocument/2006/relationships" xmlns:p="http://schemas.openxmlformats.org/presentationml/2006/main">
-  <p:cSld>
-    <p:spTree>
-      <p:nvGrpSpPr>
-        <p:cNvPr id="1" name=""/>
-        <p:cNvGrpSpPr/>
-        <p:nvPr/>
-      </p:nvGrpSpPr>
-      <p:grpSpPr>
-        <a:xfrm>
-          <a:off x="0" y="0"/>
-          <a:ext cx="0" cy="0"/>
-          <a:chOff x="0" y="0"/>
-          <a:chExt cx="0" cy="0"/>
-        </a:xfrm>
-      </p:grpSpPr>
-      <p:sp>
-        <p:nvSpPr>
-          <p:cNvPr id="2" name="슬라이드 이미지 개체 틀 1"/>
-          <p:cNvSpPr>
-            <a:spLocks noGrp="1" noRot="1" noChangeAspect="1"/>
-          </p:cNvSpPr>
-          <p:nvPr>
-            <p:ph type="sldImg"/>
-          </p:nvPr>
-        </p:nvSpPr>
-        <p:spPr/>
-      </p:sp>
-      <p:sp>
-        <p:nvSpPr>
-          <p:cNvPr id="3" name="슬라이드 노트 개체 틀 2"/>
-          <p:cNvSpPr>
-            <a:spLocks noGrp="1"/>
-          </p:cNvSpPr>
-          <p:nvPr>
-            <p:ph type="body" idx="1"/>
-          </p:nvPr>
-        </p:nvSpPr>
-        <p:spPr/>
-        <p:txBody>
-          <a:bodyPr/>
-          <a:lstStyle/>
-          <a:p>
-            <a:r>
-              <a:rPr lang="en-US" altLang="ko-KR" dirty="0"/>
-              <a:t>Auto Encoding:</a:t>
-            </a:r>
-          </a:p>
-          <a:p>
-            <a:r>
-              <a:rPr lang="ko-KR" altLang="en-US" dirty="0"/>
-              <a:t>하나의 이미지에서</a:t>
-            </a:r>
-            <a:r>
-              <a:rPr lang="en-US" altLang="ko-KR" dirty="0"/>
-              <a:t>,</a:t>
-            </a:r>
-          </a:p>
-          <a:p>
-            <a:r>
-              <a:rPr lang="en-US" altLang="ko-KR" dirty="0"/>
-              <a:t>Identity-related</a:t>
-            </a:r>
-            <a:r>
-              <a:rPr lang="ko-KR" altLang="en-US" dirty="0"/>
-              <a:t> 인코더로 부터 얻은 특성과</a:t>
-            </a:r>
-            <a:endParaRPr lang="en-US" altLang="ko-KR" dirty="0"/>
-          </a:p>
-          <a:p>
-            <a:r>
-              <a:rPr lang="en-US" altLang="ko-KR" dirty="0"/>
-              <a:t>Identity-Unrelated </a:t>
-            </a:r>
-            <a:r>
-              <a:rPr lang="ko-KR" altLang="en-US" dirty="0"/>
-              <a:t>인코더로 부터 얻은 특성을 </a:t>
-            </a:r>
-            <a:r>
-              <a:rPr lang="en-US" altLang="ko-KR" dirty="0"/>
-              <a:t>+</a:t>
-            </a:r>
-            <a:r>
-              <a:rPr lang="ko-KR" altLang="en-US" dirty="0"/>
-              <a:t>하면</a:t>
-            </a:r>
-            <a:endParaRPr lang="en-US" altLang="ko-KR" dirty="0"/>
-          </a:p>
-          <a:p>
-            <a:r>
-              <a:rPr lang="ko-KR" altLang="en-US" dirty="0"/>
-              <a:t>같은 이미지가 생성 돼야함</a:t>
-            </a:r>
-            <a:r>
-              <a:rPr lang="en-US" altLang="ko-KR" dirty="0"/>
-              <a:t>. (</a:t>
-            </a:r>
-            <a:r>
-              <a:rPr lang="ko-KR" altLang="en-US" dirty="0"/>
-              <a:t>제약을 준 것</a:t>
-            </a:r>
-            <a:r>
-              <a:rPr lang="en-US" altLang="ko-KR" dirty="0"/>
-              <a:t>)</a:t>
-            </a:r>
-          </a:p>
-          <a:p>
-            <a:endParaRPr lang="en-US" altLang="ko-KR" dirty="0"/>
-          </a:p>
-          <a:p>
-            <a:r>
-              <a:rPr lang="en-US" altLang="ko-KR" dirty="0"/>
-              <a:t>Identity Shuffling:</a:t>
-            </a:r>
-          </a:p>
-          <a:p>
-            <a:r>
-              <a:rPr lang="ko-KR" altLang="en-US" dirty="0"/>
-              <a:t>앵커 이미지에서 얻은 </a:t>
-            </a:r>
-            <a:r>
-              <a:rPr lang="en-US" altLang="ko-KR" dirty="0"/>
-              <a:t>Identity-Unrelated </a:t>
-            </a:r>
-            <a:r>
-              <a:rPr lang="ko-KR" altLang="en-US" dirty="0"/>
-              <a:t>특성과</a:t>
-            </a:r>
-            <a:endParaRPr lang="en-US" altLang="ko-KR" dirty="0"/>
-          </a:p>
-          <a:p>
-            <a:r>
-              <a:rPr lang="ko-KR" altLang="en-US" dirty="0"/>
-              <a:t>앵커 이미지의 </a:t>
-            </a:r>
-            <a:r>
-              <a:rPr lang="en-US" altLang="ko-KR" dirty="0"/>
-              <a:t>Related </a:t>
-            </a:r>
-            <a:r>
-              <a:rPr lang="ko-KR" altLang="en-US" dirty="0"/>
-              <a:t>특성</a:t>
-            </a:r>
-            <a:r>
-              <a:rPr lang="en-US" altLang="ko-KR" dirty="0"/>
-              <a:t>, Positive </a:t>
-            </a:r>
-            <a:r>
-              <a:rPr lang="ko-KR" altLang="en-US" dirty="0"/>
-              <a:t>이미지의 </a:t>
-            </a:r>
-            <a:r>
-              <a:rPr lang="en-US" altLang="ko-KR" dirty="0"/>
-              <a:t>Related </a:t>
-            </a:r>
-            <a:r>
-              <a:rPr lang="ko-KR" altLang="en-US" dirty="0"/>
-              <a:t>특성을 </a:t>
-            </a:r>
-            <a:r>
-              <a:rPr lang="en-US" altLang="ko-KR" dirty="0"/>
-              <a:t>shuffle</a:t>
-            </a:r>
-            <a:r>
-              <a:rPr lang="ko-KR" altLang="en-US" dirty="0"/>
-              <a:t>한 것을 </a:t>
-            </a:r>
-            <a:r>
-              <a:rPr lang="en-US" altLang="ko-KR" dirty="0"/>
-              <a:t>generator</a:t>
-            </a:r>
-            <a:r>
-              <a:rPr lang="ko-KR" altLang="en-US" dirty="0"/>
-              <a:t>에 주면</a:t>
-            </a:r>
-            <a:endParaRPr lang="en-US" altLang="ko-KR" dirty="0"/>
-          </a:p>
-          <a:p>
-            <a:r>
-              <a:rPr lang="ko-KR" altLang="en-US" dirty="0"/>
-              <a:t>같은 이미지가 생성 되어야 함</a:t>
-            </a:r>
-            <a:r>
-              <a:rPr lang="en-US" altLang="ko-KR" dirty="0"/>
-              <a:t>.</a:t>
-            </a:r>
-          </a:p>
-          <a:p>
-            <a:endParaRPr lang="en-US" altLang="ko-KR" dirty="0"/>
-          </a:p>
-        </p:txBody>
-      </p:sp>
-      <p:sp>
-        <p:nvSpPr>
-          <p:cNvPr id="4" name="슬라이드 번호 개체 틀 3"/>
-          <p:cNvSpPr>
-            <a:spLocks noGrp="1"/>
-          </p:cNvSpPr>
-          <p:nvPr>
-            <p:ph type="sldNum" sz="quarter" idx="5"/>
-          </p:nvPr>
-        </p:nvSpPr>
-        <p:spPr/>
-        <p:txBody>
-          <a:bodyPr/>
-          <a:lstStyle/>
-          <a:p>
-            <a:fld id="{9395C27F-C9AB-47F5-894B-4B68EA5D40D5}" type="slidenum">
-              <a:rPr lang="ko-KR" altLang="en-US" smtClean="0"/>
-              <a:t>14</a:t>
-            </a:fld>
-            <a:endParaRPr lang="ko-KR" altLang="en-US"/>
-          </a:p>
-        </p:txBody>
-      </p:sp>
-    </p:spTree>
-    <p:extLst>
-      <p:ext uri="{BB962C8B-B14F-4D97-AF65-F5344CB8AC3E}">
-        <p14:creationId xmlns:p14="http://schemas.microsoft.com/office/powerpoint/2010/main" val="3790635739"/>
+        <p14:creationId xmlns:p14="http://schemas.microsoft.com/office/powerpoint/2010/main" val="1395600587"/>
       </p:ext>
     </p:extLst>
   </p:cSld>
@@ -2197,7 +1627,7 @@
           <a:p>
             <a:fld id="{4B0F96D7-F229-4D37-A4C1-09BFECC0276D}" type="datetimeFigureOut">
               <a:rPr lang="ko-KR" altLang="en-US" smtClean="0"/>
-              <a:t>2021-06-29</a:t>
+              <a:t>2021-08-26</a:t>
             </a:fld>
             <a:endParaRPr lang="ko-KR" altLang="en-US"/>
           </a:p>
@@ -2395,7 +1825,7 @@
           <a:p>
             <a:fld id="{4B0F96D7-F229-4D37-A4C1-09BFECC0276D}" type="datetimeFigureOut">
               <a:rPr lang="ko-KR" altLang="en-US" smtClean="0"/>
-              <a:t>2021-06-29</a:t>
+              <a:t>2021-08-26</a:t>
             </a:fld>
             <a:endParaRPr lang="ko-KR" altLang="en-US"/>
           </a:p>
@@ -2603,7 +2033,7 @@
           <a:p>
             <a:fld id="{4B0F96D7-F229-4D37-A4C1-09BFECC0276D}" type="datetimeFigureOut">
               <a:rPr lang="ko-KR" altLang="en-US" smtClean="0"/>
-              <a:t>2021-06-29</a:t>
+              <a:t>2021-08-26</a:t>
             </a:fld>
             <a:endParaRPr lang="ko-KR" altLang="en-US"/>
           </a:p>
@@ -2801,7 +2231,7 @@
           <a:p>
             <a:fld id="{4B0F96D7-F229-4D37-A4C1-09BFECC0276D}" type="datetimeFigureOut">
               <a:rPr lang="ko-KR" altLang="en-US" smtClean="0"/>
-              <a:t>2021-06-29</a:t>
+              <a:t>2021-08-26</a:t>
             </a:fld>
             <a:endParaRPr lang="ko-KR" altLang="en-US"/>
           </a:p>
@@ -3076,7 +2506,7 @@
           <a:p>
             <a:fld id="{4B0F96D7-F229-4D37-A4C1-09BFECC0276D}" type="datetimeFigureOut">
               <a:rPr lang="ko-KR" altLang="en-US" smtClean="0"/>
-              <a:t>2021-06-29</a:t>
+              <a:t>2021-08-26</a:t>
             </a:fld>
             <a:endParaRPr lang="ko-KR" altLang="en-US"/>
           </a:p>
@@ -3341,7 +2771,7 @@
           <a:p>
             <a:fld id="{4B0F96D7-F229-4D37-A4C1-09BFECC0276D}" type="datetimeFigureOut">
               <a:rPr lang="ko-KR" altLang="en-US" smtClean="0"/>
-              <a:t>2021-06-29</a:t>
+              <a:t>2021-08-26</a:t>
             </a:fld>
             <a:endParaRPr lang="ko-KR" altLang="en-US"/>
           </a:p>
@@ -3753,7 +3183,7 @@
           <a:p>
             <a:fld id="{4B0F96D7-F229-4D37-A4C1-09BFECC0276D}" type="datetimeFigureOut">
               <a:rPr lang="ko-KR" altLang="en-US" smtClean="0"/>
-              <a:t>2021-06-29</a:t>
+              <a:t>2021-08-26</a:t>
             </a:fld>
             <a:endParaRPr lang="ko-KR" altLang="en-US"/>
           </a:p>
@@ -3894,7 +3324,7 @@
           <a:p>
             <a:fld id="{4B0F96D7-F229-4D37-A4C1-09BFECC0276D}" type="datetimeFigureOut">
               <a:rPr lang="ko-KR" altLang="en-US" smtClean="0"/>
-              <a:t>2021-06-29</a:t>
+              <a:t>2021-08-26</a:t>
             </a:fld>
             <a:endParaRPr lang="ko-KR" altLang="en-US"/>
           </a:p>
@@ -4007,7 +3437,7 @@
           <a:p>
             <a:fld id="{4B0F96D7-F229-4D37-A4C1-09BFECC0276D}" type="datetimeFigureOut">
               <a:rPr lang="ko-KR" altLang="en-US" smtClean="0"/>
-              <a:t>2021-06-29</a:t>
+              <a:t>2021-08-26</a:t>
             </a:fld>
             <a:endParaRPr lang="ko-KR" altLang="en-US"/>
           </a:p>
@@ -4318,7 +3748,7 @@
           <a:p>
             <a:fld id="{4B0F96D7-F229-4D37-A4C1-09BFECC0276D}" type="datetimeFigureOut">
               <a:rPr lang="ko-KR" altLang="en-US" smtClean="0"/>
-              <a:t>2021-06-29</a:t>
+              <a:t>2021-08-26</a:t>
             </a:fld>
             <a:endParaRPr lang="ko-KR" altLang="en-US"/>
           </a:p>
@@ -4606,7 +4036,7 @@
           <a:p>
             <a:fld id="{4B0F96D7-F229-4D37-A4C1-09BFECC0276D}" type="datetimeFigureOut">
               <a:rPr lang="ko-KR" altLang="en-US" smtClean="0"/>
-              <a:t>2021-06-29</a:t>
+              <a:t>2021-08-26</a:t>
             </a:fld>
             <a:endParaRPr lang="ko-KR" altLang="en-US"/>
           </a:p>
@@ -4847,7 +4277,7 @@
           <a:p>
             <a:fld id="{4B0F96D7-F229-4D37-A4C1-09BFECC0276D}" type="datetimeFigureOut">
               <a:rPr lang="ko-KR" altLang="en-US" smtClean="0"/>
-              <a:t>2021-06-29</a:t>
+              <a:t>2021-08-26</a:t>
             </a:fld>
             <a:endParaRPr lang="ko-KR" altLang="en-US"/>
           </a:p>
@@ -5287,7 +4717,7 @@
           <a:p>
             <a:r>
               <a:rPr lang="en-US" altLang="ko-KR" dirty="0"/>
-              <a:t>Person Re-identification</a:t>
+              <a:t>Person ReID</a:t>
             </a:r>
             <a:endParaRPr lang="ko-KR" altLang="en-US" dirty="0"/>
           </a:p>
@@ -5353,7 +4783,7 @@
           <p:cNvPr id="2" name="제목 1">
             <a:extLst>
               <a:ext uri="{FF2B5EF4-FFF2-40B4-BE49-F238E27FC236}">
-                <a16:creationId xmlns:a16="http://schemas.microsoft.com/office/drawing/2014/main" id="{08A33E15-6547-4973-8466-187D06215A50}"/>
+                <a16:creationId xmlns:a16="http://schemas.microsoft.com/office/drawing/2014/main" id="{518A5414-0D8E-40EF-96B7-C6FA8F51D7EC}"/>
               </a:ext>
             </a:extLst>
           </p:cNvPr>
@@ -5366,12 +4796,14 @@
         </p:nvSpPr>
         <p:spPr/>
         <p:txBody>
-          <a:bodyPr/>
-          <a:lstStyle/>
-          <a:p>
-            <a:r>
-              <a:rPr lang="en-US" altLang="ko-KR" dirty="0"/>
-              <a:t>Ranking Optimization</a:t>
+          <a:bodyPr>
+            <a:normAutofit/>
+          </a:bodyPr>
+          <a:lstStyle/>
+          <a:p>
+            <a:r>
+              <a:rPr lang="en-US" altLang="ko-KR" sz="3600" dirty="0"/>
+              <a:t>Data Argumentation Methods</a:t>
             </a:r>
             <a:endParaRPr lang="ko-KR" altLang="en-US" dirty="0"/>
           </a:p>
@@ -5382,66 +4814,131 @@
           <p:cNvPr id="3" name="내용 개체 틀 2">
             <a:extLst>
               <a:ext uri="{FF2B5EF4-FFF2-40B4-BE49-F238E27FC236}">
-                <a16:creationId xmlns:a16="http://schemas.microsoft.com/office/drawing/2014/main" id="{23608652-66C4-40F2-AA7D-ABE7F76F0DBC}"/>
-              </a:ext>
-            </a:extLst>
-          </p:cNvPr>
-          <p:cNvSpPr>
-            <a:spLocks noGrp="1"/>
-          </p:cNvSpPr>
-          <p:nvPr>
-            <p:ph sz="half" idx="1"/>
-          </p:nvPr>
-        </p:nvSpPr>
-        <p:spPr/>
-        <p:txBody>
-          <a:bodyPr/>
-          <a:lstStyle/>
-          <a:p>
-            <a:r>
-              <a:rPr lang="ko-KR" altLang="en-US" dirty="0"/>
-              <a:t>대표 </a:t>
-            </a:r>
-            <a:r>
-              <a:rPr lang="en-US" altLang="ko-KR" dirty="0"/>
-              <a:t>2</a:t>
-            </a:r>
-            <a:r>
-              <a:rPr lang="ko-KR" altLang="en-US" dirty="0"/>
-              <a:t>개 이상</a:t>
-            </a:r>
-          </a:p>
-        </p:txBody>
-      </p:sp>
-      <p:sp>
-        <p:nvSpPr>
-          <p:cNvPr id="4" name="내용 개체 틀 3">
-            <a:extLst>
-              <a:ext uri="{FF2B5EF4-FFF2-40B4-BE49-F238E27FC236}">
-                <a16:creationId xmlns:a16="http://schemas.microsoft.com/office/drawing/2014/main" id="{6B7F4939-B465-4DB9-8AE5-7772476590BE}"/>
-              </a:ext>
-            </a:extLst>
-          </p:cNvPr>
-          <p:cNvSpPr>
-            <a:spLocks noGrp="1"/>
-          </p:cNvSpPr>
-          <p:nvPr>
-            <p:ph sz="half" idx="2"/>
-          </p:nvPr>
-        </p:nvSpPr>
-        <p:spPr/>
-        <p:txBody>
-          <a:bodyPr/>
-          <a:lstStyle/>
-          <a:p>
-            <a:endParaRPr lang="ko-KR" altLang="en-US"/>
+                <a16:creationId xmlns:a16="http://schemas.microsoft.com/office/drawing/2014/main" id="{BDC0216E-CD78-407C-8830-7799041B929F}"/>
+              </a:ext>
+            </a:extLst>
+          </p:cNvPr>
+          <p:cNvSpPr>
+            <a:spLocks noGrp="1"/>
+          </p:cNvSpPr>
+          <p:nvPr>
+            <p:ph idx="1"/>
+          </p:nvPr>
+        </p:nvSpPr>
+        <p:spPr>
+          <a:xfrm>
+            <a:off x="838200" y="1825625"/>
+            <a:ext cx="6124074" cy="4351338"/>
+          </a:xfrm>
+        </p:spPr>
+        <p:txBody>
+          <a:bodyPr>
+            <a:normAutofit/>
+          </a:bodyPr>
+          <a:lstStyle/>
+          <a:p>
+            <a:r>
+              <a:rPr lang="en-US" altLang="ko-KR" dirty="0"/>
+              <a:t>Inspired by the image translation tasks.</a:t>
+            </a:r>
+          </a:p>
+          <a:p>
+            <a:r>
+              <a:rPr lang="en-US" altLang="ko-KR" dirty="0"/>
+              <a:t>Addressing the lack of cross-view data and the influence of pose variations.</a:t>
+            </a:r>
+          </a:p>
+          <a:p>
+            <a:r>
+              <a:rPr lang="en-US" altLang="ko-KR" dirty="0"/>
+              <a:t>Synthesizing realistic person images conditional on pose.</a:t>
+            </a:r>
+          </a:p>
+          <a:p>
+            <a:r>
+              <a:rPr lang="en-US" altLang="ko-KR" dirty="0"/>
+              <a:t>Other auxiliary pose information and multiple datasets required.</a:t>
+            </a:r>
+          </a:p>
+        </p:txBody>
+      </p:sp>
+      <p:pic>
+        <p:nvPicPr>
+          <p:cNvPr id="5" name="그림 4">
+            <a:extLst>
+              <a:ext uri="{FF2B5EF4-FFF2-40B4-BE49-F238E27FC236}">
+                <a16:creationId xmlns:a16="http://schemas.microsoft.com/office/drawing/2014/main" id="{4EBF7D74-8DEC-4E95-8C7F-05CE821CCC6A}"/>
+              </a:ext>
+            </a:extLst>
+          </p:cNvPr>
+          <p:cNvPicPr>
+            <a:picLocks noChangeAspect="1"/>
+          </p:cNvPicPr>
+          <p:nvPr/>
+        </p:nvPicPr>
+        <p:blipFill>
+          <a:blip r:embed="rId3"/>
+          <a:stretch>
+            <a:fillRect/>
+          </a:stretch>
+        </p:blipFill>
+        <p:spPr>
+          <a:xfrm>
+            <a:off x="6582491" y="2104272"/>
+            <a:ext cx="4771309" cy="3420142"/>
+          </a:xfrm>
+          <a:prstGeom prst="rect">
+            <a:avLst/>
+          </a:prstGeom>
+        </p:spPr>
+      </p:pic>
+      <p:sp>
+        <p:nvSpPr>
+          <p:cNvPr id="6" name="TextBox 5">
+            <a:extLst>
+              <a:ext uri="{FF2B5EF4-FFF2-40B4-BE49-F238E27FC236}">
+                <a16:creationId xmlns:a16="http://schemas.microsoft.com/office/drawing/2014/main" id="{79E76C33-CC10-4596-B3CD-85FBAAFAEB7D}"/>
+              </a:ext>
+            </a:extLst>
+          </p:cNvPr>
+          <p:cNvSpPr txBox="1"/>
+          <p:nvPr/>
+        </p:nvSpPr>
+        <p:spPr>
+          <a:xfrm>
+            <a:off x="1864008" y="6211669"/>
+            <a:ext cx="8463984" cy="646331"/>
+          </a:xfrm>
+          <a:prstGeom prst="rect">
+            <a:avLst/>
+          </a:prstGeom>
+          <a:noFill/>
+        </p:spPr>
+        <p:txBody>
+          <a:bodyPr wrap="none" rtlCol="0">
+            <a:spAutoFit/>
+          </a:bodyPr>
+          <a:lstStyle/>
+          <a:p>
+            <a:r>
+              <a:rPr lang="en-US" altLang="ko-KR" dirty="0"/>
+              <a:t>Pose-Normalized Image Generation for Person Re-identification, April 25, 2018</a:t>
+            </a:r>
+          </a:p>
+          <a:p>
+            <a:pPr algn="ctr"/>
+            <a:r>
+              <a:rPr lang="en-US" altLang="ko-KR" dirty="0"/>
+              <a:t>Pose Transferrable Person Re-Identification, Dec 17, 2018</a:t>
+            </a:r>
+            <a:endParaRPr lang="ko-KR" altLang="en-US" dirty="0"/>
           </a:p>
         </p:txBody>
       </p:sp>
     </p:spTree>
     <p:extLst>
       <p:ext uri="{BB962C8B-B14F-4D97-AF65-F5344CB8AC3E}">
-        <p14:creationId xmlns:p14="http://schemas.microsoft.com/office/powerpoint/2010/main" val="888688919"/>
+        <p14:creationId xmlns:p14="http://schemas.microsoft.com/office/powerpoint/2010/main" val="856153959"/>
       </p:ext>
     </p:extLst>
   </p:cSld>
@@ -5473,7 +4970,7 @@
           <p:cNvPr id="2" name="제목 1">
             <a:extLst>
               <a:ext uri="{FF2B5EF4-FFF2-40B4-BE49-F238E27FC236}">
-                <a16:creationId xmlns:a16="http://schemas.microsoft.com/office/drawing/2014/main" id="{D8F9F54A-AA95-4EC5-B32C-7D3BCCE7340C}"/>
+                <a16:creationId xmlns:a16="http://schemas.microsoft.com/office/drawing/2014/main" id="{E2FE6FF0-1A8F-499A-B60F-30F358A4F2B0}"/>
               </a:ext>
             </a:extLst>
           </p:cNvPr>
@@ -5489,7 +4986,11 @@
           <a:bodyPr/>
           <a:lstStyle/>
           <a:p>
-            <a:endParaRPr lang="ko-KR" altLang="en-US"/>
+            <a:r>
+              <a:rPr lang="en-US" altLang="ko-KR" dirty="0"/>
+              <a:t>Disentangled Extraction Methods</a:t>
+            </a:r>
+            <a:endParaRPr lang="ko-KR" altLang="en-US" dirty="0"/>
           </a:p>
         </p:txBody>
       </p:sp>
@@ -5498,55 +4999,155 @@
           <p:cNvPr id="3" name="내용 개체 틀 2">
             <a:extLst>
               <a:ext uri="{FF2B5EF4-FFF2-40B4-BE49-F238E27FC236}">
-                <a16:creationId xmlns:a16="http://schemas.microsoft.com/office/drawing/2014/main" id="{16DF7F43-A5D8-4ECA-8DC7-52A3A073616A}"/>
-              </a:ext>
-            </a:extLst>
-          </p:cNvPr>
-          <p:cNvSpPr>
-            <a:spLocks noGrp="1"/>
-          </p:cNvSpPr>
-          <p:nvPr>
-            <p:ph sz="half" idx="1"/>
-          </p:nvPr>
-        </p:nvSpPr>
-        <p:spPr/>
+                <a16:creationId xmlns:a16="http://schemas.microsoft.com/office/drawing/2014/main" id="{4526104C-2083-47BB-924E-1DA4A1B39AEC}"/>
+              </a:ext>
+            </a:extLst>
+          </p:cNvPr>
+          <p:cNvSpPr>
+            <a:spLocks noGrp="1"/>
+          </p:cNvSpPr>
+          <p:nvPr>
+            <p:ph idx="1"/>
+          </p:nvPr>
+        </p:nvSpPr>
+        <p:spPr>
+          <a:xfrm>
+            <a:off x="838200" y="1825625"/>
+            <a:ext cx="4947722" cy="4351338"/>
+          </a:xfrm>
+        </p:spPr>
         <p:txBody>
           <a:bodyPr/>
           <a:lstStyle/>
           <a:p>
-            <a:endParaRPr lang="ko-KR" altLang="en-US"/>
-          </a:p>
-        </p:txBody>
-      </p:sp>
-      <p:sp>
-        <p:nvSpPr>
-          <p:cNvPr id="4" name="내용 개체 틀 3">
-            <a:extLst>
-              <a:ext uri="{FF2B5EF4-FFF2-40B4-BE49-F238E27FC236}">
-                <a16:creationId xmlns:a16="http://schemas.microsoft.com/office/drawing/2014/main" id="{66C17218-8661-4C53-B5F9-CC812D42BBDE}"/>
-              </a:ext>
-            </a:extLst>
-          </p:cNvPr>
-          <p:cNvSpPr>
-            <a:spLocks noGrp="1"/>
-          </p:cNvSpPr>
-          <p:nvPr>
-            <p:ph sz="half" idx="2"/>
-          </p:nvPr>
-        </p:nvSpPr>
-        <p:spPr/>
-        <p:txBody>
-          <a:bodyPr/>
-          <a:lstStyle/>
-          <a:p>
-            <a:endParaRPr lang="ko-KR" altLang="en-US"/>
+            <a:r>
+              <a:rPr lang="en-US" altLang="ko-KR" dirty="0"/>
+              <a:t>Self-identity generation:</a:t>
+            </a:r>
+          </a:p>
+          <a:p>
+            <a:pPr lvl="1"/>
+            <a:r>
+              <a:rPr lang="en-US" altLang="ko-KR" dirty="0"/>
+              <a:t>Image reconstruction using the same identity.</a:t>
+            </a:r>
+          </a:p>
+          <a:p>
+            <a:pPr lvl="1"/>
+            <a:r>
+              <a:rPr lang="en-US" altLang="ko-KR" dirty="0"/>
+              <a:t>Identity shuffling to part-level features.</a:t>
+            </a:r>
+          </a:p>
+          <a:p>
+            <a:r>
+              <a:rPr lang="en-US" altLang="ko-KR" dirty="0"/>
+              <a:t>Cross-Identity generation:</a:t>
+            </a:r>
+          </a:p>
+          <a:p>
+            <a:pPr lvl="1"/>
+            <a:r>
+              <a:rPr lang="en-US" altLang="ko-KR" dirty="0"/>
+              <a:t>Image generation with different identities.</a:t>
+            </a:r>
+          </a:p>
+          <a:p>
+            <a:pPr lvl="1"/>
+            <a:r>
+              <a:rPr lang="en-US" altLang="ko-KR" dirty="0"/>
+              <a:t>No pixel-level ground-truth</a:t>
+            </a:r>
+          </a:p>
+          <a:p>
+            <a:pPr lvl="1"/>
+            <a:r>
+              <a:rPr lang="en-US" altLang="ko-KR" dirty="0"/>
+              <a:t>Instead, Latent code reconstruction</a:t>
+            </a:r>
+          </a:p>
+          <a:p>
+            <a:pPr lvl="1"/>
+            <a:endParaRPr lang="ko-KR" altLang="en-US" dirty="0"/>
+          </a:p>
+        </p:txBody>
+      </p:sp>
+      <p:pic>
+        <p:nvPicPr>
+          <p:cNvPr id="4" name="내용 개체 틀 5">
+            <a:extLst>
+              <a:ext uri="{FF2B5EF4-FFF2-40B4-BE49-F238E27FC236}">
+                <a16:creationId xmlns:a16="http://schemas.microsoft.com/office/drawing/2014/main" id="{8455A152-C31E-43F7-A15F-D6C44445091C}"/>
+              </a:ext>
+            </a:extLst>
+          </p:cNvPr>
+          <p:cNvPicPr>
+            <a:picLocks noChangeAspect="1"/>
+          </p:cNvPicPr>
+          <p:nvPr/>
+        </p:nvPicPr>
+        <p:blipFill rotWithShape="1">
+          <a:blip r:embed="rId2"/>
+          <a:srcRect l="7210" t="2528" r="4070" b="3797"/>
+          <a:stretch/>
+        </p:blipFill>
+        <p:spPr>
+          <a:xfrm>
+            <a:off x="5785922" y="2251117"/>
+            <a:ext cx="5824552" cy="3500354"/>
+          </a:xfrm>
+          <a:prstGeom prst="rect">
+            <a:avLst/>
+          </a:prstGeom>
+        </p:spPr>
+      </p:pic>
+      <p:sp>
+        <p:nvSpPr>
+          <p:cNvPr id="5" name="TextBox 4">
+            <a:extLst>
+              <a:ext uri="{FF2B5EF4-FFF2-40B4-BE49-F238E27FC236}">
+                <a16:creationId xmlns:a16="http://schemas.microsoft.com/office/drawing/2014/main" id="{EE7A616E-CAFC-457A-8675-6D74A5E02743}"/>
+              </a:ext>
+            </a:extLst>
+          </p:cNvPr>
+          <p:cNvSpPr txBox="1"/>
+          <p:nvPr/>
+        </p:nvSpPr>
+        <p:spPr>
+          <a:xfrm>
+            <a:off x="1864008" y="6211669"/>
+            <a:ext cx="9330952" cy="646331"/>
+          </a:xfrm>
+          <a:prstGeom prst="rect">
+            <a:avLst/>
+          </a:prstGeom>
+          <a:noFill/>
+        </p:spPr>
+        <p:txBody>
+          <a:bodyPr wrap="none" rtlCol="0">
+            <a:spAutoFit/>
+          </a:bodyPr>
+          <a:lstStyle/>
+          <a:p>
+            <a:r>
+              <a:rPr lang="en-US" altLang="ko-KR" dirty="0"/>
+              <a:t>Learning Disentangled Representation for Robust Person Re-identification, Nov 1, 2019</a:t>
+            </a:r>
+          </a:p>
+          <a:p>
+            <a:pPr algn="ctr"/>
+            <a:r>
+              <a:rPr lang="en-US" altLang="ko-KR" dirty="0"/>
+              <a:t>Joint Discriminative and Generative Learning for Person Re-identification, May 22, 2019</a:t>
+            </a:r>
+            <a:endParaRPr lang="ko-KR" altLang="en-US" dirty="0"/>
           </a:p>
         </p:txBody>
       </p:sp>
     </p:spTree>
     <p:extLst>
       <p:ext uri="{BB962C8B-B14F-4D97-AF65-F5344CB8AC3E}">
-        <p14:creationId xmlns:p14="http://schemas.microsoft.com/office/powerpoint/2010/main" val="2693081879"/>
+        <p14:creationId xmlns:p14="http://schemas.microsoft.com/office/powerpoint/2010/main" val="3275134618"/>
       </p:ext>
     </p:extLst>
   </p:cSld>
@@ -5557,7 +5158,7 @@
 </file>
 
 <file path=ppt/slides/slide12.xml><?xml version="1.0" encoding="utf-8"?>
-<p:sld xmlns:a="http://schemas.openxmlformats.org/drawingml/2006/main" xmlns:r="http://schemas.openxmlformats.org/officeDocument/2006/relationships" xmlns:p="http://schemas.openxmlformats.org/presentationml/2006/main">
+<p:sld xmlns:a="http://schemas.openxmlformats.org/drawingml/2006/main" xmlns:r="http://schemas.openxmlformats.org/officeDocument/2006/relationships" xmlns:p="http://schemas.openxmlformats.org/presentationml/2006/main" show="0">
   <p:cSld>
     <p:spTree>
       <p:nvGrpSpPr>
@@ -5578,7 +5179,7 @@
           <p:cNvPr id="2" name="제목 1">
             <a:extLst>
               <a:ext uri="{FF2B5EF4-FFF2-40B4-BE49-F238E27FC236}">
-                <a16:creationId xmlns:a16="http://schemas.microsoft.com/office/drawing/2014/main" id="{7BA90400-9850-423E-A7C9-182925FEA22C}"/>
+                <a16:creationId xmlns:a16="http://schemas.microsoft.com/office/drawing/2014/main" id="{8229A452-50FE-4084-B772-FF56EEEAB392}"/>
               </a:ext>
             </a:extLst>
           </p:cNvPr>
@@ -5596,119 +5197,41 @@
           <a:p>
             <a:r>
               <a:rPr lang="en-US" altLang="ko-KR" dirty="0"/>
-              <a:t>Approaches: GAN Based</a:t>
-            </a:r>
-            <a:br>
-              <a:rPr lang="en-US" altLang="ko-KR" dirty="0"/>
-            </a:br>
-            <a:r>
-              <a:rPr lang="en-US" altLang="ko-KR" sz="2800" dirty="0">
-                <a:solidFill>
-                  <a:schemeClr val="tx1">
-                    <a:lumMod val="50000"/>
-                    <a:lumOff val="50000"/>
-                  </a:schemeClr>
-                </a:solidFill>
-              </a:rPr>
-              <a:t>DG-NET</a:t>
-            </a:r>
-            <a:endParaRPr lang="ko-KR" altLang="en-US" sz="2800" dirty="0">
-              <a:solidFill>
-                <a:schemeClr val="tx1">
-                  <a:lumMod val="50000"/>
-                  <a:lumOff val="50000"/>
-                </a:schemeClr>
-              </a:solidFill>
-            </a:endParaRPr>
-          </a:p>
-        </p:txBody>
-      </p:sp>
-      <p:pic>
-        <p:nvPicPr>
-          <p:cNvPr id="8" name="내용 개체 틀 7">
-            <a:extLst>
-              <a:ext uri="{FF2B5EF4-FFF2-40B4-BE49-F238E27FC236}">
-                <a16:creationId xmlns:a16="http://schemas.microsoft.com/office/drawing/2014/main" id="{A659B6DC-1764-4AA9-A4FE-AF6697F0B848}"/>
-              </a:ext>
-            </a:extLst>
-          </p:cNvPr>
-          <p:cNvPicPr>
-            <a:picLocks noGrp="1" noChangeAspect="1"/>
-          </p:cNvPicPr>
+              <a:t>Cross Domain Adaptation</a:t>
+            </a:r>
+            <a:endParaRPr lang="ko-KR" altLang="en-US" dirty="0"/>
+          </a:p>
+        </p:txBody>
+      </p:sp>
+      <p:sp>
+        <p:nvSpPr>
+          <p:cNvPr id="3" name="내용 개체 틀 2">
+            <a:extLst>
+              <a:ext uri="{FF2B5EF4-FFF2-40B4-BE49-F238E27FC236}">
+                <a16:creationId xmlns:a16="http://schemas.microsoft.com/office/drawing/2014/main" id="{42DDA9DA-1CF2-4FBB-A3EE-7457145E4015}"/>
+              </a:ext>
+            </a:extLst>
+          </p:cNvPr>
+          <p:cNvSpPr>
+            <a:spLocks noGrp="1"/>
+          </p:cNvSpPr>
           <p:nvPr>
             <p:ph idx="1"/>
           </p:nvPr>
-        </p:nvPicPr>
-        <p:blipFill>
-          <a:blip r:embed="rId3"/>
-          <a:stretch>
-            <a:fillRect/>
-          </a:stretch>
-        </p:blipFill>
-        <p:spPr>
-          <a:xfrm>
-            <a:off x="838200" y="2013375"/>
-            <a:ext cx="10515600" cy="3456073"/>
-          </a:xfrm>
-        </p:spPr>
-      </p:pic>
-      <p:sp>
-        <p:nvSpPr>
-          <p:cNvPr id="5" name="TextBox 4">
-            <a:extLst>
-              <a:ext uri="{FF2B5EF4-FFF2-40B4-BE49-F238E27FC236}">
-                <a16:creationId xmlns:a16="http://schemas.microsoft.com/office/drawing/2014/main" id="{7D3991B9-3AA0-4724-8773-824712003D4D}"/>
-              </a:ext>
-            </a:extLst>
-          </p:cNvPr>
-          <p:cNvSpPr txBox="1"/>
-          <p:nvPr/>
-        </p:nvSpPr>
-        <p:spPr>
-          <a:xfrm>
-            <a:off x="0" y="6311899"/>
-            <a:ext cx="12192000" cy="369332"/>
-          </a:xfrm>
-          <a:prstGeom prst="rect">
-            <a:avLst/>
-          </a:prstGeom>
-          <a:noFill/>
-        </p:spPr>
-        <p:txBody>
-          <a:bodyPr wrap="square">
-            <a:spAutoFit/>
-          </a:bodyPr>
-          <a:lstStyle/>
-          <a:p>
-            <a:pPr algn="ctr"/>
-            <a:r>
-              <a:rPr lang="en-US" altLang="ko-KR" dirty="0"/>
-              <a:t>Joint Discriminative and Generative Learning for Person Re-identification(DG-NET), 22</a:t>
-            </a:r>
-            <a:r>
-              <a:rPr lang="ko-KR" altLang="en-US" dirty="0"/>
-              <a:t> </a:t>
-            </a:r>
-            <a:r>
-              <a:rPr lang="en-US" altLang="ko-KR" dirty="0"/>
-              <a:t>May</a:t>
-            </a:r>
-            <a:r>
-              <a:rPr lang="ko-KR" altLang="en-US" dirty="0"/>
-              <a:t> </a:t>
-            </a:r>
-            <a:r>
-              <a:rPr lang="en-US" altLang="ko-KR" dirty="0"/>
-              <a:t>2019</a:t>
-            </a:r>
-            <a:endParaRPr lang="ko-KR" altLang="en-US" dirty="0"/>
+        </p:nvSpPr>
+        <p:spPr/>
+        <p:txBody>
+          <a:bodyPr/>
+          <a:lstStyle/>
+          <a:p>
+            <a:endParaRPr lang="ko-KR" altLang="en-US"/>
           </a:p>
         </p:txBody>
       </p:sp>
     </p:spTree>
     <p:extLst>
       <p:ext uri="{BB962C8B-B14F-4D97-AF65-F5344CB8AC3E}">
-        <p14:creationId xmlns:p14="http://schemas.microsoft.com/office/powerpoint/2010/main" val="3175412067"/>
+        <p14:creationId xmlns:p14="http://schemas.microsoft.com/office/powerpoint/2010/main" val="3292783248"/>
       </p:ext>
     </p:extLst>
   </p:cSld>
@@ -5719,7 +5242,7 @@
 </file>
 
 <file path=ppt/slides/slide13.xml><?xml version="1.0" encoding="utf-8"?>
-<p:sld xmlns:a="http://schemas.openxmlformats.org/drawingml/2006/main" xmlns:r="http://schemas.openxmlformats.org/officeDocument/2006/relationships" xmlns:p="http://schemas.openxmlformats.org/presentationml/2006/main">
+<p:sld xmlns:a="http://schemas.openxmlformats.org/drawingml/2006/main" xmlns:r="http://schemas.openxmlformats.org/officeDocument/2006/relationships" xmlns:p="http://schemas.openxmlformats.org/presentationml/2006/main" show="0">
   <p:cSld>
     <p:spTree>
       <p:nvGrpSpPr>
@@ -5740,7 +5263,7 @@
           <p:cNvPr id="2" name="제목 1">
             <a:extLst>
               <a:ext uri="{FF2B5EF4-FFF2-40B4-BE49-F238E27FC236}">
-                <a16:creationId xmlns:a16="http://schemas.microsoft.com/office/drawing/2014/main" id="{7BA90400-9850-423E-A7C9-182925FEA22C}"/>
+                <a16:creationId xmlns:a16="http://schemas.microsoft.com/office/drawing/2014/main" id="{AD891D17-5CC9-4296-9720-38793BEF2652}"/>
               </a:ext>
             </a:extLst>
           </p:cNvPr>
@@ -5758,76 +5281,98 @@
           <a:p>
             <a:r>
               <a:rPr lang="en-US" altLang="ko-KR" dirty="0"/>
-              <a:t>Approaches: GAN Based</a:t>
-            </a:r>
-            <a:br>
-              <a:rPr lang="en-US" altLang="ko-KR" dirty="0"/>
-            </a:br>
-            <a:r>
-              <a:rPr lang="en-US" altLang="ko-KR" sz="2800" dirty="0">
-                <a:solidFill>
-                  <a:schemeClr val="tx1">
-                    <a:lumMod val="50000"/>
-                    <a:lumOff val="50000"/>
-                  </a:schemeClr>
-                </a:solidFill>
-              </a:rPr>
-              <a:t>FD-GAN</a:t>
-            </a:r>
-            <a:endParaRPr lang="ko-KR" altLang="en-US" sz="2800" dirty="0">
-              <a:solidFill>
-                <a:schemeClr val="tx1">
-                  <a:lumMod val="50000"/>
-                  <a:lumOff val="50000"/>
-                </a:schemeClr>
-              </a:solidFill>
-            </a:endParaRPr>
-          </a:p>
-        </p:txBody>
-      </p:sp>
-      <p:sp>
-        <p:nvSpPr>
-          <p:cNvPr id="5" name="TextBox 4">
-            <a:extLst>
-              <a:ext uri="{FF2B5EF4-FFF2-40B4-BE49-F238E27FC236}">
-                <a16:creationId xmlns:a16="http://schemas.microsoft.com/office/drawing/2014/main" id="{EE895966-599F-485A-ACA2-4810267063E5}"/>
-              </a:ext>
-            </a:extLst>
-          </p:cNvPr>
-          <p:cNvSpPr txBox="1"/>
-          <p:nvPr/>
-        </p:nvSpPr>
-        <p:spPr>
-          <a:xfrm>
-            <a:off x="0" y="6308209"/>
-            <a:ext cx="12192000" cy="369332"/>
-          </a:xfrm>
-          <a:prstGeom prst="rect">
-            <a:avLst/>
-          </a:prstGeom>
-          <a:noFill/>
-        </p:spPr>
-        <p:txBody>
-          <a:bodyPr wrap="square">
-            <a:spAutoFit/>
+              <a:t>Cycle GAN</a:t>
+            </a:r>
+            <a:endParaRPr lang="ko-KR" altLang="en-US" dirty="0"/>
+          </a:p>
+        </p:txBody>
+      </p:sp>
+      <p:sp>
+        <p:nvSpPr>
+          <p:cNvPr id="3" name="내용 개체 틀 2">
+            <a:extLst>
+              <a:ext uri="{FF2B5EF4-FFF2-40B4-BE49-F238E27FC236}">
+                <a16:creationId xmlns:a16="http://schemas.microsoft.com/office/drawing/2014/main" id="{ECBFF3DA-7444-4ED7-B5F0-7B0F0ED9630B}"/>
+              </a:ext>
+            </a:extLst>
+          </p:cNvPr>
+          <p:cNvSpPr>
+            <a:spLocks noGrp="1"/>
+          </p:cNvSpPr>
+          <p:nvPr>
+            <p:ph sz="half" idx="1"/>
+          </p:nvPr>
+        </p:nvSpPr>
+        <p:spPr/>
+        <p:txBody>
+          <a:bodyPr>
+            <a:normAutofit lnSpcReduction="10000"/>
           </a:bodyPr>
           <a:lstStyle/>
           <a:p>
-            <a:pPr algn="ctr"/>
-            <a:r>
-              <a:rPr lang="en-US" altLang="ko-KR" dirty="0"/>
-              <a:t>FD-GAN: Pose-guided Feature Distilling GAN for Robust Person Re-identification, 2018</a:t>
-            </a:r>
-            <a:endParaRPr lang="ko-KR" altLang="en-US" dirty="0"/>
+            <a:r>
+              <a:rPr lang="en-US" altLang="ko-KR" dirty="0"/>
+              <a:t>image-to-image translation</a:t>
+            </a:r>
+          </a:p>
+          <a:p>
+            <a:r>
+              <a:rPr lang="en-US" altLang="ko-KR" dirty="0"/>
+              <a:t>to learn the mapping between an input image and an output image </a:t>
+            </a:r>
+            <a:r>
+              <a:rPr lang="en-US" altLang="ko-KR" u="sng" dirty="0"/>
+              <a:t>in the absence of paired</a:t>
+            </a:r>
+          </a:p>
+          <a:p>
+            <a:r>
+              <a:rPr lang="en-US" altLang="ko-KR" dirty="0"/>
+              <a:t>mappings:</a:t>
+            </a:r>
+          </a:p>
+          <a:p>
+            <a:pPr lvl="1"/>
+            <a:r>
+              <a:rPr lang="en-US" altLang="ko-KR" dirty="0"/>
+              <a:t>G : X → Y</a:t>
+            </a:r>
+          </a:p>
+          <a:p>
+            <a:pPr lvl="1"/>
+            <a:r>
+              <a:rPr lang="en-US" altLang="ko-KR" dirty="0"/>
+              <a:t>F : Y → X</a:t>
+            </a:r>
+          </a:p>
+          <a:p>
+            <a:r>
+              <a:rPr lang="en-US" altLang="ko-KR" dirty="0"/>
+              <a:t>constrains:</a:t>
+            </a:r>
+          </a:p>
+          <a:p>
+            <a:pPr lvl="1"/>
+            <a:r>
+              <a:rPr lang="en-US" altLang="ko-KR" dirty="0"/>
+              <a:t>G(X) ≈ Y</a:t>
+            </a:r>
+          </a:p>
+          <a:p>
+            <a:pPr lvl="1"/>
+            <a:r>
+              <a:rPr lang="en-US" altLang="ko-KR" dirty="0"/>
+              <a:t>F(G(X)) ≈ X</a:t>
+            </a:r>
           </a:p>
         </p:txBody>
       </p:sp>
       <p:pic>
         <p:nvPicPr>
-          <p:cNvPr id="7" name="내용 개체 틀 7">
-            <a:extLst>
-              <a:ext uri="{FF2B5EF4-FFF2-40B4-BE49-F238E27FC236}">
-                <a16:creationId xmlns:a16="http://schemas.microsoft.com/office/drawing/2014/main" id="{E1019CB1-6094-4322-A7F0-994C4C9E2DD7}"/>
+          <p:cNvPr id="6" name="내용 개체 틀 5">
+            <a:extLst>
+              <a:ext uri="{FF2B5EF4-FFF2-40B4-BE49-F238E27FC236}">
+                <a16:creationId xmlns:a16="http://schemas.microsoft.com/office/drawing/2014/main" id="{B7FB9E48-1526-4815-AD47-8847689360A8}"/>
               </a:ext>
             </a:extLst>
           </p:cNvPr>
@@ -5835,29 +5380,26 @@
             <a:picLocks noGrp="1" noChangeAspect="1"/>
           </p:cNvPicPr>
           <p:nvPr>
-            <p:ph idx="1"/>
+            <p:ph sz="half" idx="2"/>
           </p:nvPr>
         </p:nvPicPr>
         <p:blipFill>
-          <a:blip r:embed="rId3"/>
+          <a:blip r:embed="rId2"/>
           <a:stretch>
             <a:fillRect/>
           </a:stretch>
         </p:blipFill>
         <p:spPr>
           <a:xfrm>
-            <a:off x="2460258" y="1825625"/>
-            <a:ext cx="7271483" cy="4351338"/>
+            <a:off x="6794944" y="1825625"/>
+            <a:ext cx="3936112" cy="4351338"/>
           </a:xfrm>
-          <a:prstGeom prst="rect">
-            <a:avLst/>
-          </a:prstGeom>
         </p:spPr>
       </p:pic>
     </p:spTree>
     <p:extLst>
       <p:ext uri="{BB962C8B-B14F-4D97-AF65-F5344CB8AC3E}">
-        <p14:creationId xmlns:p14="http://schemas.microsoft.com/office/powerpoint/2010/main" val="1559247224"/>
+        <p14:creationId xmlns:p14="http://schemas.microsoft.com/office/powerpoint/2010/main" val="1111951629"/>
       </p:ext>
     </p:extLst>
   </p:cSld>
@@ -5886,10 +5428,10 @@
       </p:grpSpPr>
       <p:sp>
         <p:nvSpPr>
-          <p:cNvPr id="2" name="제목 1">
-            <a:extLst>
-              <a:ext uri="{FF2B5EF4-FFF2-40B4-BE49-F238E27FC236}">
-                <a16:creationId xmlns:a16="http://schemas.microsoft.com/office/drawing/2014/main" id="{7BA90400-9850-423E-A7C9-182925FEA22C}"/>
+          <p:cNvPr id="7" name="제목 6">
+            <a:extLst>
+              <a:ext uri="{FF2B5EF4-FFF2-40B4-BE49-F238E27FC236}">
+                <a16:creationId xmlns:a16="http://schemas.microsoft.com/office/drawing/2014/main" id="{2D2140F2-FD28-425F-9E26-3545A282F02E}"/>
               </a:ext>
             </a:extLst>
           </p:cNvPr>
@@ -5907,119 +5449,41 @@
           <a:p>
             <a:r>
               <a:rPr lang="en-US" altLang="ko-KR" dirty="0"/>
-              <a:t>Approaches: GAN Based</a:t>
-            </a:r>
-            <a:br>
-              <a:rPr lang="en-US" altLang="ko-KR" dirty="0"/>
-            </a:br>
-            <a:r>
-              <a:rPr lang="en-US" altLang="ko-KR" sz="2800" dirty="0">
-                <a:solidFill>
-                  <a:schemeClr val="tx1">
-                    <a:lumMod val="50000"/>
-                    <a:lumOff val="50000"/>
-                  </a:schemeClr>
-                </a:solidFill>
-              </a:rPr>
-              <a:t>IS-GAN(Identity Shuffle GAN)</a:t>
-            </a:r>
-            <a:endParaRPr lang="ko-KR" altLang="en-US" sz="2800" dirty="0">
-              <a:solidFill>
-                <a:schemeClr val="tx1">
-                  <a:lumMod val="50000"/>
-                  <a:lumOff val="50000"/>
-                </a:schemeClr>
-              </a:solidFill>
-            </a:endParaRPr>
-          </a:p>
-        </p:txBody>
-      </p:sp>
-      <p:sp>
-        <p:nvSpPr>
-          <p:cNvPr id="5" name="TextBox 4">
-            <a:extLst>
-              <a:ext uri="{FF2B5EF4-FFF2-40B4-BE49-F238E27FC236}">
-                <a16:creationId xmlns:a16="http://schemas.microsoft.com/office/drawing/2014/main" id="{7D3991B9-3AA0-4724-8773-824712003D4D}"/>
-              </a:ext>
-            </a:extLst>
-          </p:cNvPr>
-          <p:cNvSpPr txBox="1"/>
-          <p:nvPr/>
-        </p:nvSpPr>
-        <p:spPr>
-          <a:xfrm>
-            <a:off x="0" y="6311899"/>
-            <a:ext cx="12192000" cy="369332"/>
-          </a:xfrm>
-          <a:prstGeom prst="rect">
-            <a:avLst/>
-          </a:prstGeom>
-          <a:noFill/>
-        </p:spPr>
-        <p:txBody>
-          <a:bodyPr wrap="square">
-            <a:spAutoFit/>
-          </a:bodyPr>
-          <a:lstStyle/>
-          <a:p>
-            <a:pPr algn="ctr"/>
-            <a:r>
-              <a:rPr lang="en-US" altLang="ko-KR" dirty="0"/>
-              <a:t>Learning Disentangled Representation for Robust Person Re-identification, 1</a:t>
-            </a:r>
-            <a:r>
-              <a:rPr lang="ko-KR" altLang="en-US" dirty="0"/>
-              <a:t> </a:t>
-            </a:r>
-            <a:r>
-              <a:rPr lang="en-US" altLang="ko-KR" dirty="0"/>
-              <a:t>Nov</a:t>
-            </a:r>
-            <a:r>
-              <a:rPr lang="ko-KR" altLang="en-US" dirty="0"/>
-              <a:t> </a:t>
-            </a:r>
-            <a:r>
-              <a:rPr lang="en-US" altLang="ko-KR" dirty="0"/>
-              <a:t>2019</a:t>
+              <a:t>Experiments</a:t>
             </a:r>
             <a:endParaRPr lang="ko-KR" altLang="en-US" dirty="0"/>
           </a:p>
         </p:txBody>
       </p:sp>
-      <p:pic>
-        <p:nvPicPr>
-          <p:cNvPr id="6" name="내용 개체 틀 5">
-            <a:extLst>
-              <a:ext uri="{FF2B5EF4-FFF2-40B4-BE49-F238E27FC236}">
-                <a16:creationId xmlns:a16="http://schemas.microsoft.com/office/drawing/2014/main" id="{9D58ECB4-DABC-4808-A24A-6035ACED6E1F}"/>
-              </a:ext>
-            </a:extLst>
-          </p:cNvPr>
-          <p:cNvPicPr>
-            <a:picLocks noGrp="1" noChangeAspect="1"/>
-          </p:cNvPicPr>
-          <p:nvPr>
-            <p:ph idx="1"/>
-          </p:nvPr>
-        </p:nvPicPr>
-        <p:blipFill>
-          <a:blip r:embed="rId3"/>
-          <a:stretch>
-            <a:fillRect/>
-          </a:stretch>
-        </p:blipFill>
-        <p:spPr>
-          <a:xfrm>
-            <a:off x="949836" y="1825625"/>
-            <a:ext cx="10292328" cy="4351338"/>
-          </a:xfrm>
-        </p:spPr>
-      </p:pic>
+      <p:sp>
+        <p:nvSpPr>
+          <p:cNvPr id="8" name="텍스트 개체 틀 7">
+            <a:extLst>
+              <a:ext uri="{FF2B5EF4-FFF2-40B4-BE49-F238E27FC236}">
+                <a16:creationId xmlns:a16="http://schemas.microsoft.com/office/drawing/2014/main" id="{F640A9FE-3699-4D27-A254-8ED6216E92E5}"/>
+              </a:ext>
+            </a:extLst>
+          </p:cNvPr>
+          <p:cNvSpPr>
+            <a:spLocks noGrp="1"/>
+          </p:cNvSpPr>
+          <p:nvPr>
+            <p:ph type="body" idx="1"/>
+          </p:nvPr>
+        </p:nvSpPr>
+        <p:spPr/>
+        <p:txBody>
+          <a:bodyPr/>
+          <a:lstStyle/>
+          <a:p>
+            <a:endParaRPr lang="ko-KR" altLang="en-US"/>
+          </a:p>
+        </p:txBody>
+      </p:sp>
     </p:spTree>
     <p:extLst>
       <p:ext uri="{BB962C8B-B14F-4D97-AF65-F5344CB8AC3E}">
-        <p14:creationId xmlns:p14="http://schemas.microsoft.com/office/powerpoint/2010/main" val="1668692117"/>
+        <p14:creationId xmlns:p14="http://schemas.microsoft.com/office/powerpoint/2010/main" val="2974835748"/>
       </p:ext>
     </p:extLst>
   </p:cSld>
@@ -6048,10 +5512,10 @@
       </p:grpSpPr>
       <p:sp>
         <p:nvSpPr>
-          <p:cNvPr id="2" name="제목 1">
-            <a:extLst>
-              <a:ext uri="{FF2B5EF4-FFF2-40B4-BE49-F238E27FC236}">
-                <a16:creationId xmlns:a16="http://schemas.microsoft.com/office/drawing/2014/main" id="{7BA90400-9850-423E-A7C9-182925FEA22C}"/>
+          <p:cNvPr id="4" name="제목 3">
+            <a:extLst>
+              <a:ext uri="{FF2B5EF4-FFF2-40B4-BE49-F238E27FC236}">
+                <a16:creationId xmlns:a16="http://schemas.microsoft.com/office/drawing/2014/main" id="{4E0CE3C0-BBD7-4DC8-B0EF-3AA5D8992D67}"/>
               </a:ext>
             </a:extLst>
           </p:cNvPr>
@@ -6069,39 +5533,92 @@
           <a:p>
             <a:r>
               <a:rPr lang="en-US" altLang="ko-KR" dirty="0"/>
-              <a:t>Approaches: GAN Based</a:t>
-            </a:r>
-            <a:br>
-              <a:rPr lang="en-US" altLang="ko-KR" dirty="0"/>
-            </a:br>
-            <a:r>
-              <a:rPr lang="en-US" altLang="ko-KR" sz="2800" dirty="0">
-                <a:solidFill>
-                  <a:schemeClr val="tx1">
-                    <a:lumMod val="50000"/>
-                    <a:lumOff val="50000"/>
-                  </a:schemeClr>
-                </a:solidFill>
-              </a:rPr>
-              <a:t>IS-GAN(Identity Shuffle GAN)</a:t>
-            </a:r>
-            <a:endParaRPr lang="ko-KR" altLang="en-US" sz="2800" dirty="0">
-              <a:solidFill>
-                <a:schemeClr val="tx1">
-                  <a:lumMod val="50000"/>
-                  <a:lumOff val="50000"/>
-                </a:schemeClr>
-              </a:solidFill>
-            </a:endParaRPr>
-          </a:p>
-        </p:txBody>
-      </p:sp>
-      <p:sp>
-        <p:nvSpPr>
-          <p:cNvPr id="5" name="TextBox 4">
-            <a:extLst>
-              <a:ext uri="{FF2B5EF4-FFF2-40B4-BE49-F238E27FC236}">
-                <a16:creationId xmlns:a16="http://schemas.microsoft.com/office/drawing/2014/main" id="{7D3991B9-3AA0-4724-8773-824712003D4D}"/>
+              <a:t>Baseline(ID-discriminative embedding)</a:t>
+            </a:r>
+            <a:endParaRPr lang="ko-KR" altLang="en-US" dirty="0"/>
+          </a:p>
+        </p:txBody>
+      </p:sp>
+      <p:sp>
+        <p:nvSpPr>
+          <p:cNvPr id="6" name="내용 개체 틀 5">
+            <a:extLst>
+              <a:ext uri="{FF2B5EF4-FFF2-40B4-BE49-F238E27FC236}">
+                <a16:creationId xmlns:a16="http://schemas.microsoft.com/office/drawing/2014/main" id="{DA93AEE5-48D0-4F7D-A5E0-211BE23DC512}"/>
+              </a:ext>
+            </a:extLst>
+          </p:cNvPr>
+          <p:cNvSpPr>
+            <a:spLocks noGrp="1"/>
+          </p:cNvSpPr>
+          <p:nvPr>
+            <p:ph sz="half" idx="1"/>
+          </p:nvPr>
+        </p:nvSpPr>
+        <p:spPr/>
+        <p:txBody>
+          <a:bodyPr/>
+          <a:lstStyle/>
+          <a:p>
+            <a:r>
+              <a:rPr lang="en-US" altLang="ko-KR" dirty="0"/>
+              <a:t>A </a:t>
+            </a:r>
+            <a:r>
+              <a:rPr lang="en-US" altLang="ko-KR" dirty="0" err="1"/>
+              <a:t>siamese</a:t>
+            </a:r>
+            <a:r>
+              <a:rPr lang="en-US" altLang="ko-KR" dirty="0"/>
+              <a:t> network that simultaneously computes the identification and verification loss.</a:t>
+            </a:r>
+          </a:p>
+          <a:p>
+            <a:r>
+              <a:rPr lang="en-US" altLang="ko-KR" dirty="0"/>
+              <a:t>Sorting the cosine distance between the query and all the gallery features to obtain the final ranking result</a:t>
+            </a:r>
+            <a:endParaRPr lang="ko-KR" altLang="en-US" dirty="0"/>
+          </a:p>
+        </p:txBody>
+      </p:sp>
+      <p:pic>
+        <p:nvPicPr>
+          <p:cNvPr id="8" name="내용 개체 틀 5">
+            <a:extLst>
+              <a:ext uri="{FF2B5EF4-FFF2-40B4-BE49-F238E27FC236}">
+                <a16:creationId xmlns:a16="http://schemas.microsoft.com/office/drawing/2014/main" id="{B2F800BE-3898-46FD-BD0B-7C0F3E464071}"/>
+              </a:ext>
+            </a:extLst>
+          </p:cNvPr>
+          <p:cNvPicPr>
+            <a:picLocks noGrp="1" noChangeAspect="1"/>
+          </p:cNvPicPr>
+          <p:nvPr>
+            <p:ph sz="half" idx="2"/>
+          </p:nvPr>
+        </p:nvPicPr>
+        <p:blipFill rotWithShape="1">
+          <a:blip r:embed="rId2"/>
+          <a:srcRect l="489" t="2607" r="1123" b="5989"/>
+          <a:stretch/>
+        </p:blipFill>
+        <p:spPr>
+          <a:xfrm>
+            <a:off x="6172200" y="2625747"/>
+            <a:ext cx="5181600" cy="2205661"/>
+          </a:xfrm>
+          <a:prstGeom prst="rect">
+            <a:avLst/>
+          </a:prstGeom>
+        </p:spPr>
+      </p:pic>
+      <p:sp>
+        <p:nvSpPr>
+          <p:cNvPr id="9" name="TextBox 8">
+            <a:extLst>
+              <a:ext uri="{FF2B5EF4-FFF2-40B4-BE49-F238E27FC236}">
+                <a16:creationId xmlns:a16="http://schemas.microsoft.com/office/drawing/2014/main" id="{36C89739-6395-494A-84EC-CF86E326EF38}"/>
               </a:ext>
             </a:extLst>
           </p:cNvPr>
@@ -6110,8 +5627,8 @@
         </p:nvSpPr>
         <p:spPr>
           <a:xfrm>
-            <a:off x="0" y="6311899"/>
-            <a:ext cx="12192000" cy="369332"/>
+            <a:off x="1844841" y="6488668"/>
+            <a:ext cx="8502318" cy="369332"/>
           </a:xfrm>
           <a:prstGeom prst="rect">
             <a:avLst/>
@@ -6126,64 +5643,69 @@
           <a:p>
             <a:pPr algn="ctr"/>
             <a:r>
-              <a:rPr lang="en-US" altLang="ko-KR" dirty="0"/>
-              <a:t>Learning Disentangled Representation for Robust Person Re-identification, 1</a:t>
+              <a:rPr lang="ko-KR" altLang="en-US" dirty="0" err="1"/>
+              <a:t>A</a:t>
             </a:r>
             <a:r>
               <a:rPr lang="ko-KR" altLang="en-US" dirty="0"/>
               <a:t> </a:t>
             </a:r>
             <a:r>
-              <a:rPr lang="en-US" altLang="ko-KR" dirty="0"/>
-              <a:t>Nov</a:t>
+              <a:rPr lang="ko-KR" altLang="en-US" dirty="0" err="1"/>
+              <a:t>Discriminatively</a:t>
             </a:r>
             <a:r>
               <a:rPr lang="ko-KR" altLang="en-US" dirty="0"/>
               <a:t> </a:t>
             </a:r>
             <a:r>
-              <a:rPr lang="en-US" altLang="ko-KR" dirty="0"/>
-              <a:t>2019</a:t>
+              <a:rPr lang="ko-KR" altLang="en-US" dirty="0" err="1"/>
+              <a:t>Learned</a:t>
+            </a:r>
+            <a:r>
+              <a:rPr lang="ko-KR" altLang="en-US" dirty="0"/>
+              <a:t> CNN </a:t>
+            </a:r>
+            <a:r>
+              <a:rPr lang="ko-KR" altLang="en-US" dirty="0" err="1"/>
+              <a:t>Embedding</a:t>
+            </a:r>
+            <a:r>
+              <a:rPr lang="ko-KR" altLang="en-US" dirty="0"/>
+              <a:t> </a:t>
+            </a:r>
+            <a:r>
+              <a:rPr lang="ko-KR" altLang="en-US" dirty="0" err="1"/>
+              <a:t>for</a:t>
+            </a:r>
+            <a:r>
+              <a:rPr lang="ko-KR" altLang="en-US" dirty="0"/>
+              <a:t> </a:t>
+            </a:r>
+            <a:r>
+              <a:rPr lang="ko-KR" altLang="en-US" dirty="0" err="1"/>
+              <a:t>Person</a:t>
+            </a:r>
+            <a:r>
+              <a:rPr lang="ko-KR" altLang="en-US" dirty="0"/>
+              <a:t> </a:t>
+            </a:r>
+            <a:r>
+              <a:rPr lang="ko-KR" altLang="en-US" dirty="0" err="1"/>
+              <a:t>Re-identification</a:t>
+            </a:r>
+            <a:r>
+              <a:rPr lang="en-US" altLang="ko-KR" dirty="0"/>
+              <a:t>, 2016</a:t>
             </a:r>
             <a:endParaRPr lang="ko-KR" altLang="en-US" dirty="0"/>
           </a:p>
         </p:txBody>
       </p:sp>
-      <p:pic>
-        <p:nvPicPr>
-          <p:cNvPr id="10" name="내용 개체 틀 6">
-            <a:extLst>
-              <a:ext uri="{FF2B5EF4-FFF2-40B4-BE49-F238E27FC236}">
-                <a16:creationId xmlns:a16="http://schemas.microsoft.com/office/drawing/2014/main" id="{56863399-AC0A-470C-9853-1BB19B685252}"/>
-              </a:ext>
-            </a:extLst>
-          </p:cNvPr>
-          <p:cNvPicPr>
-            <a:picLocks noGrp="1" noChangeAspect="1"/>
-          </p:cNvPicPr>
-          <p:nvPr>
-            <p:ph idx="1"/>
-          </p:nvPr>
-        </p:nvPicPr>
-        <p:blipFill rotWithShape="1">
-          <a:blip r:embed="rId3"/>
-          <a:srcRect t="7878" b="16771"/>
-          <a:stretch/>
-        </p:blipFill>
-        <p:spPr>
-          <a:xfrm>
-            <a:off x="838200" y="2319644"/>
-            <a:ext cx="10515600" cy="3363300"/>
-          </a:xfrm>
-          <a:prstGeom prst="rect">
-            <a:avLst/>
-          </a:prstGeom>
-        </p:spPr>
-      </p:pic>
     </p:spTree>
     <p:extLst>
       <p:ext uri="{BB962C8B-B14F-4D97-AF65-F5344CB8AC3E}">
-        <p14:creationId xmlns:p14="http://schemas.microsoft.com/office/powerpoint/2010/main" val="2733579136"/>
+        <p14:creationId xmlns:p14="http://schemas.microsoft.com/office/powerpoint/2010/main" val="3386836883"/>
       </p:ext>
     </p:extLst>
   </p:cSld>
@@ -6210,12 +5732,127 @@
           <a:chExt cx="0" cy="0"/>
         </a:xfrm>
       </p:grpSpPr>
-      <p:sp>
-        <p:nvSpPr>
-          <p:cNvPr id="2" name="제목 1">
-            <a:extLst>
-              <a:ext uri="{FF2B5EF4-FFF2-40B4-BE49-F238E27FC236}">
-                <a16:creationId xmlns:a16="http://schemas.microsoft.com/office/drawing/2014/main" id="{7BA90400-9850-423E-A7C9-182925FEA22C}"/>
+      <p:grpSp>
+        <p:nvGrpSpPr>
+          <p:cNvPr id="5" name="그룹 4">
+            <a:extLst>
+              <a:ext uri="{FF2B5EF4-FFF2-40B4-BE49-F238E27FC236}">
+                <a16:creationId xmlns:a16="http://schemas.microsoft.com/office/drawing/2014/main" id="{34BFFE80-92EE-41D3-9287-D12A0AEF0F14}"/>
+              </a:ext>
+            </a:extLst>
+          </p:cNvPr>
+          <p:cNvGrpSpPr/>
+          <p:nvPr/>
+        </p:nvGrpSpPr>
+        <p:grpSpPr>
+          <a:xfrm>
+            <a:off x="2628900" y="2607846"/>
+            <a:ext cx="6934200" cy="2498558"/>
+            <a:chOff x="2628900" y="2383256"/>
+            <a:chExt cx="6934200" cy="2498558"/>
+          </a:xfrm>
+        </p:grpSpPr>
+        <p:pic>
+          <p:nvPicPr>
+            <p:cNvPr id="1026" name="Picture 2">
+              <a:extLst>
+                <a:ext uri="{FF2B5EF4-FFF2-40B4-BE49-F238E27FC236}">
+                  <a16:creationId xmlns:a16="http://schemas.microsoft.com/office/drawing/2014/main" id="{409943A7-BDF9-4B06-B205-7255DC19C70B}"/>
+                </a:ext>
+              </a:extLst>
+            </p:cNvPr>
+            <p:cNvPicPr>
+              <a:picLocks noChangeAspect="1" noChangeArrowheads="1"/>
+            </p:cNvPicPr>
+            <p:nvPr/>
+          </p:nvPicPr>
+          <p:blipFill>
+            <a:blip r:embed="rId2">
+              <a:extLst>
+                <a:ext uri="{28A0092B-C50C-407E-A947-70E740481C1C}">
+                  <a14:useLocalDpi xmlns:a14="http://schemas.microsoft.com/office/drawing/2010/main" val="0"/>
+                </a:ext>
+              </a:extLst>
+            </a:blip>
+            <a:srcRect/>
+            <a:stretch>
+              <a:fillRect/>
+            </a:stretch>
+          </p:blipFill>
+          <p:spPr bwMode="auto">
+            <a:xfrm>
+              <a:off x="2628900" y="2383256"/>
+              <a:ext cx="6934200" cy="1257300"/>
+            </a:xfrm>
+            <a:prstGeom prst="rect">
+              <a:avLst/>
+            </a:prstGeom>
+            <a:noFill/>
+            <a:extLst>
+              <a:ext uri="{909E8E84-426E-40DD-AFC4-6F175D3DCCD1}">
+                <a14:hiddenFill xmlns:a14="http://schemas.microsoft.com/office/drawing/2010/main">
+                  <a:solidFill>
+                    <a:srgbClr val="FFFFFF"/>
+                  </a:solidFill>
+                </a14:hiddenFill>
+              </a:ext>
+            </a:extLst>
+          </p:spPr>
+        </p:pic>
+        <p:pic>
+          <p:nvPicPr>
+            <p:cNvPr id="1028" name="Picture 4">
+              <a:extLst>
+                <a:ext uri="{FF2B5EF4-FFF2-40B4-BE49-F238E27FC236}">
+                  <a16:creationId xmlns:a16="http://schemas.microsoft.com/office/drawing/2014/main" id="{1A335BE4-F27B-4269-ADD1-E707BF4DC45D}"/>
+                </a:ext>
+              </a:extLst>
+            </p:cNvPr>
+            <p:cNvPicPr>
+              <a:picLocks noChangeAspect="1" noChangeArrowheads="1"/>
+            </p:cNvPicPr>
+            <p:nvPr/>
+          </p:nvPicPr>
+          <p:blipFill>
+            <a:blip r:embed="rId3">
+              <a:extLst>
+                <a:ext uri="{28A0092B-C50C-407E-A947-70E740481C1C}">
+                  <a14:useLocalDpi xmlns:a14="http://schemas.microsoft.com/office/drawing/2010/main" val="0"/>
+                </a:ext>
+              </a:extLst>
+            </a:blip>
+            <a:srcRect/>
+            <a:stretch>
+              <a:fillRect/>
+            </a:stretch>
+          </p:blipFill>
+          <p:spPr bwMode="auto">
+            <a:xfrm>
+              <a:off x="2628900" y="3624514"/>
+              <a:ext cx="6934200" cy="1257300"/>
+            </a:xfrm>
+            <a:prstGeom prst="rect">
+              <a:avLst/>
+            </a:prstGeom>
+            <a:noFill/>
+            <a:extLst>
+              <a:ext uri="{909E8E84-426E-40DD-AFC4-6F175D3DCCD1}">
+                <a14:hiddenFill xmlns:a14="http://schemas.microsoft.com/office/drawing/2010/main">
+                  <a:solidFill>
+                    <a:srgbClr val="FFFFFF"/>
+                  </a:solidFill>
+                </a14:hiddenFill>
+              </a:ext>
+            </a:extLst>
+          </p:spPr>
+        </p:pic>
+      </p:grpSp>
+      <p:sp>
+        <p:nvSpPr>
+          <p:cNvPr id="6" name="제목 5">
+            <a:extLst>
+              <a:ext uri="{FF2B5EF4-FFF2-40B4-BE49-F238E27FC236}">
+                <a16:creationId xmlns:a16="http://schemas.microsoft.com/office/drawing/2014/main" id="{4F7CEF5F-4B56-475F-891C-306E8CC83F40}"/>
               </a:ext>
             </a:extLst>
           </p:cNvPr>
@@ -6233,228 +5870,16 @@
           <a:p>
             <a:r>
               <a:rPr lang="en-US" altLang="ko-KR" dirty="0"/>
-              <a:t>Approaches: GAN Based</a:t>
-            </a:r>
-            <a:br>
-              <a:rPr lang="en-US" altLang="ko-KR" dirty="0"/>
-            </a:br>
-            <a:r>
-              <a:rPr lang="en-US" altLang="ko-KR" sz="2800" dirty="0">
-                <a:solidFill>
-                  <a:schemeClr val="tx1">
-                    <a:lumMod val="50000"/>
-                    <a:lumOff val="50000"/>
-                  </a:schemeClr>
-                </a:solidFill>
-              </a:rPr>
-              <a:t>Comparison</a:t>
-            </a:r>
-            <a:endParaRPr lang="ko-KR" altLang="en-US" sz="2800" dirty="0">
-              <a:solidFill>
-                <a:schemeClr val="tx1">
-                  <a:lumMod val="50000"/>
-                  <a:lumOff val="50000"/>
-                </a:schemeClr>
-              </a:solidFill>
-            </a:endParaRPr>
-          </a:p>
-        </p:txBody>
-      </p:sp>
-      <p:pic>
-        <p:nvPicPr>
-          <p:cNvPr id="6" name="내용 개체 틀 8">
-            <a:extLst>
-              <a:ext uri="{FF2B5EF4-FFF2-40B4-BE49-F238E27FC236}">
-                <a16:creationId xmlns:a16="http://schemas.microsoft.com/office/drawing/2014/main" id="{0E54FD66-C320-499C-8E6F-D2EB47034CBF}"/>
-              </a:ext>
-            </a:extLst>
-          </p:cNvPr>
-          <p:cNvPicPr>
-            <a:picLocks noGrp="1" noChangeAspect="1"/>
-          </p:cNvPicPr>
-          <p:nvPr>
-            <p:ph idx="1"/>
-          </p:nvPr>
-        </p:nvPicPr>
-        <p:blipFill>
-          <a:blip r:embed="rId3"/>
-          <a:stretch>
-            <a:fillRect/>
-          </a:stretch>
-        </p:blipFill>
-        <p:spPr>
-          <a:xfrm>
-            <a:off x="2380217" y="1825625"/>
-            <a:ext cx="7431565" cy="4351338"/>
-          </a:xfrm>
-        </p:spPr>
-      </p:pic>
-      <p:sp>
-        <p:nvSpPr>
-          <p:cNvPr id="3" name="직사각형 2">
-            <a:extLst>
-              <a:ext uri="{FF2B5EF4-FFF2-40B4-BE49-F238E27FC236}">
-                <a16:creationId xmlns:a16="http://schemas.microsoft.com/office/drawing/2014/main" id="{5398CAB7-4131-4E18-9224-32D86A4AC700}"/>
-              </a:ext>
-            </a:extLst>
-          </p:cNvPr>
-          <p:cNvSpPr/>
-          <p:nvPr/>
-        </p:nvSpPr>
-        <p:spPr>
-          <a:xfrm>
-            <a:off x="2550695" y="3859730"/>
-            <a:ext cx="6920564" cy="211756"/>
-          </a:xfrm>
-          <a:prstGeom prst="rect">
-            <a:avLst/>
-          </a:prstGeom>
-          <a:noFill/>
-          <a:ln w="28575" cap="flat" cmpd="sng" algn="ctr">
-            <a:solidFill>
-              <a:srgbClr val="FF0000"/>
-            </a:solidFill>
-            <a:prstDash val="solid"/>
-            <a:round/>
-            <a:headEnd type="none" w="med" len="med"/>
-            <a:tailEnd type="none" w="med" len="med"/>
-          </a:ln>
-        </p:spPr>
-        <p:style>
-          <a:lnRef idx="0">
-            <a:scrgbClr r="0" g="0" b="0"/>
-          </a:lnRef>
-          <a:fillRef idx="0">
-            <a:scrgbClr r="0" g="0" b="0"/>
-          </a:fillRef>
-          <a:effectRef idx="0">
-            <a:scrgbClr r="0" g="0" b="0"/>
-          </a:effectRef>
-          <a:fontRef idx="minor">
-            <a:schemeClr val="dk1"/>
-          </a:fontRef>
-        </p:style>
-        <p:txBody>
-          <a:bodyPr rtlCol="0" anchor="ctr"/>
-          <a:lstStyle/>
-          <a:p>
-            <a:pPr algn="ctr"/>
-            <a:endParaRPr lang="ko-KR" altLang="en-US"/>
-          </a:p>
-        </p:txBody>
-      </p:sp>
-      <p:sp>
-        <p:nvSpPr>
-          <p:cNvPr id="7" name="직사각형 6">
-            <a:extLst>
-              <a:ext uri="{FF2B5EF4-FFF2-40B4-BE49-F238E27FC236}">
-                <a16:creationId xmlns:a16="http://schemas.microsoft.com/office/drawing/2014/main" id="{92945B04-904F-4080-B726-5B970792E6EE}"/>
-              </a:ext>
-            </a:extLst>
-          </p:cNvPr>
-          <p:cNvSpPr/>
-          <p:nvPr/>
-        </p:nvSpPr>
-        <p:spPr>
-          <a:xfrm>
-            <a:off x="2550695" y="5061659"/>
-            <a:ext cx="6920564" cy="211756"/>
-          </a:xfrm>
-          <a:prstGeom prst="rect">
-            <a:avLst/>
-          </a:prstGeom>
-          <a:noFill/>
-          <a:ln w="28575" cap="flat" cmpd="sng" algn="ctr">
-            <a:solidFill>
-              <a:srgbClr val="FF0000"/>
-            </a:solidFill>
-            <a:prstDash val="solid"/>
-            <a:round/>
-            <a:headEnd type="none" w="med" len="med"/>
-            <a:tailEnd type="none" w="med" len="med"/>
-          </a:ln>
-        </p:spPr>
-        <p:style>
-          <a:lnRef idx="0">
-            <a:scrgbClr r="0" g="0" b="0"/>
-          </a:lnRef>
-          <a:fillRef idx="0">
-            <a:scrgbClr r="0" g="0" b="0"/>
-          </a:fillRef>
-          <a:effectRef idx="0">
-            <a:scrgbClr r="0" g="0" b="0"/>
-          </a:effectRef>
-          <a:fontRef idx="minor">
-            <a:schemeClr val="dk1"/>
-          </a:fontRef>
-        </p:style>
-        <p:txBody>
-          <a:bodyPr rtlCol="0" anchor="ctr"/>
-          <a:lstStyle/>
-          <a:p>
-            <a:pPr algn="ctr"/>
-            <a:endParaRPr lang="ko-KR" altLang="en-US"/>
-          </a:p>
-        </p:txBody>
-      </p:sp>
-      <p:sp>
-        <p:nvSpPr>
-          <p:cNvPr id="10" name="직사각형 9">
-            <a:extLst>
-              <a:ext uri="{FF2B5EF4-FFF2-40B4-BE49-F238E27FC236}">
-                <a16:creationId xmlns:a16="http://schemas.microsoft.com/office/drawing/2014/main" id="{D398BB4B-9BC1-4B6E-BE5C-E624F91BDEFD}"/>
-              </a:ext>
-            </a:extLst>
-          </p:cNvPr>
-          <p:cNvSpPr/>
-          <p:nvPr/>
-        </p:nvSpPr>
-        <p:spPr>
-          <a:xfrm>
-            <a:off x="2550695" y="5783554"/>
-            <a:ext cx="6920564" cy="211756"/>
-          </a:xfrm>
-          <a:prstGeom prst="rect">
-            <a:avLst/>
-          </a:prstGeom>
-          <a:noFill/>
-          <a:ln w="28575" cap="flat" cmpd="sng" algn="ctr">
-            <a:solidFill>
-              <a:srgbClr val="FF0000"/>
-            </a:solidFill>
-            <a:prstDash val="solid"/>
-            <a:round/>
-            <a:headEnd type="none" w="med" len="med"/>
-            <a:tailEnd type="none" w="med" len="med"/>
-          </a:ln>
-        </p:spPr>
-        <p:style>
-          <a:lnRef idx="0">
-            <a:scrgbClr r="0" g="0" b="0"/>
-          </a:lnRef>
-          <a:fillRef idx="0">
-            <a:scrgbClr r="0" g="0" b="0"/>
-          </a:fillRef>
-          <a:effectRef idx="0">
-            <a:scrgbClr r="0" g="0" b="0"/>
-          </a:effectRef>
-          <a:fontRef idx="minor">
-            <a:schemeClr val="dk1"/>
-          </a:fontRef>
-        </p:style>
-        <p:txBody>
-          <a:bodyPr rtlCol="0" anchor="ctr"/>
-          <a:lstStyle/>
-          <a:p>
-            <a:pPr algn="ctr"/>
-            <a:endParaRPr lang="ko-KR" altLang="en-US"/>
+              <a:t>Visual Comparison</a:t>
+            </a:r>
+            <a:endParaRPr lang="ko-KR" altLang="en-US" dirty="0"/>
           </a:p>
         </p:txBody>
       </p:sp>
     </p:spTree>
     <p:extLst>
       <p:ext uri="{BB962C8B-B14F-4D97-AF65-F5344CB8AC3E}">
-        <p14:creationId xmlns:p14="http://schemas.microsoft.com/office/powerpoint/2010/main" val="3527678147"/>
+        <p14:creationId xmlns:p14="http://schemas.microsoft.com/office/powerpoint/2010/main" val="3540160260"/>
       </p:ext>
     </p:extLst>
   </p:cSld>
@@ -6486,7 +5911,7 @@
           <p:cNvPr id="2" name="제목 1">
             <a:extLst>
               <a:ext uri="{FF2B5EF4-FFF2-40B4-BE49-F238E27FC236}">
-                <a16:creationId xmlns:a16="http://schemas.microsoft.com/office/drawing/2014/main" id="{13750178-5B4A-45B4-8A32-D086E795026A}"/>
+                <a16:creationId xmlns:a16="http://schemas.microsoft.com/office/drawing/2014/main" id="{33E4700B-9C49-438D-8BB2-C4DCD722784E}"/>
               </a:ext>
             </a:extLst>
           </p:cNvPr>
@@ -6502,10 +5927,7 @@
           <a:bodyPr/>
           <a:lstStyle/>
           <a:p>
-            <a:r>
-              <a:rPr lang="ko-KR" altLang="en-US" dirty="0"/>
-              <a:t>메모</a:t>
-            </a:r>
+            <a:endParaRPr lang="ko-KR" altLang="en-US"/>
           </a:p>
         </p:txBody>
       </p:sp>
@@ -6514,7 +5936,7 @@
           <p:cNvPr id="3" name="내용 개체 틀 2">
             <a:extLst>
               <a:ext uri="{FF2B5EF4-FFF2-40B4-BE49-F238E27FC236}">
-                <a16:creationId xmlns:a16="http://schemas.microsoft.com/office/drawing/2014/main" id="{3D1C5670-133A-4177-8470-EA80D8E5D5BF}"/>
+                <a16:creationId xmlns:a16="http://schemas.microsoft.com/office/drawing/2014/main" id="{3716A8CC-114C-4371-B85F-520949CA0916}"/>
               </a:ext>
             </a:extLst>
           </p:cNvPr>
@@ -6527,286 +5949,17 @@
         </p:nvSpPr>
         <p:spPr/>
         <p:txBody>
-          <a:bodyPr>
-            <a:normAutofit/>
-          </a:bodyPr>
-          <a:lstStyle/>
-          <a:p>
-            <a:r>
-              <a:rPr lang="en-US" altLang="ko-KR" sz="2000" dirty="0"/>
-              <a:t>DGNET </a:t>
-            </a:r>
-            <a:r>
-              <a:rPr lang="ko-KR" altLang="en-US" sz="2000" dirty="0"/>
-              <a:t>논문 </a:t>
-            </a:r>
-            <a:r>
-              <a:rPr lang="en-US" altLang="ko-KR" sz="2000" dirty="0"/>
-              <a:t>3P</a:t>
-            </a:r>
-            <a:r>
-              <a:rPr lang="ko-KR" altLang="en-US" sz="2000" dirty="0"/>
-              <a:t>의 </a:t>
-            </a:r>
-            <a:r>
-              <a:rPr lang="en-US" altLang="ko-KR" sz="2000" dirty="0"/>
-              <a:t>Related Work </a:t>
-            </a:r>
-            <a:r>
-              <a:rPr lang="ko-KR" altLang="en-US" sz="2000" dirty="0"/>
-              <a:t>마지막 문단을 보면</a:t>
-            </a:r>
-            <a:r>
-              <a:rPr lang="en-US" altLang="ko-KR" sz="2000" dirty="0"/>
-              <a:t>, </a:t>
-            </a:r>
-            <a:r>
-              <a:rPr lang="en-US" altLang="ko-KR" sz="2000" dirty="0" err="1"/>
-              <a:t>cyclegan</a:t>
-            </a:r>
-            <a:r>
-              <a:rPr lang="ko-KR" altLang="en-US" sz="2000" dirty="0"/>
-              <a:t>을 이용한 </a:t>
-            </a:r>
-            <a:r>
-              <a:rPr lang="en-US" altLang="ko-KR" sz="2000" dirty="0"/>
-              <a:t>domain adaptation</a:t>
-            </a:r>
-            <a:r>
-              <a:rPr lang="ko-KR" altLang="en-US" sz="2000" dirty="0"/>
-              <a:t>과 비교하는 문장이 나옴 </a:t>
-            </a:r>
-            <a:r>
-              <a:rPr lang="en-US" altLang="ko-KR" sz="2000" dirty="0"/>
-              <a:t>=&gt; Disentangling factors of variation in deep representations using adversarial training</a:t>
-            </a:r>
-            <a:r>
-              <a:rPr lang="ko-KR" altLang="en-US" sz="2000" dirty="0"/>
-              <a:t>논문과는 별개로 보임</a:t>
-            </a:r>
-            <a:r>
-              <a:rPr lang="en-US" altLang="ko-KR" sz="2000" dirty="0"/>
-              <a:t>. =&gt; </a:t>
-            </a:r>
-            <a:r>
-              <a:rPr lang="en-US" altLang="ko-KR" sz="2000" dirty="0" err="1"/>
-              <a:t>CycleGAN</a:t>
-            </a:r>
-            <a:r>
-              <a:rPr lang="ko-KR" altLang="en-US" sz="2000" dirty="0"/>
-              <a:t>에서 언급됨</a:t>
-            </a:r>
-            <a:r>
-              <a:rPr lang="en-US" altLang="ko-KR" sz="2000" dirty="0"/>
-              <a:t>. 2016</a:t>
-            </a:r>
-            <a:r>
-              <a:rPr lang="ko-KR" altLang="en-US" sz="2000" dirty="0"/>
-              <a:t>년에 </a:t>
-            </a:r>
-            <a:r>
-              <a:rPr lang="en-US" altLang="ko-KR" sz="2000" dirty="0" err="1"/>
-              <a:t>gan</a:t>
-            </a:r>
-            <a:r>
-              <a:rPr lang="ko-KR" altLang="en-US" sz="2000" dirty="0"/>
-              <a:t>을 통한 </a:t>
-            </a:r>
-            <a:r>
-              <a:rPr lang="en-US" altLang="ko-KR" sz="2000" dirty="0"/>
-              <a:t>representation learning</a:t>
-            </a:r>
-            <a:r>
-              <a:rPr lang="ko-KR" altLang="en-US" sz="2000" dirty="0"/>
-              <a:t>이 유행한걸로 보임</a:t>
-            </a:r>
-            <a:endParaRPr lang="en-US" altLang="ko-KR" sz="2000" dirty="0"/>
-          </a:p>
-          <a:p>
-            <a:r>
-              <a:rPr lang="en-US" altLang="ko-KR" sz="2000" dirty="0"/>
-              <a:t>FD-NET: </a:t>
-            </a:r>
-            <a:r>
-              <a:rPr lang="ko-KR" altLang="en-US" sz="2000" dirty="0"/>
-              <a:t>부가정보</a:t>
-            </a:r>
-            <a:r>
-              <a:rPr lang="en-US" altLang="ko-KR" sz="2000" dirty="0"/>
-              <a:t>(</a:t>
-            </a:r>
-            <a:r>
-              <a:rPr lang="ko-KR" altLang="en-US" sz="2000" dirty="0"/>
-              <a:t>포즈</a:t>
-            </a:r>
-            <a:r>
-              <a:rPr lang="en-US" altLang="ko-KR" sz="2000" dirty="0"/>
-              <a:t>) + GAN</a:t>
-            </a:r>
-            <a:r>
-              <a:rPr lang="ko-KR" altLang="en-US" sz="2000" dirty="0"/>
-              <a:t>으로 </a:t>
-            </a:r>
-            <a:r>
-              <a:rPr lang="en-US" altLang="ko-KR" sz="2000" dirty="0"/>
-              <a:t>disentangled feature </a:t>
-            </a:r>
-            <a:r>
-              <a:rPr lang="ko-KR" altLang="en-US" sz="2000" dirty="0"/>
-              <a:t>뽑아 냄</a:t>
-            </a:r>
-          </a:p>
-          <a:p>
-            <a:r>
-              <a:rPr lang="en-US" altLang="ko-KR" sz="2000" dirty="0"/>
-              <a:t>DG-NET: </a:t>
-            </a:r>
-            <a:r>
-              <a:rPr lang="ko-KR" altLang="en-US" sz="2000" dirty="0"/>
-              <a:t>부가정보 없이 </a:t>
-            </a:r>
-            <a:r>
-              <a:rPr lang="en-US" altLang="ko-KR" sz="2000" dirty="0"/>
-              <a:t>GAN</a:t>
-            </a:r>
-            <a:r>
-              <a:rPr lang="ko-KR" altLang="en-US" sz="2000" dirty="0"/>
-              <a:t>만으로</a:t>
-            </a:r>
-          </a:p>
-          <a:p>
-            <a:r>
-              <a:rPr lang="en-US" altLang="ko-KR" sz="2000" dirty="0"/>
-              <a:t>IS-NET: </a:t>
-            </a:r>
-            <a:r>
-              <a:rPr lang="ko-KR" altLang="en-US" sz="2000" dirty="0"/>
-              <a:t>여러가지 최적화</a:t>
-            </a:r>
-            <a:r>
-              <a:rPr lang="en-US" altLang="ko-KR" sz="2000" dirty="0"/>
-              <a:t>(KL Loss</a:t>
-            </a:r>
-            <a:r>
-              <a:rPr lang="ko-KR" altLang="en-US" sz="2000" dirty="0"/>
-              <a:t>사용도 포함</a:t>
-            </a:r>
-            <a:r>
-              <a:rPr lang="en-US" altLang="ko-KR" sz="2000" dirty="0"/>
-              <a:t>)</a:t>
-            </a:r>
-          </a:p>
-          <a:p>
-            <a:r>
-              <a:rPr lang="en-US" altLang="ko-KR" sz="2000" dirty="0"/>
-              <a:t>GAN framework</a:t>
-            </a:r>
-            <a:r>
-              <a:rPr lang="ko-KR" altLang="en-US" sz="2000" dirty="0"/>
-              <a:t>사용시 </a:t>
-            </a:r>
-            <a:r>
-              <a:rPr lang="en-US" altLang="ko-KR" sz="2000" dirty="0"/>
-              <a:t>triplet loss</a:t>
-            </a:r>
-            <a:r>
-              <a:rPr lang="ko-KR" altLang="en-US" sz="2000" dirty="0"/>
-              <a:t>등은 사용되지 않음</a:t>
-            </a:r>
-            <a:r>
-              <a:rPr lang="en-US" altLang="ko-KR" sz="2000" dirty="0"/>
-              <a:t>.</a:t>
-            </a:r>
-          </a:p>
-          <a:p>
-            <a:r>
-              <a:rPr lang="en-US" altLang="ko-KR" sz="2000" dirty="0"/>
-              <a:t>encoded vector</a:t>
-            </a:r>
-            <a:r>
-              <a:rPr lang="ko-KR" altLang="en-US" sz="2000" dirty="0"/>
-              <a:t>를 이용한 검색 과정은 </a:t>
-            </a:r>
-            <a:r>
-              <a:rPr lang="en-US" altLang="ko-KR" sz="2000" dirty="0"/>
-              <a:t>ranking optimization</a:t>
-            </a:r>
-            <a:r>
-              <a:rPr lang="ko-KR" altLang="en-US" sz="2000" dirty="0"/>
-              <a:t>에서 다룸</a:t>
-            </a:r>
-            <a:r>
-              <a:rPr lang="en-US" altLang="ko-KR" sz="2000" dirty="0"/>
-              <a:t>.</a:t>
-            </a:r>
-          </a:p>
-          <a:p>
-            <a:r>
-              <a:rPr lang="ko-KR" altLang="en-US" sz="2000" dirty="0"/>
-              <a:t>위 </a:t>
-            </a:r>
-            <a:r>
-              <a:rPr lang="en-US" altLang="ko-KR" sz="2000" dirty="0"/>
-              <a:t>3</a:t>
-            </a:r>
-            <a:r>
-              <a:rPr lang="ko-KR" altLang="en-US" sz="2000" dirty="0"/>
-              <a:t>개의 논문의 뿌리는 </a:t>
-            </a:r>
-            <a:r>
-              <a:rPr lang="en-US" altLang="ko-KR" sz="2000" dirty="0"/>
-              <a:t>disentangling factors…</a:t>
-            </a:r>
-            <a:r>
-              <a:rPr lang="ko-KR" altLang="en-US" sz="2000" dirty="0"/>
-              <a:t>가 아니고</a:t>
-            </a:r>
-            <a:r>
-              <a:rPr lang="en-US" altLang="ko-KR" sz="2000" dirty="0"/>
-              <a:t> AAE</a:t>
-            </a:r>
-            <a:r>
-              <a:rPr lang="ko-KR" altLang="en-US" sz="2000" dirty="0"/>
-              <a:t>에 가까워 보임</a:t>
-            </a:r>
-            <a:r>
-              <a:rPr lang="en-US" altLang="ko-KR" sz="2000" dirty="0"/>
-              <a:t>.</a:t>
-            </a:r>
-          </a:p>
-          <a:p>
-            <a:r>
-              <a:rPr lang="ko-KR" altLang="en-US" sz="2000" dirty="0"/>
-              <a:t>제목에 </a:t>
-            </a:r>
-            <a:r>
-              <a:rPr lang="en-US" altLang="ko-KR" sz="2000" dirty="0"/>
-              <a:t>practical xxx system </a:t>
-            </a:r>
-            <a:r>
-              <a:rPr lang="ko-KR" altLang="en-US" sz="2000" dirty="0"/>
-              <a:t>붙이면 </a:t>
-            </a:r>
-            <a:r>
-              <a:rPr lang="en-US" altLang="ko-KR" sz="2000" dirty="0"/>
-              <a:t>ranking optimization</a:t>
-            </a:r>
-            <a:r>
-              <a:rPr lang="ko-KR" altLang="en-US" sz="2000" dirty="0"/>
-              <a:t>까지 다뤄야함</a:t>
-            </a:r>
-            <a:r>
-              <a:rPr lang="en-US" altLang="ko-KR" sz="2000" dirty="0"/>
-              <a:t>.</a:t>
-            </a:r>
-            <a:endParaRPr lang="ko-KR" altLang="en-US" sz="2000" dirty="0"/>
+          <a:bodyPr/>
+          <a:lstStyle/>
+          <a:p>
+            <a:endParaRPr lang="ko-KR" altLang="en-US"/>
           </a:p>
         </p:txBody>
       </p:sp>
     </p:spTree>
     <p:extLst>
       <p:ext uri="{BB962C8B-B14F-4D97-AF65-F5344CB8AC3E}">
-        <p14:creationId xmlns:p14="http://schemas.microsoft.com/office/powerpoint/2010/main" val="129068294"/>
+        <p14:creationId xmlns:p14="http://schemas.microsoft.com/office/powerpoint/2010/main" val="1839043534"/>
       </p:ext>
     </p:extLst>
   </p:cSld>
@@ -6835,6 +5988,102 @@
       </p:grpSpPr>
       <p:sp>
         <p:nvSpPr>
+          <p:cNvPr id="4" name="제목 3">
+            <a:extLst>
+              <a:ext uri="{FF2B5EF4-FFF2-40B4-BE49-F238E27FC236}">
+                <a16:creationId xmlns:a16="http://schemas.microsoft.com/office/drawing/2014/main" id="{8D9FB918-5C04-47A5-9635-BF542FE9DF3F}"/>
+              </a:ext>
+            </a:extLst>
+          </p:cNvPr>
+          <p:cNvSpPr>
+            <a:spLocks noGrp="1"/>
+          </p:cNvSpPr>
+          <p:nvPr>
+            <p:ph type="title"/>
+          </p:nvPr>
+        </p:nvSpPr>
+        <p:spPr/>
+        <p:txBody>
+          <a:bodyPr/>
+          <a:lstStyle/>
+          <a:p>
+            <a:r>
+              <a:rPr lang="en-US" altLang="ko-KR" dirty="0"/>
+              <a:t>Introduction</a:t>
+            </a:r>
+            <a:endParaRPr lang="ko-KR" altLang="en-US" dirty="0"/>
+          </a:p>
+        </p:txBody>
+      </p:sp>
+      <p:sp>
+        <p:nvSpPr>
+          <p:cNvPr id="5" name="텍스트 개체 틀 4">
+            <a:extLst>
+              <a:ext uri="{FF2B5EF4-FFF2-40B4-BE49-F238E27FC236}">
+                <a16:creationId xmlns:a16="http://schemas.microsoft.com/office/drawing/2014/main" id="{4270CD3F-584E-4CD4-A9BE-EB85E3837908}"/>
+              </a:ext>
+            </a:extLst>
+          </p:cNvPr>
+          <p:cNvSpPr>
+            <a:spLocks noGrp="1"/>
+          </p:cNvSpPr>
+          <p:nvPr>
+            <p:ph type="body" idx="1"/>
+          </p:nvPr>
+        </p:nvSpPr>
+        <p:spPr/>
+        <p:txBody>
+          <a:bodyPr/>
+          <a:lstStyle/>
+          <a:p>
+            <a:r>
+              <a:rPr lang="en-US" altLang="ko-KR" dirty="0"/>
+              <a:t>to Person</a:t>
+            </a:r>
+            <a:r>
+              <a:rPr lang="ko-KR" altLang="en-US" dirty="0"/>
+              <a:t> </a:t>
+            </a:r>
+            <a:r>
+              <a:rPr lang="en-US" altLang="ko-KR" dirty="0"/>
+              <a:t>re-identification</a:t>
+            </a:r>
+            <a:endParaRPr lang="ko-KR" altLang="en-US" dirty="0"/>
+          </a:p>
+        </p:txBody>
+      </p:sp>
+    </p:spTree>
+    <p:extLst>
+      <p:ext uri="{BB962C8B-B14F-4D97-AF65-F5344CB8AC3E}">
+        <p14:creationId xmlns:p14="http://schemas.microsoft.com/office/powerpoint/2010/main" val="1934621035"/>
+      </p:ext>
+    </p:extLst>
+  </p:cSld>
+  <p:clrMapOvr>
+    <a:masterClrMapping/>
+  </p:clrMapOvr>
+</p:sld>
+</file>
+
+<file path=ppt/slides/slide3.xml><?xml version="1.0" encoding="utf-8"?>
+<p:sld xmlns:a="http://schemas.openxmlformats.org/drawingml/2006/main" xmlns:r="http://schemas.openxmlformats.org/officeDocument/2006/relationships" xmlns:p="http://schemas.openxmlformats.org/presentationml/2006/main">
+  <p:cSld>
+    <p:spTree>
+      <p:nvGrpSpPr>
+        <p:cNvPr id="1" name=""/>
+        <p:cNvGrpSpPr/>
+        <p:nvPr/>
+      </p:nvGrpSpPr>
+      <p:grpSpPr>
+        <a:xfrm>
+          <a:off x="0" y="0"/>
+          <a:ext cx="0" cy="0"/>
+          <a:chOff x="0" y="0"/>
+          <a:chExt cx="0" cy="0"/>
+        </a:xfrm>
+      </p:grpSpPr>
+      <p:sp>
+        <p:nvSpPr>
           <p:cNvPr id="2" name="제목 1">
             <a:extLst>
               <a:ext uri="{FF2B5EF4-FFF2-40B4-BE49-F238E27FC236}">
@@ -6985,7 +6234,7 @@
 </p:sld>
 </file>
 
-<file path=ppt/slides/slide3.xml><?xml version="1.0" encoding="utf-8"?>
+<file path=ppt/slides/slide4.xml><?xml version="1.0" encoding="utf-8"?>
 <p:sld xmlns:a="http://schemas.openxmlformats.org/drawingml/2006/main" xmlns:r="http://schemas.openxmlformats.org/officeDocument/2006/relationships" xmlns:p="http://schemas.openxmlformats.org/presentationml/2006/main">
   <p:cSld>
     <p:spTree>
@@ -7160,190 +6409,6 @@
 </p:sld>
 </file>
 
-<file path=ppt/slides/slide4.xml><?xml version="1.0" encoding="utf-8"?>
-<p:sld xmlns:a="http://schemas.openxmlformats.org/drawingml/2006/main" xmlns:r="http://schemas.openxmlformats.org/officeDocument/2006/relationships" xmlns:p="http://schemas.openxmlformats.org/presentationml/2006/main">
-  <p:cSld>
-    <p:spTree>
-      <p:nvGrpSpPr>
-        <p:cNvPr id="1" name=""/>
-        <p:cNvGrpSpPr/>
-        <p:nvPr/>
-      </p:nvGrpSpPr>
-      <p:grpSpPr>
-        <a:xfrm>
-          <a:off x="0" y="0"/>
-          <a:ext cx="0" cy="0"/>
-          <a:chOff x="0" y="0"/>
-          <a:chExt cx="0" cy="0"/>
-        </a:xfrm>
-      </p:grpSpPr>
-      <p:sp>
-        <p:nvSpPr>
-          <p:cNvPr id="2" name="제목 1">
-            <a:extLst>
-              <a:ext uri="{FF2B5EF4-FFF2-40B4-BE49-F238E27FC236}">
-                <a16:creationId xmlns:a16="http://schemas.microsoft.com/office/drawing/2014/main" id="{A0973281-127B-49ED-940E-0CBA81FADF42}"/>
-              </a:ext>
-            </a:extLst>
-          </p:cNvPr>
-          <p:cNvSpPr>
-            <a:spLocks noGrp="1"/>
-          </p:cNvSpPr>
-          <p:nvPr>
-            <p:ph type="title"/>
-          </p:nvPr>
-        </p:nvSpPr>
-        <p:spPr/>
-        <p:txBody>
-          <a:bodyPr>
-            <a:normAutofit/>
-          </a:bodyPr>
-          <a:lstStyle/>
-          <a:p>
-            <a:r>
-              <a:rPr lang="en-US" altLang="ko-KR" dirty="0"/>
-              <a:t>The challenges of a ReID System</a:t>
-            </a:r>
-            <a:endParaRPr lang="ko-KR" altLang="en-US" dirty="0"/>
-          </a:p>
-        </p:txBody>
-      </p:sp>
-      <p:sp>
-        <p:nvSpPr>
-          <p:cNvPr id="3" name="내용 개체 틀 2">
-            <a:extLst>
-              <a:ext uri="{FF2B5EF4-FFF2-40B4-BE49-F238E27FC236}">
-                <a16:creationId xmlns:a16="http://schemas.microsoft.com/office/drawing/2014/main" id="{F032BE76-460D-4850-B9E9-C87FA7D53D62}"/>
-              </a:ext>
-            </a:extLst>
-          </p:cNvPr>
-          <p:cNvSpPr>
-            <a:spLocks noGrp="1"/>
-          </p:cNvSpPr>
-          <p:nvPr>
-            <p:ph idx="1"/>
-          </p:nvPr>
-        </p:nvSpPr>
-        <p:spPr/>
-        <p:txBody>
-          <a:bodyPr>
-            <a:normAutofit lnSpcReduction="10000"/>
-          </a:bodyPr>
-          <a:lstStyle/>
-          <a:p>
-            <a:r>
-              <a:rPr lang="en-US" altLang="ko-KR" dirty="0"/>
-              <a:t>Different viewpoints</a:t>
-            </a:r>
-          </a:p>
-          <a:p>
-            <a:r>
-              <a:rPr lang="en-US" altLang="ko-KR" dirty="0"/>
-              <a:t>Varying low-image resolutions</a:t>
-            </a:r>
-          </a:p>
-          <a:p>
-            <a:r>
-              <a:rPr lang="en-US" altLang="ko-KR" dirty="0"/>
-              <a:t>Illumination changes</a:t>
-            </a:r>
-          </a:p>
-          <a:p>
-            <a:r>
-              <a:rPr lang="en-US" altLang="ko-KR" dirty="0"/>
-              <a:t>Occlusions</a:t>
-            </a:r>
-          </a:p>
-          <a:p>
-            <a:r>
-              <a:rPr lang="en-US" altLang="ko-KR" dirty="0"/>
-              <a:t>Heterogeneous modalities</a:t>
-            </a:r>
-          </a:p>
-          <a:p>
-            <a:r>
-              <a:rPr lang="en-US" altLang="ko-KR" dirty="0"/>
-              <a:t>Background clutter</a:t>
-            </a:r>
-          </a:p>
-          <a:p>
-            <a:r>
-              <a:rPr lang="en-US" altLang="ko-KR" dirty="0"/>
-              <a:t>Unreliable bounding box generations</a:t>
-            </a:r>
-          </a:p>
-          <a:p>
-            <a:r>
-              <a:rPr lang="en-US" altLang="ko-KR" dirty="0"/>
-              <a:t>Unconstrained poses &amp; Changing cloths</a:t>
-            </a:r>
-          </a:p>
-          <a:p>
-            <a:r>
-              <a:rPr lang="en-US" altLang="ko-KR" dirty="0"/>
-              <a:t>Etc.</a:t>
-            </a:r>
-          </a:p>
-        </p:txBody>
-      </p:sp>
-      <p:pic>
-        <p:nvPicPr>
-          <p:cNvPr id="1026" name="Picture 2" descr="reid">
-            <a:extLst>
-              <a:ext uri="{FF2B5EF4-FFF2-40B4-BE49-F238E27FC236}">
-                <a16:creationId xmlns:a16="http://schemas.microsoft.com/office/drawing/2014/main" id="{035E9AD0-78FB-4953-B552-51303183D3B2}"/>
-              </a:ext>
-            </a:extLst>
-          </p:cNvPr>
-          <p:cNvPicPr>
-            <a:picLocks noChangeAspect="1" noChangeArrowheads="1"/>
-          </p:cNvPicPr>
-          <p:nvPr/>
-        </p:nvPicPr>
-        <p:blipFill rotWithShape="1">
-          <a:blip r:embed="rId3">
-            <a:extLst>
-              <a:ext uri="{28A0092B-C50C-407E-A947-70E740481C1C}">
-                <a14:useLocalDpi xmlns:a14="http://schemas.microsoft.com/office/drawing/2010/main" val="0"/>
-              </a:ext>
-            </a:extLst>
-          </a:blip>
-          <a:srcRect l="23223"/>
-          <a:stretch/>
-        </p:blipFill>
-        <p:spPr bwMode="auto">
-          <a:xfrm>
-            <a:off x="6571128" y="1690688"/>
-            <a:ext cx="4782671" cy="2400300"/>
-          </a:xfrm>
-          <a:prstGeom prst="rect">
-            <a:avLst/>
-          </a:prstGeom>
-          <a:noFill/>
-          <a:extLst>
-            <a:ext uri="{909E8E84-426E-40DD-AFC4-6F175D3DCCD1}">
-              <a14:hiddenFill xmlns:a14="http://schemas.microsoft.com/office/drawing/2010/main">
-                <a:solidFill>
-                  <a:srgbClr val="FFFFFF"/>
-                </a:solidFill>
-              </a14:hiddenFill>
-            </a:ext>
-          </a:extLst>
-        </p:spPr>
-      </p:pic>
-    </p:spTree>
-    <p:extLst>
-      <p:ext uri="{BB962C8B-B14F-4D97-AF65-F5344CB8AC3E}">
-        <p14:creationId xmlns:p14="http://schemas.microsoft.com/office/powerpoint/2010/main" val="3332582727"/>
-      </p:ext>
-    </p:extLst>
-  </p:cSld>
-  <p:clrMapOvr>
-    <a:masterClrMapping/>
-  </p:clrMapOvr>
-</p:sld>
-</file>
-
 <file path=ppt/slides/slide5.xml><?xml version="1.0" encoding="utf-8"?>
 <p:sld xmlns:a="http://schemas.openxmlformats.org/drawingml/2006/main" xmlns:r="http://schemas.openxmlformats.org/officeDocument/2006/relationships" xmlns:p="http://schemas.openxmlformats.org/presentationml/2006/main">
   <p:cSld>
@@ -7366,6 +6431,366 @@
           <p:cNvPr id="2" name="제목 1">
             <a:extLst>
               <a:ext uri="{FF2B5EF4-FFF2-40B4-BE49-F238E27FC236}">
+                <a16:creationId xmlns:a16="http://schemas.microsoft.com/office/drawing/2014/main" id="{A0973281-127B-49ED-940E-0CBA81FADF42}"/>
+              </a:ext>
+            </a:extLst>
+          </p:cNvPr>
+          <p:cNvSpPr>
+            <a:spLocks noGrp="1"/>
+          </p:cNvSpPr>
+          <p:nvPr>
+            <p:ph type="title"/>
+          </p:nvPr>
+        </p:nvSpPr>
+        <p:spPr/>
+        <p:txBody>
+          <a:bodyPr>
+            <a:normAutofit/>
+          </a:bodyPr>
+          <a:lstStyle/>
+          <a:p>
+            <a:r>
+              <a:rPr lang="en-US" altLang="ko-KR" dirty="0"/>
+              <a:t>The challenges of a ReID System</a:t>
+            </a:r>
+            <a:endParaRPr lang="ko-KR" altLang="en-US" dirty="0"/>
+          </a:p>
+        </p:txBody>
+      </p:sp>
+      <p:sp>
+        <p:nvSpPr>
+          <p:cNvPr id="3" name="내용 개체 틀 2">
+            <a:extLst>
+              <a:ext uri="{FF2B5EF4-FFF2-40B4-BE49-F238E27FC236}">
+                <a16:creationId xmlns:a16="http://schemas.microsoft.com/office/drawing/2014/main" id="{F032BE76-460D-4850-B9E9-C87FA7D53D62}"/>
+              </a:ext>
+            </a:extLst>
+          </p:cNvPr>
+          <p:cNvSpPr>
+            <a:spLocks noGrp="1"/>
+          </p:cNvSpPr>
+          <p:nvPr>
+            <p:ph idx="1"/>
+          </p:nvPr>
+        </p:nvSpPr>
+        <p:spPr/>
+        <p:txBody>
+          <a:bodyPr>
+            <a:normAutofit/>
+          </a:bodyPr>
+          <a:lstStyle/>
+          <a:p>
+            <a:r>
+              <a:rPr lang="en-US" altLang="ko-KR" dirty="0"/>
+              <a:t>Different viewpoints</a:t>
+            </a:r>
+          </a:p>
+          <a:p>
+            <a:r>
+              <a:rPr lang="en-US" altLang="ko-KR" dirty="0"/>
+              <a:t>Varying low-image resolutions</a:t>
+            </a:r>
+          </a:p>
+          <a:p>
+            <a:r>
+              <a:rPr lang="en-US" altLang="ko-KR" dirty="0"/>
+              <a:t>Illumination changes</a:t>
+            </a:r>
+          </a:p>
+          <a:p>
+            <a:r>
+              <a:rPr lang="en-US" altLang="ko-KR" dirty="0"/>
+              <a:t>Occlusions</a:t>
+            </a:r>
+          </a:p>
+          <a:p>
+            <a:r>
+              <a:rPr lang="en-US" altLang="ko-KR" dirty="0"/>
+              <a:t>Heterogeneous modalities</a:t>
+            </a:r>
+          </a:p>
+          <a:p>
+            <a:r>
+              <a:rPr lang="en-US" altLang="ko-KR" dirty="0"/>
+              <a:t>Background clutter</a:t>
+            </a:r>
+          </a:p>
+          <a:p>
+            <a:r>
+              <a:rPr lang="en-US" altLang="ko-KR" dirty="0"/>
+              <a:t>Unreliable bounding box generations</a:t>
+            </a:r>
+          </a:p>
+          <a:p>
+            <a:r>
+              <a:rPr lang="en-US" altLang="ko-KR" dirty="0"/>
+              <a:t>Unconstrained poses &amp; Changing cloths</a:t>
+            </a:r>
+          </a:p>
+        </p:txBody>
+      </p:sp>
+      <p:grpSp>
+        <p:nvGrpSpPr>
+          <p:cNvPr id="8" name="그룹 7">
+            <a:extLst>
+              <a:ext uri="{FF2B5EF4-FFF2-40B4-BE49-F238E27FC236}">
+                <a16:creationId xmlns:a16="http://schemas.microsoft.com/office/drawing/2014/main" id="{57144E51-2AC4-417B-A660-A9FEFECBEA6F}"/>
+              </a:ext>
+            </a:extLst>
+          </p:cNvPr>
+          <p:cNvGrpSpPr/>
+          <p:nvPr/>
+        </p:nvGrpSpPr>
+        <p:grpSpPr>
+          <a:xfrm>
+            <a:off x="9043737" y="2578766"/>
+            <a:ext cx="2310063" cy="2310063"/>
+            <a:chOff x="5791200" y="2819400"/>
+            <a:chExt cx="1219200" cy="1219200"/>
+          </a:xfrm>
+        </p:grpSpPr>
+        <p:pic>
+          <p:nvPicPr>
+            <p:cNvPr id="5" name="그림 4" descr="실외이(가) 표시된 사진&#10;&#10;자동 생성된 설명">
+              <a:extLst>
+                <a:ext uri="{FF2B5EF4-FFF2-40B4-BE49-F238E27FC236}">
+                  <a16:creationId xmlns:a16="http://schemas.microsoft.com/office/drawing/2014/main" id="{83010EDE-5441-43B1-A72C-FA9CF2E81CF8}"/>
+                </a:ext>
+              </a:extLst>
+            </p:cNvPr>
+            <p:cNvPicPr>
+              <a:picLocks noChangeAspect="1"/>
+            </p:cNvPicPr>
+            <p:nvPr/>
+          </p:nvPicPr>
+          <p:blipFill>
+            <a:blip r:embed="rId3">
+              <a:extLst>
+                <a:ext uri="{28A0092B-C50C-407E-A947-70E740481C1C}">
+                  <a14:useLocalDpi xmlns:a14="http://schemas.microsoft.com/office/drawing/2010/main" val="0"/>
+                </a:ext>
+              </a:extLst>
+            </a:blip>
+            <a:stretch>
+              <a:fillRect/>
+            </a:stretch>
+          </p:blipFill>
+          <p:spPr>
+            <a:xfrm>
+              <a:off x="5791200" y="2819400"/>
+              <a:ext cx="609600" cy="1219200"/>
+            </a:xfrm>
+            <a:prstGeom prst="rect">
+              <a:avLst/>
+            </a:prstGeom>
+          </p:spPr>
+        </p:pic>
+        <p:pic>
+          <p:nvPicPr>
+            <p:cNvPr id="7" name="그림 6" descr="텍스트, 흐린, 고양이, 이미지이(가) 표시된 사진&#10;&#10;자동 생성된 설명">
+              <a:extLst>
+                <a:ext uri="{FF2B5EF4-FFF2-40B4-BE49-F238E27FC236}">
+                  <a16:creationId xmlns:a16="http://schemas.microsoft.com/office/drawing/2014/main" id="{8147F19A-335A-4140-B349-924A5F94BB11}"/>
+                </a:ext>
+              </a:extLst>
+            </p:cNvPr>
+            <p:cNvPicPr>
+              <a:picLocks noChangeAspect="1"/>
+            </p:cNvPicPr>
+            <p:nvPr/>
+          </p:nvPicPr>
+          <p:blipFill>
+            <a:blip r:embed="rId4">
+              <a:extLst>
+                <a:ext uri="{28A0092B-C50C-407E-A947-70E740481C1C}">
+                  <a14:useLocalDpi xmlns:a14="http://schemas.microsoft.com/office/drawing/2010/main" val="0"/>
+                </a:ext>
+              </a:extLst>
+            </a:blip>
+            <a:stretch>
+              <a:fillRect/>
+            </a:stretch>
+          </p:blipFill>
+          <p:spPr>
+            <a:xfrm>
+              <a:off x="6400800" y="2819400"/>
+              <a:ext cx="609600" cy="1219200"/>
+            </a:xfrm>
+            <a:prstGeom prst="rect">
+              <a:avLst/>
+            </a:prstGeom>
+          </p:spPr>
+        </p:pic>
+      </p:grpSp>
+      <p:sp>
+        <p:nvSpPr>
+          <p:cNvPr id="10" name="화살표: 오른쪽 9">
+            <a:extLst>
+              <a:ext uri="{FF2B5EF4-FFF2-40B4-BE49-F238E27FC236}">
+                <a16:creationId xmlns:a16="http://schemas.microsoft.com/office/drawing/2014/main" id="{DDE2C70A-39DB-4E7F-A7B1-05710E23B293}"/>
+              </a:ext>
+            </a:extLst>
+          </p:cNvPr>
+          <p:cNvSpPr/>
+          <p:nvPr/>
+        </p:nvSpPr>
+        <p:spPr>
+          <a:xfrm>
+            <a:off x="6992353" y="2705805"/>
+            <a:ext cx="1792706" cy="2055984"/>
+          </a:xfrm>
+          <a:prstGeom prst="rightArrow">
+            <a:avLst/>
+          </a:prstGeom>
+        </p:spPr>
+        <p:style>
+          <a:lnRef idx="2">
+            <a:schemeClr val="dk1">
+              <a:shade val="50000"/>
+            </a:schemeClr>
+          </a:lnRef>
+          <a:fillRef idx="1">
+            <a:schemeClr val="dk1"/>
+          </a:fillRef>
+          <a:effectRef idx="0">
+            <a:schemeClr val="dk1"/>
+          </a:effectRef>
+          <a:fontRef idx="minor">
+            <a:schemeClr val="lt1"/>
+          </a:fontRef>
+        </p:style>
+        <p:txBody>
+          <a:bodyPr rtlCol="0" anchor="ctr"/>
+          <a:lstStyle/>
+          <a:p>
+            <a:pPr algn="ctr"/>
+            <a:r>
+              <a:rPr lang="en-US" altLang="ko-KR" u="sng" dirty="0"/>
+              <a:t>Intra-class variation</a:t>
+            </a:r>
+            <a:endParaRPr lang="ko-KR" altLang="en-US" u="sng" dirty="0"/>
+          </a:p>
+        </p:txBody>
+      </p:sp>
+    </p:spTree>
+    <p:extLst>
+      <p:ext uri="{BB962C8B-B14F-4D97-AF65-F5344CB8AC3E}">
+        <p14:creationId xmlns:p14="http://schemas.microsoft.com/office/powerpoint/2010/main" val="3332582727"/>
+      </p:ext>
+    </p:extLst>
+  </p:cSld>
+  <p:clrMapOvr>
+    <a:masterClrMapping/>
+  </p:clrMapOvr>
+</p:sld>
+</file>
+
+<file path=ppt/slides/slide6.xml><?xml version="1.0" encoding="utf-8"?>
+<p:sld xmlns:a="http://schemas.openxmlformats.org/drawingml/2006/main" xmlns:r="http://schemas.openxmlformats.org/officeDocument/2006/relationships" xmlns:p="http://schemas.openxmlformats.org/presentationml/2006/main">
+  <p:cSld>
+    <p:spTree>
+      <p:nvGrpSpPr>
+        <p:cNvPr id="1" name=""/>
+        <p:cNvGrpSpPr/>
+        <p:nvPr/>
+      </p:nvGrpSpPr>
+      <p:grpSpPr>
+        <a:xfrm>
+          <a:off x="0" y="0"/>
+          <a:ext cx="0" cy="0"/>
+          <a:chOff x="0" y="0"/>
+          <a:chExt cx="0" cy="0"/>
+        </a:xfrm>
+      </p:grpSpPr>
+      <p:sp>
+        <p:nvSpPr>
+          <p:cNvPr id="4" name="제목 3">
+            <a:extLst>
+              <a:ext uri="{FF2B5EF4-FFF2-40B4-BE49-F238E27FC236}">
+                <a16:creationId xmlns:a16="http://schemas.microsoft.com/office/drawing/2014/main" id="{2B5E9B61-4398-43E7-B69F-BFEF0A3FAF66}"/>
+              </a:ext>
+            </a:extLst>
+          </p:cNvPr>
+          <p:cNvSpPr>
+            <a:spLocks noGrp="1"/>
+          </p:cNvSpPr>
+          <p:nvPr>
+            <p:ph type="title"/>
+          </p:nvPr>
+        </p:nvSpPr>
+        <p:spPr/>
+        <p:txBody>
+          <a:bodyPr/>
+          <a:lstStyle/>
+          <a:p>
+            <a:r>
+              <a:rPr lang="en-US" altLang="ko-KR" dirty="0"/>
+              <a:t>Related works</a:t>
+            </a:r>
+            <a:endParaRPr lang="ko-KR" altLang="en-US" dirty="0"/>
+          </a:p>
+        </p:txBody>
+      </p:sp>
+      <p:sp>
+        <p:nvSpPr>
+          <p:cNvPr id="5" name="텍스트 개체 틀 4">
+            <a:extLst>
+              <a:ext uri="{FF2B5EF4-FFF2-40B4-BE49-F238E27FC236}">
+                <a16:creationId xmlns:a16="http://schemas.microsoft.com/office/drawing/2014/main" id="{A926F394-8A36-4D77-9CB2-B52CAF920D4A}"/>
+              </a:ext>
+            </a:extLst>
+          </p:cNvPr>
+          <p:cNvSpPr>
+            <a:spLocks noGrp="1"/>
+          </p:cNvSpPr>
+          <p:nvPr>
+            <p:ph type="body" idx="1"/>
+          </p:nvPr>
+        </p:nvSpPr>
+        <p:spPr/>
+        <p:txBody>
+          <a:bodyPr/>
+          <a:lstStyle/>
+          <a:p>
+            <a:endParaRPr lang="ko-KR" altLang="en-US"/>
+          </a:p>
+        </p:txBody>
+      </p:sp>
+    </p:spTree>
+    <p:extLst>
+      <p:ext uri="{BB962C8B-B14F-4D97-AF65-F5344CB8AC3E}">
+        <p14:creationId xmlns:p14="http://schemas.microsoft.com/office/powerpoint/2010/main" val="2441938772"/>
+      </p:ext>
+    </p:extLst>
+  </p:cSld>
+  <p:clrMapOvr>
+    <a:masterClrMapping/>
+  </p:clrMapOvr>
+</p:sld>
+</file>
+
+<file path=ppt/slides/slide7.xml><?xml version="1.0" encoding="utf-8"?>
+<p:sld xmlns:a="http://schemas.openxmlformats.org/drawingml/2006/main" xmlns:r="http://schemas.openxmlformats.org/officeDocument/2006/relationships" xmlns:p="http://schemas.openxmlformats.org/presentationml/2006/main">
+  <p:cSld>
+    <p:spTree>
+      <p:nvGrpSpPr>
+        <p:cNvPr id="1" name=""/>
+        <p:cNvGrpSpPr/>
+        <p:nvPr/>
+      </p:nvGrpSpPr>
+      <p:grpSpPr>
+        <a:xfrm>
+          <a:off x="0" y="0"/>
+          <a:ext cx="0" cy="0"/>
+          <a:chOff x="0" y="0"/>
+          <a:chExt cx="0" cy="0"/>
+        </a:xfrm>
+      </p:grpSpPr>
+      <p:sp>
+        <p:nvSpPr>
+          <p:cNvPr id="2" name="제목 1">
+            <a:extLst>
+              <a:ext uri="{FF2B5EF4-FFF2-40B4-BE49-F238E27FC236}">
                 <a16:creationId xmlns:a16="http://schemas.microsoft.com/office/drawing/2014/main" id="{16EB5590-1D0A-42E3-9A56-0203D399EE1C}"/>
               </a:ext>
             </a:extLst>
@@ -7384,7 +6809,7 @@
           <a:p>
             <a:r>
               <a:rPr lang="en-US" altLang="ko-KR" dirty="0"/>
-              <a:t>Early Researches</a:t>
+              <a:t>Part-based Methods</a:t>
             </a:r>
             <a:endParaRPr lang="ko-KR" altLang="en-US" dirty="0"/>
           </a:p>
@@ -7424,11 +6849,11 @@
             </a:r>
             <a:r>
               <a:rPr lang="en-US" altLang="ko-KR" u="sng" dirty="0"/>
-              <a:t>metric learning </a:t>
-            </a:r>
-            <a:r>
-              <a:rPr lang="en-US" altLang="ko-KR" dirty="0"/>
-              <a:t>with feature representation learning.</a:t>
+              <a:t>metric learning</a:t>
+            </a:r>
+            <a:r>
+              <a:rPr lang="en-US" altLang="ko-KR" dirty="0"/>
+              <a:t> with feature representation learning.</a:t>
             </a:r>
           </a:p>
           <a:p>
@@ -7496,7 +6921,7 @@
           <a:p>
             <a:r>
               <a:rPr lang="en-US" altLang="ko-KR" dirty="0"/>
-              <a:t>assumption:</a:t>
+              <a:t>Assumption:</a:t>
             </a:r>
           </a:p>
           <a:p>
@@ -7640,260 +7065,6 @@
 </p:sld>
 </file>
 
-<file path=ppt/slides/slide6.xml><?xml version="1.0" encoding="utf-8"?>
-<p:sld xmlns:a="http://schemas.openxmlformats.org/drawingml/2006/main" xmlns:r="http://schemas.openxmlformats.org/officeDocument/2006/relationships" xmlns:p="http://schemas.openxmlformats.org/presentationml/2006/main">
-  <p:cSld>
-    <p:spTree>
-      <p:nvGrpSpPr>
-        <p:cNvPr id="1" name=""/>
-        <p:cNvGrpSpPr/>
-        <p:nvPr/>
-      </p:nvGrpSpPr>
-      <p:grpSpPr>
-        <a:xfrm>
-          <a:off x="0" y="0"/>
-          <a:ext cx="0" cy="0"/>
-          <a:chOff x="0" y="0"/>
-          <a:chExt cx="0" cy="0"/>
-        </a:xfrm>
-      </p:grpSpPr>
-      <p:sp>
-        <p:nvSpPr>
-          <p:cNvPr id="2" name="제목 1">
-            <a:extLst>
-              <a:ext uri="{FF2B5EF4-FFF2-40B4-BE49-F238E27FC236}">
-                <a16:creationId xmlns:a16="http://schemas.microsoft.com/office/drawing/2014/main" id="{518A5414-0D8E-40EF-96B7-C6FA8F51D7EC}"/>
-              </a:ext>
-            </a:extLst>
-          </p:cNvPr>
-          <p:cNvSpPr>
-            <a:spLocks noGrp="1"/>
-          </p:cNvSpPr>
-          <p:nvPr>
-            <p:ph type="title"/>
-          </p:nvPr>
-        </p:nvSpPr>
-        <p:spPr/>
-        <p:txBody>
-          <a:bodyPr>
-            <a:normAutofit fontScale="90000"/>
-          </a:bodyPr>
-          <a:lstStyle/>
-          <a:p>
-            <a:r>
-              <a:rPr lang="en-US" altLang="ko-KR" sz="3600" dirty="0"/>
-              <a:t>A</a:t>
-            </a:r>
-            <a:r>
-              <a:rPr lang="en-US" altLang="ko-KR" sz="4000" dirty="0"/>
-              <a:t>pproach:</a:t>
-            </a:r>
-            <a:br>
-              <a:rPr lang="en-US" altLang="ko-KR" sz="4000" dirty="0"/>
-            </a:br>
-            <a:r>
-              <a:rPr lang="en-US" altLang="ko-KR" sz="4000" dirty="0"/>
-              <a:t>Disentangled Feature Representation Learning</a:t>
-            </a:r>
-            <a:endParaRPr lang="ko-KR" altLang="en-US" dirty="0"/>
-          </a:p>
-        </p:txBody>
-      </p:sp>
-      <p:sp>
-        <p:nvSpPr>
-          <p:cNvPr id="3" name="내용 개체 틀 2">
-            <a:extLst>
-              <a:ext uri="{FF2B5EF4-FFF2-40B4-BE49-F238E27FC236}">
-                <a16:creationId xmlns:a16="http://schemas.microsoft.com/office/drawing/2014/main" id="{BDC0216E-CD78-407C-8830-7799041B929F}"/>
-              </a:ext>
-            </a:extLst>
-          </p:cNvPr>
-          <p:cNvSpPr>
-            <a:spLocks noGrp="1"/>
-          </p:cNvSpPr>
-          <p:nvPr>
-            <p:ph idx="1"/>
-          </p:nvPr>
-        </p:nvSpPr>
-        <p:spPr/>
-        <p:txBody>
-          <a:bodyPr/>
-          <a:lstStyle/>
-          <a:p>
-            <a:r>
-              <a:rPr lang="en-US" altLang="ko-KR" dirty="0"/>
-              <a:t>Some studies exploit style transfer for domain adaptation.</a:t>
-            </a:r>
-            <a:br>
-              <a:rPr lang="en-US" altLang="ko-KR" dirty="0"/>
-            </a:br>
-            <a:r>
-              <a:rPr lang="en-US" altLang="ko-KR" dirty="0"/>
-              <a:t>(style transferring across multiple camera)</a:t>
-            </a:r>
-          </a:p>
-          <a:p>
-            <a:r>
-              <a:rPr lang="en-US" altLang="ko-KR" dirty="0"/>
-              <a:t>A learning to disentangle the factor of variations in CNN features.</a:t>
-            </a:r>
-          </a:p>
-          <a:p>
-            <a:r>
-              <a:rPr lang="en-US" altLang="ko-KR" dirty="0"/>
-              <a:t>Separating observations into complementary codes:</a:t>
-            </a:r>
-          </a:p>
-          <a:p>
-            <a:pPr lvl="1"/>
-            <a:r>
-              <a:rPr lang="en-US" altLang="ko-KR" dirty="0"/>
-              <a:t>The specified factors and remaining unspecified factors.</a:t>
-            </a:r>
-          </a:p>
-          <a:p>
-            <a:endParaRPr lang="en-US" altLang="ko-KR" dirty="0"/>
-          </a:p>
-          <a:p>
-            <a:r>
-              <a:rPr lang="en-US" altLang="ko-KR" dirty="0"/>
-              <a:t>No extra auxiliary information requirement.</a:t>
-            </a:r>
-          </a:p>
-        </p:txBody>
-      </p:sp>
-    </p:spTree>
-    <p:extLst>
-      <p:ext uri="{BB962C8B-B14F-4D97-AF65-F5344CB8AC3E}">
-        <p14:creationId xmlns:p14="http://schemas.microsoft.com/office/powerpoint/2010/main" val="856153959"/>
-      </p:ext>
-    </p:extLst>
-  </p:cSld>
-  <p:clrMapOvr>
-    <a:masterClrMapping/>
-  </p:clrMapOvr>
-</p:sld>
-</file>
-
-<file path=ppt/slides/slide7.xml><?xml version="1.0" encoding="utf-8"?>
-<p:sld xmlns:a="http://schemas.openxmlformats.org/drawingml/2006/main" xmlns:r="http://schemas.openxmlformats.org/officeDocument/2006/relationships" xmlns:p="http://schemas.openxmlformats.org/presentationml/2006/main">
-  <p:cSld>
-    <p:spTree>
-      <p:nvGrpSpPr>
-        <p:cNvPr id="1" name=""/>
-        <p:cNvGrpSpPr/>
-        <p:nvPr/>
-      </p:nvGrpSpPr>
-      <p:grpSpPr>
-        <a:xfrm>
-          <a:off x="0" y="0"/>
-          <a:ext cx="0" cy="0"/>
-          <a:chOff x="0" y="0"/>
-          <a:chExt cx="0" cy="0"/>
-        </a:xfrm>
-      </p:grpSpPr>
-      <p:sp>
-        <p:nvSpPr>
-          <p:cNvPr id="2" name="제목 1">
-            <a:extLst>
-              <a:ext uri="{FF2B5EF4-FFF2-40B4-BE49-F238E27FC236}">
-                <a16:creationId xmlns:a16="http://schemas.microsoft.com/office/drawing/2014/main" id="{AD891D17-5CC9-4296-9720-38793BEF2652}"/>
-              </a:ext>
-            </a:extLst>
-          </p:cNvPr>
-          <p:cNvSpPr>
-            <a:spLocks noGrp="1"/>
-          </p:cNvSpPr>
-          <p:nvPr>
-            <p:ph type="title"/>
-          </p:nvPr>
-        </p:nvSpPr>
-        <p:spPr/>
-        <p:txBody>
-          <a:bodyPr/>
-          <a:lstStyle/>
-          <a:p>
-            <a:r>
-              <a:rPr lang="en-US" altLang="ko-KR" dirty="0"/>
-              <a:t>Related Work: GAN</a:t>
-            </a:r>
-            <a:endParaRPr lang="ko-KR" altLang="en-US" dirty="0"/>
-          </a:p>
-        </p:txBody>
-      </p:sp>
-      <p:sp>
-        <p:nvSpPr>
-          <p:cNvPr id="3" name="내용 개체 틀 2">
-            <a:extLst>
-              <a:ext uri="{FF2B5EF4-FFF2-40B4-BE49-F238E27FC236}">
-                <a16:creationId xmlns:a16="http://schemas.microsoft.com/office/drawing/2014/main" id="{ECBFF3DA-7444-4ED7-B5F0-7B0F0ED9630B}"/>
-              </a:ext>
-            </a:extLst>
-          </p:cNvPr>
-          <p:cNvSpPr>
-            <a:spLocks noGrp="1"/>
-          </p:cNvSpPr>
-          <p:nvPr>
-            <p:ph idx="1"/>
-          </p:nvPr>
-        </p:nvSpPr>
-        <p:spPr/>
-        <p:txBody>
-          <a:bodyPr/>
-          <a:lstStyle/>
-          <a:p>
-            <a:r>
-              <a:rPr lang="en-US" altLang="ko-KR" dirty="0"/>
-              <a:t>generative model for unsupervised learning</a:t>
-            </a:r>
-          </a:p>
-          <a:p>
-            <a:r>
-              <a:rPr lang="en-US" altLang="ko-KR" dirty="0"/>
-              <a:t>based on a minimax game rather than an optimization problem</a:t>
-            </a:r>
-          </a:p>
-          <a:p>
-            <a:r>
-              <a:rPr lang="en-US" altLang="ko-KR" dirty="0"/>
-              <a:t>to force the generated images to be indistinguishable from real photos.</a:t>
-            </a:r>
-          </a:p>
-          <a:p>
-            <a:r>
-              <a:rPr lang="en-US" altLang="ko-KR" dirty="0"/>
-              <a:t>to train two models simultaneously:</a:t>
-            </a:r>
-          </a:p>
-          <a:p>
-            <a:pPr lvl="1"/>
-            <a:r>
-              <a:rPr lang="en-US" altLang="ko-KR" dirty="0"/>
-              <a:t>Generator: captures the data distribution</a:t>
-            </a:r>
-          </a:p>
-          <a:p>
-            <a:pPr lvl="1"/>
-            <a:r>
-              <a:rPr lang="en-US" altLang="ko-KR" dirty="0"/>
-              <a:t>Discriminator: estimates the probability that a sample came from the training data rather than Generator.</a:t>
-            </a:r>
-          </a:p>
-        </p:txBody>
-      </p:sp>
-    </p:spTree>
-    <p:extLst>
-      <p:ext uri="{BB962C8B-B14F-4D97-AF65-F5344CB8AC3E}">
-        <p14:creationId xmlns:p14="http://schemas.microsoft.com/office/powerpoint/2010/main" val="3535311245"/>
-      </p:ext>
-    </p:extLst>
-  </p:cSld>
-  <p:clrMapOvr>
-    <a:masterClrMapping/>
-  </p:clrMapOvr>
-</p:sld>
-</file>
-
 <file path=ppt/slides/slide8.xml><?xml version="1.0" encoding="utf-8"?>
 <p:sld xmlns:a="http://schemas.openxmlformats.org/drawingml/2006/main" xmlns:r="http://schemas.openxmlformats.org/officeDocument/2006/relationships" xmlns:p="http://schemas.openxmlformats.org/presentationml/2006/main">
   <p:cSld>
@@ -7913,10 +7084,10 @@
       </p:grpSpPr>
       <p:sp>
         <p:nvSpPr>
-          <p:cNvPr id="2" name="제목 1">
-            <a:extLst>
-              <a:ext uri="{FF2B5EF4-FFF2-40B4-BE49-F238E27FC236}">
-                <a16:creationId xmlns:a16="http://schemas.microsoft.com/office/drawing/2014/main" id="{AD891D17-5CC9-4296-9720-38793BEF2652}"/>
+          <p:cNvPr id="4" name="제목 3">
+            <a:extLst>
+              <a:ext uri="{FF2B5EF4-FFF2-40B4-BE49-F238E27FC236}">
+                <a16:creationId xmlns:a16="http://schemas.microsoft.com/office/drawing/2014/main" id="{13E847FF-EABB-4BC4-99D2-09E77CBB4348}"/>
               </a:ext>
             </a:extLst>
           </p:cNvPr>
@@ -7934,7 +7105,11 @@
           <a:p>
             <a:r>
               <a:rPr lang="en-US" altLang="ko-KR" dirty="0"/>
-              <a:t>Related Work: Cycle GAN</a:t>
+              <a:t>Generative </a:t>
+            </a:r>
+            <a:r>
+              <a:rPr lang="en-US" altLang="ko-KR" sz="4400" dirty="0"/>
+              <a:t>Frameworks</a:t>
             </a:r>
             <a:endParaRPr lang="ko-KR" altLang="en-US" dirty="0"/>
           </a:p>
@@ -7942,117 +7117,219 @@
       </p:sp>
       <p:sp>
         <p:nvSpPr>
-          <p:cNvPr id="3" name="내용 개체 틀 2">
-            <a:extLst>
-              <a:ext uri="{FF2B5EF4-FFF2-40B4-BE49-F238E27FC236}">
-                <a16:creationId xmlns:a16="http://schemas.microsoft.com/office/drawing/2014/main" id="{ECBFF3DA-7444-4ED7-B5F0-7B0F0ED9630B}"/>
-              </a:ext>
-            </a:extLst>
-          </p:cNvPr>
-          <p:cNvSpPr>
-            <a:spLocks noGrp="1"/>
-          </p:cNvSpPr>
-          <p:nvPr>
-            <p:ph sz="half" idx="1"/>
+          <p:cNvPr id="5" name="텍스트 개체 틀 4">
+            <a:extLst>
+              <a:ext uri="{FF2B5EF4-FFF2-40B4-BE49-F238E27FC236}">
+                <a16:creationId xmlns:a16="http://schemas.microsoft.com/office/drawing/2014/main" id="{71292FD3-6FC2-47A8-B755-07A96C6C41E2}"/>
+              </a:ext>
+            </a:extLst>
+          </p:cNvPr>
+          <p:cNvSpPr>
+            <a:spLocks noGrp="1"/>
+          </p:cNvSpPr>
+          <p:nvPr>
+            <p:ph type="body" idx="1"/>
           </p:nvPr>
         </p:nvSpPr>
         <p:spPr/>
         <p:txBody>
+          <a:bodyPr/>
+          <a:lstStyle/>
+          <a:p>
+            <a:r>
+              <a:rPr lang="en-US" altLang="ko-KR" dirty="0"/>
+              <a:t>Auto Encoder</a:t>
+            </a:r>
+            <a:endParaRPr lang="ko-KR" altLang="en-US" dirty="0"/>
+          </a:p>
+        </p:txBody>
+      </p:sp>
+      <p:sp>
+        <p:nvSpPr>
+          <p:cNvPr id="6" name="내용 개체 틀 5">
+            <a:extLst>
+              <a:ext uri="{FF2B5EF4-FFF2-40B4-BE49-F238E27FC236}">
+                <a16:creationId xmlns:a16="http://schemas.microsoft.com/office/drawing/2014/main" id="{75E51B65-EA35-4514-BAE6-31FB14E6E8C0}"/>
+              </a:ext>
+            </a:extLst>
+          </p:cNvPr>
+          <p:cNvSpPr>
+            <a:spLocks noGrp="1"/>
+          </p:cNvSpPr>
+          <p:nvPr>
+            <p:ph sz="half" idx="2"/>
+          </p:nvPr>
+        </p:nvSpPr>
+        <p:spPr/>
+        <p:txBody>
           <a:bodyPr>
-            <a:normAutofit lnSpcReduction="10000"/>
+            <a:normAutofit fontScale="85000" lnSpcReduction="20000"/>
           </a:bodyPr>
           <a:lstStyle/>
           <a:p>
-            <a:r>
-              <a:rPr lang="en-US" altLang="ko-KR" dirty="0"/>
-              <a:t>image-to-image translation</a:t>
-            </a:r>
-          </a:p>
-          <a:p>
-            <a:r>
-              <a:rPr lang="en-US" altLang="ko-KR" dirty="0"/>
-              <a:t>to learn the mapping between an input image and an output image </a:t>
+            <a:pPr>
+              <a:lnSpc>
+                <a:spcPct val="120000"/>
+              </a:lnSpc>
+            </a:pPr>
+            <a:r>
+              <a:rPr lang="en-US" altLang="ko-KR" dirty="0"/>
+              <a:t>Nonlinear </a:t>
             </a:r>
             <a:r>
               <a:rPr lang="en-US" altLang="ko-KR" u="sng" dirty="0"/>
-              <a:t>in the absence of paired</a:t>
-            </a:r>
-          </a:p>
-          <a:p>
-            <a:r>
-              <a:rPr lang="en-US" altLang="ko-KR" dirty="0"/>
-              <a:t>mappings:</a:t>
-            </a:r>
-          </a:p>
-          <a:p>
-            <a:pPr lvl="1"/>
-            <a:r>
-              <a:rPr lang="en-US" altLang="ko-KR" dirty="0"/>
-              <a:t>G : X → Y</a:t>
-            </a:r>
-          </a:p>
-          <a:p>
-            <a:pPr lvl="1"/>
-            <a:r>
-              <a:rPr lang="en-US" altLang="ko-KR" dirty="0"/>
-              <a:t>F : Y → X</a:t>
-            </a:r>
-          </a:p>
-          <a:p>
-            <a:r>
-              <a:rPr lang="en-US" altLang="ko-KR" dirty="0"/>
-              <a:t>constrains:</a:t>
-            </a:r>
-          </a:p>
-          <a:p>
-            <a:pPr lvl="1"/>
-            <a:r>
-              <a:rPr lang="en-US" altLang="ko-KR" dirty="0"/>
-              <a:t>G(X) ≈ Y</a:t>
-            </a:r>
-          </a:p>
-          <a:p>
-            <a:pPr lvl="1"/>
-            <a:r>
-              <a:rPr lang="en-US" altLang="ko-KR" dirty="0"/>
-              <a:t>F(G(X)) ≈ X</a:t>
-            </a:r>
-          </a:p>
-        </p:txBody>
-      </p:sp>
-      <p:pic>
-        <p:nvPicPr>
-          <p:cNvPr id="6" name="내용 개체 틀 5">
-            <a:extLst>
-              <a:ext uri="{FF2B5EF4-FFF2-40B4-BE49-F238E27FC236}">
-                <a16:creationId xmlns:a16="http://schemas.microsoft.com/office/drawing/2014/main" id="{B7FB9E48-1526-4815-AD47-8847689360A8}"/>
-              </a:ext>
-            </a:extLst>
-          </p:cNvPr>
-          <p:cNvPicPr>
-            <a:picLocks noGrp="1" noChangeAspect="1"/>
-          </p:cNvPicPr>
-          <p:nvPr>
-            <p:ph sz="half" idx="2"/>
-          </p:nvPr>
-        </p:nvPicPr>
-        <p:blipFill>
-          <a:blip r:embed="rId2"/>
-          <a:stretch>
-            <a:fillRect/>
-          </a:stretch>
-        </p:blipFill>
-        <p:spPr>
-          <a:xfrm>
-            <a:off x="6794944" y="1825625"/>
-            <a:ext cx="3936112" cy="4351338"/>
-          </a:xfrm>
-        </p:spPr>
-      </p:pic>
+              <a:t>dimensionality reduction</a:t>
+            </a:r>
+          </a:p>
+          <a:p>
+            <a:pPr lvl="1">
+              <a:lnSpc>
+                <a:spcPct val="120000"/>
+              </a:lnSpc>
+            </a:pPr>
+            <a:r>
+              <a:rPr lang="en-US" altLang="ko-KR" dirty="0"/>
+              <a:t>Representation learning</a:t>
+            </a:r>
+          </a:p>
+          <a:p>
+            <a:pPr lvl="1">
+              <a:lnSpc>
+                <a:spcPct val="120000"/>
+              </a:lnSpc>
+            </a:pPr>
+            <a:r>
+              <a:rPr lang="en-US" altLang="ko-KR" dirty="0"/>
+              <a:t>Manifold learning</a:t>
+            </a:r>
+          </a:p>
+          <a:p>
+            <a:pPr>
+              <a:lnSpc>
+                <a:spcPct val="120000"/>
+              </a:lnSpc>
+            </a:pPr>
+            <a:r>
+              <a:rPr lang="en-US" altLang="ko-KR" dirty="0"/>
+              <a:t>Smooth and Blurry image quality.</a:t>
+            </a:r>
+          </a:p>
+          <a:p>
+            <a:pPr>
+              <a:lnSpc>
+                <a:spcPct val="120000"/>
+              </a:lnSpc>
+            </a:pPr>
+            <a:r>
+              <a:rPr lang="en-US" altLang="ko-KR" dirty="0"/>
+              <a:t>After fitting, the encoder can be used for feature extraction. Unfortunately, the decoder can’t be used as generative model.</a:t>
+            </a:r>
+          </a:p>
+          <a:p>
+            <a:pPr lvl="1">
+              <a:lnSpc>
+                <a:spcPct val="120000"/>
+              </a:lnSpc>
+            </a:pPr>
+            <a:endParaRPr lang="en-US" altLang="ko-KR" dirty="0"/>
+          </a:p>
+          <a:p>
+            <a:pPr marL="457200" lvl="1" indent="0">
+              <a:lnSpc>
+                <a:spcPct val="120000"/>
+              </a:lnSpc>
+              <a:buNone/>
+            </a:pPr>
+            <a:endParaRPr lang="en-US" altLang="ko-KR" dirty="0"/>
+          </a:p>
+        </p:txBody>
+      </p:sp>
+      <p:sp>
+        <p:nvSpPr>
+          <p:cNvPr id="7" name="텍스트 개체 틀 6">
+            <a:extLst>
+              <a:ext uri="{FF2B5EF4-FFF2-40B4-BE49-F238E27FC236}">
+                <a16:creationId xmlns:a16="http://schemas.microsoft.com/office/drawing/2014/main" id="{9B3A5CB7-8C1B-4AF7-AD02-20BE13435234}"/>
+              </a:ext>
+            </a:extLst>
+          </p:cNvPr>
+          <p:cNvSpPr>
+            <a:spLocks noGrp="1"/>
+          </p:cNvSpPr>
+          <p:nvPr>
+            <p:ph type="body" sz="quarter" idx="3"/>
+          </p:nvPr>
+        </p:nvSpPr>
+        <p:spPr/>
+        <p:txBody>
+          <a:bodyPr/>
+          <a:lstStyle/>
+          <a:p>
+            <a:r>
+              <a:rPr lang="en-US" altLang="ko-KR" dirty="0"/>
+              <a:t>GAN</a:t>
+            </a:r>
+            <a:endParaRPr lang="ko-KR" altLang="en-US" dirty="0"/>
+          </a:p>
+        </p:txBody>
+      </p:sp>
+      <p:sp>
+        <p:nvSpPr>
+          <p:cNvPr id="8" name="내용 개체 틀 7">
+            <a:extLst>
+              <a:ext uri="{FF2B5EF4-FFF2-40B4-BE49-F238E27FC236}">
+                <a16:creationId xmlns:a16="http://schemas.microsoft.com/office/drawing/2014/main" id="{5E39DD6F-BBAD-4C4B-8ECB-76F837481058}"/>
+              </a:ext>
+            </a:extLst>
+          </p:cNvPr>
+          <p:cNvSpPr>
+            <a:spLocks noGrp="1"/>
+          </p:cNvSpPr>
+          <p:nvPr>
+            <p:ph sz="quarter" idx="4"/>
+          </p:nvPr>
+        </p:nvSpPr>
+        <p:spPr/>
+        <p:txBody>
+          <a:bodyPr>
+            <a:normAutofit fontScale="85000" lnSpcReduction="20000"/>
+          </a:bodyPr>
+          <a:lstStyle/>
+          <a:p>
+            <a:r>
+              <a:rPr lang="en-US" altLang="ko-KR" dirty="0"/>
+              <a:t>To force the output </a:t>
+            </a:r>
+            <a:r>
+              <a:rPr lang="en-US" altLang="ko-KR" u="sng" dirty="0"/>
+              <a:t>to be indistinguishable</a:t>
+            </a:r>
+            <a:r>
+              <a:rPr lang="en-US" altLang="ko-KR" dirty="0"/>
+              <a:t> from real photos.</a:t>
+            </a:r>
+          </a:p>
+          <a:p>
+            <a:r>
+              <a:rPr lang="en-US" altLang="ko-KR" dirty="0"/>
+              <a:t>Based on a minimax game rather than an optimization problem</a:t>
+            </a:r>
+          </a:p>
+          <a:p>
+            <a:r>
+              <a:rPr lang="en-US" altLang="ko-KR" dirty="0"/>
+              <a:t>Sharp and Artifact image quality.</a:t>
+            </a:r>
+          </a:p>
+          <a:p>
+            <a:endParaRPr lang="ko-KR" altLang="en-US" dirty="0"/>
+          </a:p>
+        </p:txBody>
+      </p:sp>
     </p:spTree>
     <p:extLst>
       <p:ext uri="{BB962C8B-B14F-4D97-AF65-F5344CB8AC3E}">
-        <p14:creationId xmlns:p14="http://schemas.microsoft.com/office/powerpoint/2010/main" val="1111951629"/>
+        <p14:creationId xmlns:p14="http://schemas.microsoft.com/office/powerpoint/2010/main" val="1179055222"/>
       </p:ext>
     </p:extLst>
   </p:cSld>
@@ -8084,7 +7361,7 @@
           <p:cNvPr id="2" name="제목 1">
             <a:extLst>
               <a:ext uri="{FF2B5EF4-FFF2-40B4-BE49-F238E27FC236}">
-                <a16:creationId xmlns:a16="http://schemas.microsoft.com/office/drawing/2014/main" id="{0915AC6F-A88F-47F6-8155-7F3D8CDD87BD}"/>
+                <a16:creationId xmlns:a16="http://schemas.microsoft.com/office/drawing/2014/main" id="{01AECA40-0A3F-4CE5-BC6D-38CA03301C85}"/>
               </a:ext>
             </a:extLst>
           </p:cNvPr>
@@ -8102,7 +7379,7 @@
           <a:p>
             <a:r>
               <a:rPr lang="en-US" altLang="ko-KR" dirty="0"/>
-              <a:t>DG-NET</a:t>
+              <a:t>AEGAN</a:t>
             </a:r>
             <a:endParaRPr lang="ko-KR" altLang="en-US" dirty="0"/>
           </a:p>
@@ -8110,58 +7387,1145 @@
       </p:sp>
       <p:sp>
         <p:nvSpPr>
-          <p:cNvPr id="3" name="내용 개체 틀 2">
-            <a:extLst>
-              <a:ext uri="{FF2B5EF4-FFF2-40B4-BE49-F238E27FC236}">
-                <a16:creationId xmlns:a16="http://schemas.microsoft.com/office/drawing/2014/main" id="{E946C6C9-3982-446E-A715-40E3FCCDD2F0}"/>
-              </a:ext>
-            </a:extLst>
-          </p:cNvPr>
-          <p:cNvSpPr>
-            <a:spLocks noGrp="1"/>
-          </p:cNvSpPr>
-          <p:nvPr>
-            <p:ph sz="half" idx="1"/>
-          </p:nvPr>
-        </p:nvSpPr>
-        <p:spPr/>
+          <p:cNvPr id="7" name="내용 개체 틀 6">
+            <a:extLst>
+              <a:ext uri="{FF2B5EF4-FFF2-40B4-BE49-F238E27FC236}">
+                <a16:creationId xmlns:a16="http://schemas.microsoft.com/office/drawing/2014/main" id="{C81E4336-5F1E-43F3-9D86-0FEE92698179}"/>
+              </a:ext>
+            </a:extLst>
+          </p:cNvPr>
+          <p:cNvSpPr>
+            <a:spLocks noGrp="1"/>
+          </p:cNvSpPr>
+          <p:nvPr>
+            <p:ph idx="1"/>
+          </p:nvPr>
+        </p:nvSpPr>
+        <p:spPr>
+          <a:xfrm>
+            <a:off x="838200" y="1825625"/>
+            <a:ext cx="6215244" cy="4351338"/>
+          </a:xfrm>
+        </p:spPr>
         <p:txBody>
           <a:bodyPr/>
           <a:lstStyle/>
           <a:p>
-            <a:endParaRPr lang="ko-KR" altLang="en-US"/>
-          </a:p>
-        </p:txBody>
-      </p:sp>
-      <p:sp>
-        <p:nvSpPr>
-          <p:cNvPr id="4" name="내용 개체 틀 3">
-            <a:extLst>
-              <a:ext uri="{FF2B5EF4-FFF2-40B4-BE49-F238E27FC236}">
-                <a16:creationId xmlns:a16="http://schemas.microsoft.com/office/drawing/2014/main" id="{E2C417D4-0A7F-4CF5-A3BA-1FEA802647FB}"/>
-              </a:ext>
-            </a:extLst>
-          </p:cNvPr>
-          <p:cNvSpPr>
-            <a:spLocks noGrp="1"/>
-          </p:cNvSpPr>
-          <p:nvPr>
-            <p:ph sz="half" idx="2"/>
-          </p:nvPr>
-        </p:nvSpPr>
-        <p:spPr/>
-        <p:txBody>
-          <a:bodyPr/>
-          <a:lstStyle/>
-          <a:p>
-            <a:endParaRPr lang="ko-KR" altLang="en-US"/>
-          </a:p>
-        </p:txBody>
-      </p:sp>
+            <a:pPr marL="514350" indent="-514350">
+              <a:buFont typeface="+mj-lt"/>
+              <a:buAutoNum type="arabicPeriod"/>
+            </a:pPr>
+            <a:r>
+              <a:rPr lang="en-US" altLang="ko-KR" dirty="0"/>
+              <a:t>Stabilizing GAN training by directing the generator towards the low-dimensional manifold in high-dimensional pixel space.</a:t>
+            </a:r>
+          </a:p>
+          <a:p>
+            <a:pPr marL="514350" indent="-514350">
+              <a:buFont typeface="+mj-lt"/>
+              <a:buAutoNum type="arabicPeriod"/>
+            </a:pPr>
+            <a:r>
+              <a:rPr lang="en-US" altLang="ko-KR" dirty="0"/>
+              <a:t>Mitigating mode collapse by requiring that the generator be able to reproduce the training dataset.</a:t>
+            </a:r>
+          </a:p>
+          <a:p>
+            <a:pPr marL="514350" indent="-514350">
+              <a:buFont typeface="+mj-lt"/>
+              <a:buAutoNum type="arabicPeriod"/>
+            </a:pPr>
+            <a:r>
+              <a:rPr lang="en-US" altLang="ko-KR" dirty="0"/>
+              <a:t>To allow for direct interpolation between real samples.</a:t>
+            </a:r>
+            <a:endParaRPr lang="ko-KR" altLang="en-US" dirty="0"/>
+          </a:p>
+        </p:txBody>
+      </p:sp>
+      <p:sp>
+        <p:nvSpPr>
+          <p:cNvPr id="8" name="TextBox 7">
+            <a:extLst>
+              <a:ext uri="{FF2B5EF4-FFF2-40B4-BE49-F238E27FC236}">
+                <a16:creationId xmlns:a16="http://schemas.microsoft.com/office/drawing/2014/main" id="{1D971184-B518-490F-8082-23E2DD5BC79F}"/>
+              </a:ext>
+            </a:extLst>
+          </p:cNvPr>
+          <p:cNvSpPr txBox="1"/>
+          <p:nvPr/>
+        </p:nvSpPr>
+        <p:spPr>
+          <a:xfrm>
+            <a:off x="2198106" y="6488668"/>
+            <a:ext cx="7795788" cy="369332"/>
+          </a:xfrm>
+          <a:prstGeom prst="rect">
+            <a:avLst/>
+          </a:prstGeom>
+          <a:noFill/>
+        </p:spPr>
+        <p:txBody>
+          <a:bodyPr wrap="none" rtlCol="0">
+            <a:spAutoFit/>
+          </a:bodyPr>
+          <a:lstStyle/>
+          <a:p>
+            <a:r>
+              <a:rPr lang="en-US" altLang="ko-KR" dirty="0"/>
+              <a:t>AUTOENCODING GENERATIVE ADVERSARIAL NETWORKS, April 14, 2020</a:t>
+            </a:r>
+            <a:endParaRPr lang="ko-KR" altLang="en-US" dirty="0"/>
+          </a:p>
+        </p:txBody>
+      </p:sp>
+      <p:grpSp>
+        <p:nvGrpSpPr>
+          <p:cNvPr id="33" name="그룹 32">
+            <a:extLst>
+              <a:ext uri="{FF2B5EF4-FFF2-40B4-BE49-F238E27FC236}">
+                <a16:creationId xmlns:a16="http://schemas.microsoft.com/office/drawing/2014/main" id="{734A62AB-F130-4952-898C-333D87D436CC}"/>
+              </a:ext>
+            </a:extLst>
+          </p:cNvPr>
+          <p:cNvGrpSpPr/>
+          <p:nvPr/>
+        </p:nvGrpSpPr>
+        <p:grpSpPr>
+          <a:xfrm>
+            <a:off x="7069930" y="2034812"/>
+            <a:ext cx="4283870" cy="3320288"/>
+            <a:chOff x="7069930" y="1690688"/>
+            <a:chExt cx="4283870" cy="3320288"/>
+          </a:xfrm>
+        </p:grpSpPr>
+        <p:cxnSp>
+          <p:nvCxnSpPr>
+            <p:cNvPr id="10" name="연결선: 구부러짐 9">
+              <a:extLst>
+                <a:ext uri="{FF2B5EF4-FFF2-40B4-BE49-F238E27FC236}">
+                  <a16:creationId xmlns:a16="http://schemas.microsoft.com/office/drawing/2014/main" id="{E1676F79-2FD4-4D9D-9380-C21233D3FBC8}"/>
+                </a:ext>
+              </a:extLst>
+            </p:cNvPr>
+            <p:cNvCxnSpPr>
+              <a:stCxn id="31" idx="3"/>
+              <a:endCxn id="29" idx="1"/>
+            </p:cNvCxnSpPr>
+            <p:nvPr/>
+          </p:nvCxnSpPr>
+          <p:spPr>
+            <a:xfrm rot="16200000" flipH="1">
+              <a:off x="7777509" y="4052965"/>
+              <a:ext cx="896805" cy="800488"/>
+            </a:xfrm>
+            <a:prstGeom prst="curvedConnector2">
+              <a:avLst/>
+            </a:prstGeom>
+            <a:ln w="9525" cap="flat" cmpd="sng" algn="ctr">
+              <a:solidFill>
+                <a:schemeClr val="dk1"/>
+              </a:solidFill>
+              <a:prstDash val="solid"/>
+              <a:round/>
+              <a:headEnd type="none" w="med" len="med"/>
+              <a:tailEnd type="arrow" w="med" len="med"/>
+            </a:ln>
+          </p:spPr>
+          <p:style>
+            <a:lnRef idx="0">
+              <a:scrgbClr r="0" g="0" b="0"/>
+            </a:lnRef>
+            <a:fillRef idx="0">
+              <a:scrgbClr r="0" g="0" b="0"/>
+            </a:fillRef>
+            <a:effectRef idx="0">
+              <a:scrgbClr r="0" g="0" b="0"/>
+            </a:effectRef>
+            <a:fontRef idx="minor">
+              <a:schemeClr val="tx1"/>
+            </a:fontRef>
+          </p:style>
+        </p:cxnSp>
+        <p:cxnSp>
+          <p:nvCxnSpPr>
+            <p:cNvPr id="11" name="연결선: 구부러짐 10">
+              <a:extLst>
+                <a:ext uri="{FF2B5EF4-FFF2-40B4-BE49-F238E27FC236}">
+                  <a16:creationId xmlns:a16="http://schemas.microsoft.com/office/drawing/2014/main" id="{16D0F2D4-2976-4145-AC70-ABBA4E201512}"/>
+                </a:ext>
+              </a:extLst>
+            </p:cNvPr>
+            <p:cNvCxnSpPr>
+              <a:cxnSpLocks/>
+              <a:stCxn id="13" idx="3"/>
+              <a:endCxn id="29" idx="3"/>
+            </p:cNvCxnSpPr>
+            <p:nvPr/>
+          </p:nvCxnSpPr>
+          <p:spPr>
+            <a:xfrm rot="5400000">
+              <a:off x="9805084" y="4052965"/>
+              <a:ext cx="896805" cy="800491"/>
+            </a:xfrm>
+            <a:prstGeom prst="curvedConnector2">
+              <a:avLst/>
+            </a:prstGeom>
+            <a:ln w="9525" cap="flat" cmpd="sng" algn="ctr">
+              <a:solidFill>
+                <a:schemeClr val="dk1"/>
+              </a:solidFill>
+              <a:prstDash val="solid"/>
+              <a:round/>
+              <a:headEnd type="none" w="med" len="med"/>
+              <a:tailEnd type="arrow" w="med" len="med"/>
+            </a:ln>
+          </p:spPr>
+          <p:style>
+            <a:lnRef idx="0">
+              <a:scrgbClr r="0" g="0" b="0"/>
+            </a:lnRef>
+            <a:fillRef idx="0">
+              <a:scrgbClr r="0" g="0" b="0"/>
+            </a:fillRef>
+            <a:effectRef idx="0">
+              <a:scrgbClr r="0" g="0" b="0"/>
+            </a:effectRef>
+            <a:fontRef idx="minor">
+              <a:schemeClr val="tx1"/>
+            </a:fontRef>
+          </p:style>
+        </p:cxnSp>
+        <p:sp>
+          <p:nvSpPr>
+            <p:cNvPr id="12" name="사다리꼴 11">
+              <a:extLst>
+                <a:ext uri="{FF2B5EF4-FFF2-40B4-BE49-F238E27FC236}">
+                  <a16:creationId xmlns:a16="http://schemas.microsoft.com/office/drawing/2014/main" id="{FB8E2EE7-FF4B-4470-A425-F27CE390590D}"/>
+                </a:ext>
+              </a:extLst>
+            </p:cNvPr>
+            <p:cNvSpPr/>
+            <p:nvPr/>
+          </p:nvSpPr>
+          <p:spPr>
+            <a:xfrm rot="16200000">
+              <a:off x="8381713" y="2830122"/>
+              <a:ext cx="1715972" cy="898361"/>
+            </a:xfrm>
+            <a:prstGeom prst="trapezoid">
+              <a:avLst>
+                <a:gd name="adj" fmla="val 29494"/>
+              </a:avLst>
+            </a:prstGeom>
+          </p:spPr>
+          <p:style>
+            <a:lnRef idx="3">
+              <a:schemeClr val="lt1"/>
+            </a:lnRef>
+            <a:fillRef idx="1">
+              <a:schemeClr val="accent6"/>
+            </a:fillRef>
+            <a:effectRef idx="1">
+              <a:schemeClr val="accent6"/>
+            </a:effectRef>
+            <a:fontRef idx="minor">
+              <a:schemeClr val="lt1"/>
+            </a:fontRef>
+          </p:style>
+          <p:txBody>
+            <a:bodyPr rtlCol="0" anchor="ctr"/>
+            <a:lstStyle/>
+            <a:p>
+              <a:pPr algn="ctr"/>
+              <a:endParaRPr lang="ko-KR" altLang="en-US" sz="1000" dirty="0"/>
+            </a:p>
+          </p:txBody>
+        </p:sp>
+        <p:sp>
+          <p:nvSpPr>
+            <p:cNvPr id="13" name="사다리꼴 12">
+              <a:extLst>
+                <a:ext uri="{FF2B5EF4-FFF2-40B4-BE49-F238E27FC236}">
+                  <a16:creationId xmlns:a16="http://schemas.microsoft.com/office/drawing/2014/main" id="{407E5EEA-863E-48F6-ABD0-873744315FC9}"/>
+                </a:ext>
+              </a:extLst>
+            </p:cNvPr>
+            <p:cNvSpPr/>
+            <p:nvPr/>
+          </p:nvSpPr>
+          <p:spPr>
+            <a:xfrm rot="5400000">
+              <a:off x="9795745" y="2830123"/>
+              <a:ext cx="1715972" cy="898361"/>
+            </a:xfrm>
+            <a:prstGeom prst="trapezoid">
+              <a:avLst>
+                <a:gd name="adj" fmla="val 29494"/>
+              </a:avLst>
+            </a:prstGeom>
+          </p:spPr>
+          <p:style>
+            <a:lnRef idx="3">
+              <a:schemeClr val="lt1"/>
+            </a:lnRef>
+            <a:fillRef idx="1">
+              <a:schemeClr val="accent2"/>
+            </a:fillRef>
+            <a:effectRef idx="1">
+              <a:schemeClr val="accent2"/>
+            </a:effectRef>
+            <a:fontRef idx="minor">
+              <a:schemeClr val="lt1"/>
+            </a:fontRef>
+          </p:style>
+          <p:txBody>
+            <a:bodyPr rtlCol="0" anchor="ctr"/>
+            <a:lstStyle/>
+            <a:p>
+              <a:pPr algn="ctr"/>
+              <a:endParaRPr lang="ko-KR" altLang="en-US" sz="1000" dirty="0"/>
+            </a:p>
+          </p:txBody>
+        </p:sp>
+        <p:grpSp>
+          <p:nvGrpSpPr>
+            <p:cNvPr id="14" name="그룹 13">
+              <a:extLst>
+                <a:ext uri="{FF2B5EF4-FFF2-40B4-BE49-F238E27FC236}">
+                  <a16:creationId xmlns:a16="http://schemas.microsoft.com/office/drawing/2014/main" id="{9C13ADA2-6ECE-4CDD-9F1B-64787AAECA6E}"/>
+                </a:ext>
+              </a:extLst>
+            </p:cNvPr>
+            <p:cNvGrpSpPr/>
+            <p:nvPr/>
+          </p:nvGrpSpPr>
+          <p:grpSpPr>
+            <a:xfrm>
+              <a:off x="7376487" y="2421317"/>
+              <a:ext cx="898362" cy="1715972"/>
+              <a:chOff x="2055090" y="2772857"/>
+              <a:chExt cx="1362364" cy="2602268"/>
+            </a:xfrm>
+          </p:grpSpPr>
+          <p:sp>
+            <p:nvSpPr>
+              <p:cNvPr id="31" name="사다리꼴 30">
+                <a:extLst>
+                  <a:ext uri="{FF2B5EF4-FFF2-40B4-BE49-F238E27FC236}">
+                    <a16:creationId xmlns:a16="http://schemas.microsoft.com/office/drawing/2014/main" id="{EE5FBA7A-F161-4690-AFE2-0DF057EB878C}"/>
+                  </a:ext>
+                </a:extLst>
+              </p:cNvPr>
+              <p:cNvSpPr/>
+              <p:nvPr/>
+            </p:nvSpPr>
+            <p:spPr>
+              <a:xfrm rot="5400000">
+                <a:off x="1435138" y="3392809"/>
+                <a:ext cx="2602268" cy="1362363"/>
+              </a:xfrm>
+              <a:prstGeom prst="trapezoid">
+                <a:avLst>
+                  <a:gd name="adj" fmla="val 29494"/>
+                </a:avLst>
+              </a:prstGeom>
+            </p:spPr>
+            <p:style>
+              <a:lnRef idx="3">
+                <a:schemeClr val="lt1"/>
+              </a:lnRef>
+              <a:fillRef idx="1">
+                <a:schemeClr val="accent5"/>
+              </a:fillRef>
+              <a:effectRef idx="1">
+                <a:schemeClr val="accent5"/>
+              </a:effectRef>
+              <a:fontRef idx="minor">
+                <a:schemeClr val="lt1"/>
+              </a:fontRef>
+            </p:style>
+            <p:txBody>
+              <a:bodyPr rtlCol="0" anchor="ctr"/>
+              <a:lstStyle/>
+              <a:p>
+                <a:pPr algn="ctr"/>
+                <a:endParaRPr lang="ko-KR" altLang="en-US" sz="1000" dirty="0"/>
+              </a:p>
+            </p:txBody>
+          </p:sp>
+          <p:cxnSp>
+            <p:nvCxnSpPr>
+              <p:cNvPr id="32" name="직선 연결선 31">
+                <a:extLst>
+                  <a:ext uri="{FF2B5EF4-FFF2-40B4-BE49-F238E27FC236}">
+                    <a16:creationId xmlns:a16="http://schemas.microsoft.com/office/drawing/2014/main" id="{2DAD2100-FAB8-4885-B173-052B8202E4EB}"/>
+                  </a:ext>
+                </a:extLst>
+              </p:cNvPr>
+              <p:cNvCxnSpPr>
+                <a:cxnSpLocks/>
+                <a:stCxn id="31" idx="2"/>
+                <a:endCxn id="31" idx="0"/>
+              </p:cNvCxnSpPr>
+              <p:nvPr/>
+            </p:nvCxnSpPr>
+            <p:spPr>
+              <a:xfrm>
+                <a:off x="2055091" y="4073991"/>
+                <a:ext cx="1362363" cy="0"/>
+              </a:xfrm>
+              <a:prstGeom prst="line">
+                <a:avLst/>
+              </a:prstGeom>
+              <a:ln w="9525" cap="flat" cmpd="sng" algn="ctr">
+                <a:solidFill>
+                  <a:schemeClr val="accent1"/>
+                </a:solidFill>
+                <a:prstDash val="dash"/>
+                <a:round/>
+                <a:headEnd type="none" w="med" len="med"/>
+                <a:tailEnd type="none" w="med" len="med"/>
+              </a:ln>
+            </p:spPr>
+            <p:style>
+              <a:lnRef idx="0">
+                <a:scrgbClr r="0" g="0" b="0"/>
+              </a:lnRef>
+              <a:fillRef idx="0">
+                <a:scrgbClr r="0" g="0" b="0"/>
+              </a:fillRef>
+              <a:effectRef idx="0">
+                <a:scrgbClr r="0" g="0" b="0"/>
+              </a:effectRef>
+              <a:fontRef idx="minor">
+                <a:schemeClr val="tx1"/>
+              </a:fontRef>
+            </p:style>
+          </p:cxnSp>
+        </p:grpSp>
+        <p:cxnSp>
+          <p:nvCxnSpPr>
+            <p:cNvPr id="17" name="직선 화살표 연결선 16">
+              <a:extLst>
+                <a:ext uri="{FF2B5EF4-FFF2-40B4-BE49-F238E27FC236}">
+                  <a16:creationId xmlns:a16="http://schemas.microsoft.com/office/drawing/2014/main" id="{9E460F7F-0641-4D52-A263-047CFA257C32}"/>
+                </a:ext>
+              </a:extLst>
+            </p:cNvPr>
+            <p:cNvCxnSpPr>
+              <a:endCxn id="12" idx="0"/>
+            </p:cNvCxnSpPr>
+            <p:nvPr/>
+          </p:nvCxnSpPr>
+          <p:spPr>
+            <a:xfrm>
+              <a:off x="8274849" y="3279302"/>
+              <a:ext cx="515669" cy="1"/>
+            </a:xfrm>
+            <a:prstGeom prst="straightConnector1">
+              <a:avLst/>
+            </a:prstGeom>
+            <a:ln>
+              <a:tailEnd type="triangle"/>
+            </a:ln>
+          </p:spPr>
+          <p:style>
+            <a:lnRef idx="1">
+              <a:schemeClr val="dk1"/>
+            </a:lnRef>
+            <a:fillRef idx="0">
+              <a:schemeClr val="dk1"/>
+            </a:fillRef>
+            <a:effectRef idx="0">
+              <a:schemeClr val="dk1"/>
+            </a:effectRef>
+            <a:fontRef idx="minor">
+              <a:schemeClr val="tx1"/>
+            </a:fontRef>
+          </p:style>
+        </p:cxnSp>
+        <p:cxnSp>
+          <p:nvCxnSpPr>
+            <p:cNvPr id="18" name="직선 화살표 연결선 17">
+              <a:extLst>
+                <a:ext uri="{FF2B5EF4-FFF2-40B4-BE49-F238E27FC236}">
+                  <a16:creationId xmlns:a16="http://schemas.microsoft.com/office/drawing/2014/main" id="{8BAC84E3-67D7-4F20-A28B-6B038FA497EA}"/>
+                </a:ext>
+              </a:extLst>
+            </p:cNvPr>
+            <p:cNvCxnSpPr>
+              <a:cxnSpLocks/>
+              <a:stCxn id="12" idx="2"/>
+              <a:endCxn id="13" idx="2"/>
+            </p:cNvCxnSpPr>
+            <p:nvPr/>
+          </p:nvCxnSpPr>
+          <p:spPr>
+            <a:xfrm>
+              <a:off x="9688880" y="3279303"/>
+              <a:ext cx="515671" cy="1"/>
+            </a:xfrm>
+            <a:prstGeom prst="straightConnector1">
+              <a:avLst/>
+            </a:prstGeom>
+            <a:ln>
+              <a:tailEnd type="triangle"/>
+            </a:ln>
+          </p:spPr>
+          <p:style>
+            <a:lnRef idx="1">
+              <a:schemeClr val="dk1"/>
+            </a:lnRef>
+            <a:fillRef idx="0">
+              <a:schemeClr val="dk1"/>
+            </a:fillRef>
+            <a:effectRef idx="0">
+              <a:schemeClr val="dk1"/>
+            </a:effectRef>
+            <a:fontRef idx="minor">
+              <a:schemeClr val="tx1"/>
+            </a:fontRef>
+          </p:style>
+        </p:cxnSp>
+        <p:sp>
+          <p:nvSpPr>
+            <p:cNvPr id="19" name="TextBox 18">
+              <a:extLst>
+                <a:ext uri="{FF2B5EF4-FFF2-40B4-BE49-F238E27FC236}">
+                  <a16:creationId xmlns:a16="http://schemas.microsoft.com/office/drawing/2014/main" id="{73058AE0-854D-4DA6-B666-0B234E2EF164}"/>
+                </a:ext>
+              </a:extLst>
+            </p:cNvPr>
+            <p:cNvSpPr txBox="1"/>
+            <p:nvPr/>
+          </p:nvSpPr>
+          <p:spPr>
+            <a:xfrm>
+              <a:off x="7455597" y="2869251"/>
+              <a:ext cx="801823" cy="369332"/>
+            </a:xfrm>
+            <a:prstGeom prst="rect">
+              <a:avLst/>
+            </a:prstGeom>
+            <a:noFill/>
+          </p:spPr>
+          <p:txBody>
+            <a:bodyPr wrap="none" rtlCol="0">
+              <a:spAutoFit/>
+            </a:bodyPr>
+            <a:lstStyle/>
+            <a:p>
+              <a:r>
+                <a:rPr lang="ko-KR" altLang="en-US" sz="900" dirty="0" err="1">
+                  <a:solidFill>
+                    <a:schemeClr val="bg1"/>
+                  </a:solidFill>
+                </a:rPr>
+                <a:t>비관심</a:t>
+              </a:r>
+              <a:r>
+                <a:rPr lang="ko-KR" altLang="en-US" sz="900" dirty="0">
+                  <a:solidFill>
+                    <a:schemeClr val="bg1"/>
+                  </a:solidFill>
+                </a:rPr>
+                <a:t> 정보</a:t>
+              </a:r>
+              <a:endParaRPr lang="en-US" altLang="ko-KR" sz="900" dirty="0">
+                <a:solidFill>
+                  <a:schemeClr val="bg1"/>
+                </a:solidFill>
+              </a:endParaRPr>
+            </a:p>
+            <a:p>
+              <a:r>
+                <a:rPr lang="en-US" altLang="ko-KR" sz="900" dirty="0">
+                  <a:solidFill>
+                    <a:schemeClr val="bg1"/>
+                  </a:solidFill>
+                </a:rPr>
+                <a:t>Encoder 1</a:t>
+              </a:r>
+              <a:endParaRPr lang="ko-KR" altLang="en-US" sz="900" dirty="0">
+                <a:solidFill>
+                  <a:schemeClr val="bg1"/>
+                </a:solidFill>
+              </a:endParaRPr>
+            </a:p>
+          </p:txBody>
+        </p:sp>
+        <p:sp>
+          <p:nvSpPr>
+            <p:cNvPr id="20" name="TextBox 19">
+              <a:extLst>
+                <a:ext uri="{FF2B5EF4-FFF2-40B4-BE49-F238E27FC236}">
+                  <a16:creationId xmlns:a16="http://schemas.microsoft.com/office/drawing/2014/main" id="{5310ECB3-8EE9-4796-BEA4-43DAA7D2CEC6}"/>
+                </a:ext>
+              </a:extLst>
+            </p:cNvPr>
+            <p:cNvSpPr txBox="1"/>
+            <p:nvPr/>
+          </p:nvSpPr>
+          <p:spPr>
+            <a:xfrm>
+              <a:off x="7455597" y="3445813"/>
+              <a:ext cx="710451" cy="369332"/>
+            </a:xfrm>
+            <a:prstGeom prst="rect">
+              <a:avLst/>
+            </a:prstGeom>
+            <a:noFill/>
+          </p:spPr>
+          <p:txBody>
+            <a:bodyPr wrap="none" rtlCol="0">
+              <a:spAutoFit/>
+            </a:bodyPr>
+            <a:lstStyle/>
+            <a:p>
+              <a:r>
+                <a:rPr lang="ko-KR" altLang="en-US" sz="900" dirty="0">
+                  <a:solidFill>
+                    <a:schemeClr val="bg1"/>
+                  </a:solidFill>
+                </a:rPr>
+                <a:t>관심 정보</a:t>
+              </a:r>
+              <a:endParaRPr lang="en-US" altLang="ko-KR" sz="900" dirty="0">
+                <a:solidFill>
+                  <a:schemeClr val="bg1"/>
+                </a:solidFill>
+              </a:endParaRPr>
+            </a:p>
+            <a:p>
+              <a:r>
+                <a:rPr lang="en-US" altLang="ko-KR" sz="900" dirty="0">
+                  <a:solidFill>
+                    <a:schemeClr val="bg1"/>
+                  </a:solidFill>
+                </a:rPr>
+                <a:t>Encoder 2</a:t>
+              </a:r>
+              <a:endParaRPr lang="ko-KR" altLang="en-US" sz="900" dirty="0">
+                <a:solidFill>
+                  <a:schemeClr val="bg1"/>
+                </a:solidFill>
+              </a:endParaRPr>
+            </a:p>
+          </p:txBody>
+        </p:sp>
+        <p:sp>
+          <p:nvSpPr>
+            <p:cNvPr id="21" name="TextBox 20">
+              <a:extLst>
+                <a:ext uri="{FF2B5EF4-FFF2-40B4-BE49-F238E27FC236}">
+                  <a16:creationId xmlns:a16="http://schemas.microsoft.com/office/drawing/2014/main" id="{514029A0-81B7-4A2D-B980-78C4777CA477}"/>
+                </a:ext>
+              </a:extLst>
+            </p:cNvPr>
+            <p:cNvSpPr txBox="1"/>
+            <p:nvPr/>
+          </p:nvSpPr>
+          <p:spPr>
+            <a:xfrm>
+              <a:off x="8886076" y="3005317"/>
+              <a:ext cx="707245" cy="507831"/>
+            </a:xfrm>
+            <a:prstGeom prst="rect">
+              <a:avLst/>
+            </a:prstGeom>
+            <a:noFill/>
+          </p:spPr>
+          <p:txBody>
+            <a:bodyPr wrap="none" rtlCol="0">
+              <a:spAutoFit/>
+            </a:bodyPr>
+            <a:lstStyle/>
+            <a:p>
+              <a:pPr algn="ctr"/>
+              <a:r>
+                <a:rPr lang="en-US" altLang="ko-KR" sz="900" dirty="0">
+                  <a:solidFill>
+                    <a:schemeClr val="bg1"/>
+                  </a:solidFill>
+                </a:rPr>
+                <a:t>Decoder</a:t>
+              </a:r>
+            </a:p>
+            <a:p>
+              <a:pPr algn="ctr"/>
+              <a:r>
+                <a:rPr lang="en-US" altLang="ko-KR" sz="900" dirty="0">
+                  <a:solidFill>
+                    <a:schemeClr val="bg1"/>
+                  </a:solidFill>
+                </a:rPr>
+                <a:t>or</a:t>
+              </a:r>
+            </a:p>
+            <a:p>
+              <a:pPr algn="ctr"/>
+              <a:r>
+                <a:rPr lang="en-US" altLang="ko-KR" sz="900" dirty="0">
+                  <a:solidFill>
+                    <a:schemeClr val="bg1"/>
+                  </a:solidFill>
+                </a:rPr>
+                <a:t>Generator</a:t>
+              </a:r>
+              <a:endParaRPr lang="ko-KR" altLang="en-US" sz="900" dirty="0">
+                <a:solidFill>
+                  <a:schemeClr val="bg1"/>
+                </a:solidFill>
+              </a:endParaRPr>
+            </a:p>
+          </p:txBody>
+        </p:sp>
+        <p:sp>
+          <p:nvSpPr>
+            <p:cNvPr id="22" name="TextBox 21">
+              <a:extLst>
+                <a:ext uri="{FF2B5EF4-FFF2-40B4-BE49-F238E27FC236}">
+                  <a16:creationId xmlns:a16="http://schemas.microsoft.com/office/drawing/2014/main" id="{B5B5BBEE-7928-4935-87E0-24686D8F6DE6}"/>
+                </a:ext>
+              </a:extLst>
+            </p:cNvPr>
+            <p:cNvSpPr txBox="1"/>
+            <p:nvPr/>
+          </p:nvSpPr>
+          <p:spPr>
+            <a:xfrm>
+              <a:off x="10215950" y="3167679"/>
+              <a:ext cx="875560" cy="230832"/>
+            </a:xfrm>
+            <a:prstGeom prst="rect">
+              <a:avLst/>
+            </a:prstGeom>
+            <a:noFill/>
+          </p:spPr>
+          <p:txBody>
+            <a:bodyPr wrap="none" rtlCol="0">
+              <a:spAutoFit/>
+            </a:bodyPr>
+            <a:lstStyle/>
+            <a:p>
+              <a:pPr algn="ctr"/>
+              <a:r>
+                <a:rPr lang="en-US" altLang="ko-KR" sz="900" dirty="0">
+                  <a:solidFill>
+                    <a:schemeClr val="bg1"/>
+                  </a:solidFill>
+                </a:rPr>
+                <a:t>Discriminator</a:t>
+              </a:r>
+              <a:endParaRPr lang="ko-KR" altLang="en-US" sz="900" dirty="0">
+                <a:solidFill>
+                  <a:schemeClr val="bg1"/>
+                </a:solidFill>
+              </a:endParaRPr>
+            </a:p>
+          </p:txBody>
+        </p:sp>
+        <p:sp>
+          <p:nvSpPr>
+            <p:cNvPr id="23" name="사각형: 둥근 모서리 22">
+              <a:extLst>
+                <a:ext uri="{FF2B5EF4-FFF2-40B4-BE49-F238E27FC236}">
+                  <a16:creationId xmlns:a16="http://schemas.microsoft.com/office/drawing/2014/main" id="{6472AA62-88F9-4EAA-9ACF-77D9BC59A237}"/>
+                </a:ext>
+              </a:extLst>
+            </p:cNvPr>
+            <p:cNvSpPr/>
+            <p:nvPr/>
+          </p:nvSpPr>
+          <p:spPr>
+            <a:xfrm>
+              <a:off x="7227426" y="2186043"/>
+              <a:ext cx="2661587" cy="2240549"/>
+            </a:xfrm>
+            <a:prstGeom prst="roundRect">
+              <a:avLst/>
+            </a:prstGeom>
+            <a:noFill/>
+            <a:ln w="9525" cap="flat" cmpd="sng" algn="ctr">
+              <a:solidFill>
+                <a:schemeClr val="dk1"/>
+              </a:solidFill>
+              <a:prstDash val="solid"/>
+              <a:round/>
+              <a:headEnd type="none" w="med" len="med"/>
+              <a:tailEnd type="none" w="med" len="med"/>
+            </a:ln>
+          </p:spPr>
+          <p:style>
+            <a:lnRef idx="0">
+              <a:scrgbClr r="0" g="0" b="0"/>
+            </a:lnRef>
+            <a:fillRef idx="0">
+              <a:scrgbClr r="0" g="0" b="0"/>
+            </a:fillRef>
+            <a:effectRef idx="0">
+              <a:scrgbClr r="0" g="0" b="0"/>
+            </a:effectRef>
+            <a:fontRef idx="minor">
+              <a:schemeClr val="dk1"/>
+            </a:fontRef>
+          </p:style>
+          <p:txBody>
+            <a:bodyPr rtlCol="0" anchor="ctr"/>
+            <a:lstStyle/>
+            <a:p>
+              <a:pPr algn="ctr"/>
+              <a:endParaRPr lang="ko-KR" altLang="en-US" sz="1000"/>
+            </a:p>
+          </p:txBody>
+        </p:sp>
+        <p:sp>
+          <p:nvSpPr>
+            <p:cNvPr id="24" name="TextBox 23">
+              <a:extLst>
+                <a:ext uri="{FF2B5EF4-FFF2-40B4-BE49-F238E27FC236}">
+                  <a16:creationId xmlns:a16="http://schemas.microsoft.com/office/drawing/2014/main" id="{39CCE856-4BB4-4556-8D25-7E301A133BB2}"/>
+                </a:ext>
+              </a:extLst>
+            </p:cNvPr>
+            <p:cNvSpPr txBox="1"/>
+            <p:nvPr/>
+          </p:nvSpPr>
+          <p:spPr>
+            <a:xfrm>
+              <a:off x="8123417" y="1938366"/>
+              <a:ext cx="808235" cy="253916"/>
+            </a:xfrm>
+            <a:prstGeom prst="rect">
+              <a:avLst/>
+            </a:prstGeom>
+            <a:noFill/>
+          </p:spPr>
+          <p:txBody>
+            <a:bodyPr wrap="none" rtlCol="0">
+              <a:spAutoFit/>
+            </a:bodyPr>
+            <a:lstStyle/>
+            <a:p>
+              <a:r>
+                <a:rPr lang="en-US" altLang="ko-KR" sz="1000" dirty="0"/>
+                <a:t>AE or VAE</a:t>
+              </a:r>
+              <a:endParaRPr lang="ko-KR" altLang="en-US" sz="1000" dirty="0"/>
+            </a:p>
+          </p:txBody>
+        </p:sp>
+        <p:sp>
+          <p:nvSpPr>
+            <p:cNvPr id="25" name="사각형: 둥근 모서리 24">
+              <a:extLst>
+                <a:ext uri="{FF2B5EF4-FFF2-40B4-BE49-F238E27FC236}">
+                  <a16:creationId xmlns:a16="http://schemas.microsoft.com/office/drawing/2014/main" id="{09E3528F-D88D-4614-A08D-F08C0082E56D}"/>
+                </a:ext>
+              </a:extLst>
+            </p:cNvPr>
+            <p:cNvSpPr/>
+            <p:nvPr/>
+          </p:nvSpPr>
+          <p:spPr>
+            <a:xfrm>
+              <a:off x="7069930" y="1934231"/>
+              <a:ext cx="4283870" cy="2809042"/>
+            </a:xfrm>
+            <a:prstGeom prst="roundRect">
+              <a:avLst/>
+            </a:prstGeom>
+            <a:noFill/>
+            <a:ln w="9525" cap="flat" cmpd="sng" algn="ctr">
+              <a:solidFill>
+                <a:schemeClr val="dk1"/>
+              </a:solidFill>
+              <a:prstDash val="solid"/>
+              <a:round/>
+              <a:headEnd type="none" w="med" len="med"/>
+              <a:tailEnd type="none" w="med" len="med"/>
+            </a:ln>
+          </p:spPr>
+          <p:style>
+            <a:lnRef idx="0">
+              <a:scrgbClr r="0" g="0" b="0"/>
+            </a:lnRef>
+            <a:fillRef idx="0">
+              <a:scrgbClr r="0" g="0" b="0"/>
+            </a:fillRef>
+            <a:effectRef idx="0">
+              <a:scrgbClr r="0" g="0" b="0"/>
+            </a:effectRef>
+            <a:fontRef idx="minor">
+              <a:schemeClr val="dk1"/>
+            </a:fontRef>
+          </p:style>
+          <p:txBody>
+            <a:bodyPr rtlCol="0" anchor="ctr"/>
+            <a:lstStyle/>
+            <a:p>
+              <a:pPr algn="ctr"/>
+              <a:endParaRPr lang="ko-KR" altLang="en-US" sz="1000"/>
+            </a:p>
+          </p:txBody>
+        </p:sp>
+        <p:sp>
+          <p:nvSpPr>
+            <p:cNvPr id="26" name="TextBox 25">
+              <a:extLst>
+                <a:ext uri="{FF2B5EF4-FFF2-40B4-BE49-F238E27FC236}">
+                  <a16:creationId xmlns:a16="http://schemas.microsoft.com/office/drawing/2014/main" id="{BCEF4E70-2863-458C-A5AB-130BAEB4C91E}"/>
+                </a:ext>
+              </a:extLst>
+            </p:cNvPr>
+            <p:cNvSpPr txBox="1"/>
+            <p:nvPr/>
+          </p:nvSpPr>
+          <p:spPr>
+            <a:xfrm>
+              <a:off x="9017085" y="1690688"/>
+              <a:ext cx="457176" cy="246221"/>
+            </a:xfrm>
+            <a:prstGeom prst="rect">
+              <a:avLst/>
+            </a:prstGeom>
+            <a:noFill/>
+          </p:spPr>
+          <p:txBody>
+            <a:bodyPr wrap="none" rtlCol="0">
+              <a:spAutoFit/>
+            </a:bodyPr>
+            <a:lstStyle/>
+            <a:p>
+              <a:r>
+                <a:rPr lang="en-US" altLang="ko-KR" sz="1000" dirty="0"/>
+                <a:t>GAN</a:t>
+              </a:r>
+              <a:endParaRPr lang="ko-KR" altLang="en-US" sz="1000" dirty="0"/>
+            </a:p>
+          </p:txBody>
+        </p:sp>
+        <p:sp>
+          <p:nvSpPr>
+            <p:cNvPr id="27" name="직사각형 26">
+              <a:extLst>
+                <a:ext uri="{FF2B5EF4-FFF2-40B4-BE49-F238E27FC236}">
+                  <a16:creationId xmlns:a16="http://schemas.microsoft.com/office/drawing/2014/main" id="{A5298B1F-EAD3-468A-9EC5-9A02803EFA22}"/>
+                </a:ext>
+              </a:extLst>
+            </p:cNvPr>
+            <p:cNvSpPr/>
+            <p:nvPr/>
+          </p:nvSpPr>
+          <p:spPr>
+            <a:xfrm>
+              <a:off x="7810539" y="4037351"/>
+              <a:ext cx="1497411" cy="335211"/>
+            </a:xfrm>
+            <a:prstGeom prst="rect">
+              <a:avLst/>
+            </a:prstGeom>
+          </p:spPr>
+          <p:style>
+            <a:lnRef idx="2">
+              <a:schemeClr val="dk1"/>
+            </a:lnRef>
+            <a:fillRef idx="1">
+              <a:schemeClr val="lt1"/>
+            </a:fillRef>
+            <a:effectRef idx="0">
+              <a:schemeClr val="dk1"/>
+            </a:effectRef>
+            <a:fontRef idx="minor">
+              <a:schemeClr val="dk1"/>
+            </a:fontRef>
+          </p:style>
+          <p:txBody>
+            <a:bodyPr rtlCol="0" anchor="ctr"/>
+            <a:lstStyle/>
+            <a:p>
+              <a:pPr algn="ctr"/>
+              <a:r>
+                <a:rPr lang="en-US" altLang="ko-KR" sz="800" dirty="0"/>
+                <a:t>Reconstruction</a:t>
+              </a:r>
+              <a:r>
+                <a:rPr lang="en-US" altLang="ko-KR" sz="300" dirty="0"/>
+                <a:t>(+KL</a:t>
+              </a:r>
+              <a:r>
+                <a:rPr lang="ko-KR" altLang="en-US" sz="300" dirty="0"/>
+                <a:t> </a:t>
+              </a:r>
+              <a:r>
+                <a:rPr lang="en-US" altLang="ko-KR" sz="300" dirty="0"/>
+                <a:t>Divergence)</a:t>
+              </a:r>
+            </a:p>
+            <a:p>
+              <a:pPr algn="ctr"/>
+              <a:r>
+                <a:rPr lang="en-US" altLang="ko-KR" sz="800" dirty="0"/>
+                <a:t>Loss</a:t>
+              </a:r>
+              <a:endParaRPr lang="ko-KR" altLang="en-US" sz="800" dirty="0"/>
+            </a:p>
+          </p:txBody>
+        </p:sp>
+        <p:sp>
+          <p:nvSpPr>
+            <p:cNvPr id="28" name="직사각형 27">
+              <a:extLst>
+                <a:ext uri="{FF2B5EF4-FFF2-40B4-BE49-F238E27FC236}">
+                  <a16:creationId xmlns:a16="http://schemas.microsoft.com/office/drawing/2014/main" id="{E3E8A0FC-7F14-4DAE-9D5E-2E02A1F5DD69}"/>
+                </a:ext>
+              </a:extLst>
+            </p:cNvPr>
+            <p:cNvSpPr/>
+            <p:nvPr/>
+          </p:nvSpPr>
+          <p:spPr>
+            <a:xfrm>
+              <a:off x="8626156" y="4477527"/>
+              <a:ext cx="1227084" cy="218726"/>
+            </a:xfrm>
+            <a:prstGeom prst="rect">
+              <a:avLst/>
+            </a:prstGeom>
+          </p:spPr>
+          <p:style>
+            <a:lnRef idx="2">
+              <a:schemeClr val="dk1"/>
+            </a:lnRef>
+            <a:fillRef idx="1">
+              <a:schemeClr val="lt1"/>
+            </a:fillRef>
+            <a:effectRef idx="0">
+              <a:schemeClr val="dk1"/>
+            </a:effectRef>
+            <a:fontRef idx="minor">
+              <a:schemeClr val="dk1"/>
+            </a:fontRef>
+          </p:style>
+          <p:txBody>
+            <a:bodyPr rtlCol="0" anchor="ctr"/>
+            <a:lstStyle/>
+            <a:p>
+              <a:pPr algn="ctr"/>
+              <a:r>
+                <a:rPr lang="en-US" altLang="ko-KR" sz="1000" dirty="0"/>
+                <a:t>Adversarial Loss</a:t>
+              </a:r>
+              <a:endParaRPr lang="ko-KR" altLang="en-US" sz="1000" dirty="0"/>
+            </a:p>
+          </p:txBody>
+        </p:sp>
+        <p:sp>
+          <p:nvSpPr>
+            <p:cNvPr id="29" name="직사각형 28">
+              <a:extLst>
+                <a:ext uri="{FF2B5EF4-FFF2-40B4-BE49-F238E27FC236}">
+                  <a16:creationId xmlns:a16="http://schemas.microsoft.com/office/drawing/2014/main" id="{CB317670-7C30-4FDD-8EAD-472F645B8A63}"/>
+                </a:ext>
+              </a:extLst>
+            </p:cNvPr>
+            <p:cNvSpPr/>
+            <p:nvPr/>
+          </p:nvSpPr>
+          <p:spPr>
+            <a:xfrm>
+              <a:off x="8626156" y="4792250"/>
+              <a:ext cx="1227084" cy="218726"/>
+            </a:xfrm>
+            <a:prstGeom prst="rect">
+              <a:avLst/>
+            </a:prstGeom>
+          </p:spPr>
+          <p:style>
+            <a:lnRef idx="2">
+              <a:schemeClr val="dk1"/>
+            </a:lnRef>
+            <a:fillRef idx="1">
+              <a:schemeClr val="lt1"/>
+            </a:fillRef>
+            <a:effectRef idx="0">
+              <a:schemeClr val="dk1"/>
+            </a:effectRef>
+            <a:fontRef idx="minor">
+              <a:schemeClr val="dk1"/>
+            </a:fontRef>
+          </p:style>
+          <p:txBody>
+            <a:bodyPr rtlCol="0" anchor="ctr"/>
+            <a:lstStyle/>
+            <a:p>
+              <a:pPr algn="ctr"/>
+              <a:r>
+                <a:rPr lang="en-US" altLang="ko-KR" sz="1000" dirty="0"/>
+                <a:t>Identity Loss</a:t>
+              </a:r>
+              <a:endParaRPr lang="ko-KR" altLang="en-US" sz="1000" dirty="0"/>
+            </a:p>
+          </p:txBody>
+        </p:sp>
+        <p:sp>
+          <p:nvSpPr>
+            <p:cNvPr id="30" name="타원 29">
+              <a:extLst>
+                <a:ext uri="{FF2B5EF4-FFF2-40B4-BE49-F238E27FC236}">
+                  <a16:creationId xmlns:a16="http://schemas.microsoft.com/office/drawing/2014/main" id="{17C4D9AB-69F4-44B8-A840-D96B204EB6AB}"/>
+                </a:ext>
+              </a:extLst>
+            </p:cNvPr>
+            <p:cNvSpPr/>
+            <p:nvPr/>
+          </p:nvSpPr>
+          <p:spPr>
+            <a:xfrm>
+              <a:off x="8089654" y="3720671"/>
+              <a:ext cx="117616" cy="117616"/>
+            </a:xfrm>
+            <a:prstGeom prst="ellipse">
+              <a:avLst/>
+            </a:prstGeom>
+            <a:solidFill>
+              <a:srgbClr val="FF0000"/>
+            </a:solidFill>
+            <a:ln>
+              <a:noFill/>
+            </a:ln>
+          </p:spPr>
+          <p:style>
+            <a:lnRef idx="2">
+              <a:schemeClr val="accent1">
+                <a:shade val="50000"/>
+              </a:schemeClr>
+            </a:lnRef>
+            <a:fillRef idx="1">
+              <a:schemeClr val="accent1"/>
+            </a:fillRef>
+            <a:effectRef idx="0">
+              <a:schemeClr val="accent1"/>
+            </a:effectRef>
+            <a:fontRef idx="minor">
+              <a:schemeClr val="lt1"/>
+            </a:fontRef>
+          </p:style>
+          <p:txBody>
+            <a:bodyPr rtlCol="0" anchor="ctr"/>
+            <a:lstStyle/>
+            <a:p>
+              <a:pPr algn="ctr"/>
+              <a:endParaRPr lang="ko-KR" altLang="en-US" sz="1000"/>
+            </a:p>
+          </p:txBody>
+        </p:sp>
+      </p:grpSp>
     </p:spTree>
     <p:extLst>
       <p:ext uri="{BB962C8B-B14F-4D97-AF65-F5344CB8AC3E}">
-        <p14:creationId xmlns:p14="http://schemas.microsoft.com/office/powerpoint/2010/main" val="2385030473"/>
+        <p14:creationId xmlns:p14="http://schemas.microsoft.com/office/powerpoint/2010/main" val="1143846660"/>
       </p:ext>
     </p:extLst>
   </p:cSld>
